--- a/Bai 14 Phan lop va ung dung trong tim kiem.pptx
+++ b/Bai 14 Phan lop va ung dung trong tim kiem.pptx
@@ -5,7 +5,7 @@
     <p:sldMasterId id="2147483652" r:id="rId1"/>
   </p:sldMasterIdLst>
   <p:notesMasterIdLst>
-    <p:notesMasterId r:id="rId30"/>
+    <p:notesMasterId r:id="rId31"/>
   </p:notesMasterIdLst>
   <p:sldIdLst>
     <p:sldId id="313" r:id="rId2"/>
@@ -28,14 +28,15 @@
     <p:sldId id="516" r:id="rId19"/>
     <p:sldId id="517" r:id="rId20"/>
     <p:sldId id="529" r:id="rId21"/>
-    <p:sldId id="530" r:id="rId22"/>
-    <p:sldId id="525" r:id="rId23"/>
-    <p:sldId id="519" r:id="rId24"/>
-    <p:sldId id="520" r:id="rId25"/>
-    <p:sldId id="521" r:id="rId26"/>
-    <p:sldId id="522" r:id="rId27"/>
-    <p:sldId id="531" r:id="rId28"/>
-    <p:sldId id="418" r:id="rId29"/>
+    <p:sldId id="532" r:id="rId22"/>
+    <p:sldId id="530" r:id="rId23"/>
+    <p:sldId id="525" r:id="rId24"/>
+    <p:sldId id="519" r:id="rId25"/>
+    <p:sldId id="520" r:id="rId26"/>
+    <p:sldId id="521" r:id="rId27"/>
+    <p:sldId id="522" r:id="rId28"/>
+    <p:sldId id="531" r:id="rId29"/>
+    <p:sldId id="418" r:id="rId30"/>
   </p:sldIdLst>
   <p:sldSz cx="9144000" cy="6858000" type="screen4x3"/>
   <p:notesSz cx="6858000" cy="9144000"/>
@@ -166,7 +167,7 @@
   </p:defaultTextStyle>
   <p:extLst>
     <p:ext uri="{EFAFB233-063F-42B5-8137-9DF3F51BA10A}">
-      <p15:sldGuideLst xmlns="" xmlns:p15="http://schemas.microsoft.com/office/powerpoint/2012/main">
+      <p15:sldGuideLst xmlns:p15="http://schemas.microsoft.com/office/powerpoint/2012/main" xmlns="">
         <p15:guide id="1" orient="horz" pos="2160">
           <p15:clr>
             <a:srgbClr val="A4A3A4"/>
@@ -922,94 +923,94 @@
           <a:lstStyle/>
           <a:p>
             <a:r>
-              <a:rPr lang="en-US" dirty="0" err="1" smtClean="0"/>
+              <a:rPr lang="en-US" err="1" smtClean="0"/>
               <a:t>Lấy</a:t>
             </a:r>
             <a:r>
-              <a:rPr lang="en-US" baseline="0" dirty="0" smtClean="0"/>
+              <a:rPr lang="en-US" baseline="0" smtClean="0"/>
               <a:t> </a:t>
             </a:r>
             <a:r>
-              <a:rPr lang="en-US" baseline="0" dirty="0" err="1" smtClean="0"/>
+              <a:rPr lang="en-US" baseline="0" err="1" smtClean="0"/>
               <a:t>ví</a:t>
             </a:r>
             <a:r>
-              <a:rPr lang="en-US" baseline="0" dirty="0" smtClean="0"/>
+              <a:rPr lang="en-US" baseline="0" smtClean="0"/>
               <a:t> </a:t>
             </a:r>
             <a:r>
-              <a:rPr lang="en-US" baseline="0" dirty="0" err="1" smtClean="0"/>
+              <a:rPr lang="en-US" baseline="0" err="1" smtClean="0"/>
               <a:t>dụ</a:t>
             </a:r>
             <a:r>
-              <a:rPr lang="en-US" baseline="0" dirty="0" smtClean="0"/>
+              <a:rPr lang="en-US" baseline="0" smtClean="0"/>
               <a:t> </a:t>
             </a:r>
             <a:r>
-              <a:rPr lang="en-US" baseline="0" dirty="0" err="1" smtClean="0"/>
+              <a:rPr lang="en-US" baseline="0" err="1" smtClean="0"/>
               <a:t>về</a:t>
             </a:r>
             <a:r>
-              <a:rPr lang="en-US" baseline="0" dirty="0" smtClean="0"/>
+              <a:rPr lang="en-US" baseline="0" smtClean="0"/>
               <a:t> </a:t>
             </a:r>
             <a:r>
-              <a:rPr lang="en-US" baseline="0" dirty="0" err="1" smtClean="0"/>
+              <a:rPr lang="en-US" baseline="0" err="1" smtClean="0"/>
               <a:t>ứng</a:t>
             </a:r>
             <a:r>
-              <a:rPr lang="en-US" baseline="0" dirty="0" smtClean="0"/>
+              <a:rPr lang="en-US" baseline="0" smtClean="0"/>
               <a:t> </a:t>
             </a:r>
             <a:r>
-              <a:rPr lang="en-US" baseline="0" dirty="0" err="1" smtClean="0"/>
+              <a:rPr lang="en-US" baseline="0" err="1" smtClean="0"/>
               <a:t>dụng</a:t>
             </a:r>
             <a:r>
-              <a:rPr lang="en-US" baseline="0" dirty="0" smtClean="0"/>
+              <a:rPr lang="en-US" baseline="0" smtClean="0"/>
               <a:t> </a:t>
             </a:r>
             <a:r>
-              <a:rPr lang="en-US" baseline="0" dirty="0" err="1" smtClean="0"/>
+              <a:rPr lang="en-US" baseline="0" err="1" smtClean="0"/>
               <a:t>phân</a:t>
             </a:r>
             <a:r>
-              <a:rPr lang="en-US" baseline="0" dirty="0" smtClean="0"/>
+              <a:rPr lang="en-US" baseline="0" smtClean="0"/>
               <a:t> </a:t>
             </a:r>
             <a:r>
-              <a:rPr lang="en-US" baseline="0" dirty="0" err="1" smtClean="0"/>
+              <a:rPr lang="en-US" baseline="0" err="1" smtClean="0"/>
               <a:t>lớp</a:t>
             </a:r>
             <a:r>
-              <a:rPr lang="en-US" baseline="0" dirty="0" smtClean="0"/>
+              <a:rPr lang="en-US" baseline="0" smtClean="0"/>
               <a:t> </a:t>
             </a:r>
             <a:r>
-              <a:rPr lang="en-US" baseline="0" dirty="0" err="1" smtClean="0"/>
+              <a:rPr lang="en-US" baseline="0" err="1" smtClean="0"/>
               <a:t>trong</a:t>
             </a:r>
             <a:r>
-              <a:rPr lang="en-US" baseline="0" dirty="0" smtClean="0"/>
+              <a:rPr lang="en-US" baseline="0" smtClean="0"/>
               <a:t> </a:t>
             </a:r>
             <a:r>
-              <a:rPr lang="en-US" baseline="0" dirty="0" err="1" smtClean="0"/>
+              <a:rPr lang="en-US" baseline="0" err="1" smtClean="0"/>
               <a:t>tìm</a:t>
             </a:r>
             <a:r>
-              <a:rPr lang="en-US" baseline="0" dirty="0" smtClean="0"/>
+              <a:rPr lang="en-US" baseline="0" smtClean="0"/>
               <a:t> </a:t>
             </a:r>
             <a:r>
-              <a:rPr lang="en-US" baseline="0" dirty="0" err="1" smtClean="0"/>
+              <a:rPr lang="en-US" baseline="0" err="1" smtClean="0"/>
               <a:t>kiếm</a:t>
             </a:r>
             <a:r>
-              <a:rPr lang="en-US" baseline="0" dirty="0" smtClean="0"/>
+              <a:rPr lang="en-US" baseline="0" smtClean="0"/>
               <a:t>?</a:t>
             </a:r>
-            <a:endParaRPr lang="vi-VN" dirty="0"/>
+            <a:endParaRPr lang="vi-VN"/>
           </a:p>
         </p:txBody>
       </p:sp>
@@ -1100,87 +1101,87 @@
           <a:lstStyle/>
           <a:p>
             <a:r>
-              <a:rPr lang="en-US" dirty="0" err="1" smtClean="0"/>
+              <a:rPr lang="en-US" err="1" smtClean="0"/>
               <a:t>Lấy</a:t>
             </a:r>
             <a:r>
-              <a:rPr lang="en-US" baseline="0" dirty="0" smtClean="0"/>
+              <a:rPr lang="en-US" baseline="0" smtClean="0"/>
               <a:t> </a:t>
             </a:r>
             <a:r>
-              <a:rPr lang="en-US" baseline="0" dirty="0" err="1" smtClean="0"/>
+              <a:rPr lang="en-US" baseline="0" err="1" smtClean="0"/>
               <a:t>ví</a:t>
             </a:r>
             <a:r>
-              <a:rPr lang="en-US" baseline="0" dirty="0" smtClean="0"/>
+              <a:rPr lang="en-US" baseline="0" smtClean="0"/>
               <a:t> </a:t>
             </a:r>
             <a:r>
-              <a:rPr lang="en-US" baseline="0" dirty="0" err="1" smtClean="0"/>
+              <a:rPr lang="en-US" baseline="0" err="1" smtClean="0"/>
               <a:t>dụ</a:t>
             </a:r>
             <a:r>
-              <a:rPr lang="en-US" baseline="0" dirty="0" smtClean="0"/>
+              <a:rPr lang="en-US" baseline="0" smtClean="0"/>
               <a:t> </a:t>
             </a:r>
             <a:r>
-              <a:rPr lang="en-US" baseline="0" dirty="0" err="1" smtClean="0"/>
+              <a:rPr lang="en-US" baseline="0" err="1" smtClean="0"/>
               <a:t>về</a:t>
             </a:r>
             <a:r>
-              <a:rPr lang="en-US" baseline="0" dirty="0" smtClean="0"/>
+              <a:rPr lang="en-US" baseline="0" smtClean="0"/>
               <a:t> </a:t>
             </a:r>
             <a:r>
-              <a:rPr lang="en-US" baseline="0" dirty="0" err="1" smtClean="0"/>
+              <a:rPr lang="en-US" baseline="0" err="1" smtClean="0"/>
               <a:t>ứng</a:t>
             </a:r>
             <a:r>
-              <a:rPr lang="en-US" baseline="0" dirty="0" smtClean="0"/>
+              <a:rPr lang="en-US" baseline="0" smtClean="0"/>
               <a:t> </a:t>
             </a:r>
             <a:r>
-              <a:rPr lang="en-US" baseline="0" dirty="0" err="1" smtClean="0"/>
+              <a:rPr lang="en-US" baseline="0" err="1" smtClean="0"/>
               <a:t>dụng</a:t>
             </a:r>
             <a:r>
-              <a:rPr lang="en-US" baseline="0" dirty="0" smtClean="0"/>
+              <a:rPr lang="en-US" baseline="0" smtClean="0"/>
               <a:t> </a:t>
             </a:r>
             <a:r>
-              <a:rPr lang="en-US" baseline="0" dirty="0" err="1" smtClean="0"/>
+              <a:rPr lang="en-US" baseline="0" err="1" smtClean="0"/>
               <a:t>phân</a:t>
             </a:r>
             <a:r>
-              <a:rPr lang="en-US" baseline="0" dirty="0" smtClean="0"/>
+              <a:rPr lang="en-US" baseline="0" smtClean="0"/>
               <a:t> </a:t>
             </a:r>
             <a:r>
-              <a:rPr lang="en-US" baseline="0" dirty="0" err="1" smtClean="0"/>
+              <a:rPr lang="en-US" baseline="0" err="1" smtClean="0"/>
               <a:t>lớp</a:t>
             </a:r>
             <a:r>
-              <a:rPr lang="en-US" baseline="0" dirty="0" smtClean="0"/>
+              <a:rPr lang="en-US" baseline="0" smtClean="0"/>
               <a:t> </a:t>
             </a:r>
             <a:r>
-              <a:rPr lang="en-US" baseline="0" dirty="0" err="1" smtClean="0"/>
+              <a:rPr lang="en-US" baseline="0" err="1" smtClean="0"/>
               <a:t>trong</a:t>
             </a:r>
             <a:r>
-              <a:rPr lang="en-US" baseline="0" dirty="0" smtClean="0"/>
+              <a:rPr lang="en-US" baseline="0" smtClean="0"/>
               <a:t> </a:t>
             </a:r>
             <a:r>
-              <a:rPr lang="en-US" baseline="0" dirty="0" err="1" smtClean="0"/>
+              <a:rPr lang="en-US" baseline="0" err="1" smtClean="0"/>
               <a:t>tìm</a:t>
             </a:r>
             <a:r>
-              <a:rPr lang="en-US" baseline="0" dirty="0" smtClean="0"/>
+              <a:rPr lang="en-US" baseline="0" smtClean="0"/>
               <a:t> </a:t>
             </a:r>
             <a:r>
-              <a:rPr lang="en-US" baseline="0" dirty="0" err="1" smtClean="0"/>
+              <a:rPr lang="en-US" baseline="0" err="1" smtClean="0"/>
               <a:t>kiếm</a:t>
             </a:r>
             <a:r>
@@ -1388,10 +1389,10 @@
           <a:lstStyle/>
           <a:p>
             <a:r>
-              <a:rPr lang="vi-VN" dirty="0" smtClean="0"/>
+              <a:rPr lang="vi-VN" smtClean="0"/>
               <a:t>Theo MLE</a:t>
             </a:r>
-            <a:endParaRPr lang="vi-VN" dirty="0"/>
+            <a:endParaRPr lang="vi-VN"/>
           </a:p>
         </p:txBody>
       </p:sp>
@@ -1595,6 +1596,116 @@
               </a:rPr>
               <a:pPr/>
               <a:t>21</a:t>
+            </a:fld>
+            <a:endParaRPr lang="en-US" smtClean="0">
+              <a:ea typeface="ＭＳ Ｐゴシック" charset="-128"/>
+            </a:endParaRPr>
+          </a:p>
+        </p:txBody>
+      </p:sp>
+      <p:sp>
+        <p:nvSpPr>
+          <p:cNvPr id="291843" name="Rectangle 1"/>
+          <p:cNvSpPr>
+            <a:spLocks noGrp="1" noRot="1" noChangeAspect="1" noChangeArrowheads="1" noTextEdit="1"/>
+          </p:cNvSpPr>
+          <p:nvPr>
+            <p:ph type="sldImg"/>
+          </p:nvPr>
+        </p:nvSpPr>
+        <p:spPr>
+          <a:xfrm>
+            <a:off x="1144588" y="685800"/>
+            <a:ext cx="4570412" cy="3429000"/>
+          </a:xfrm>
+          <a:solidFill>
+            <a:srgbClr val="FFFFFF"/>
+          </a:solidFill>
+          <a:ln/>
+        </p:spPr>
+      </p:sp>
+      <p:sp>
+        <p:nvSpPr>
+          <p:cNvPr id="291844" name="Rectangle 2"/>
+          <p:cNvSpPr>
+            <a:spLocks noGrp="1" noChangeArrowheads="1"/>
+          </p:cNvSpPr>
+          <p:nvPr>
+            <p:ph type="body" idx="1"/>
+          </p:nvPr>
+        </p:nvSpPr>
+        <p:spPr>
+          <a:xfrm>
+            <a:off x="913805" y="4343703"/>
+            <a:ext cx="5025926" cy="4110869"/>
+          </a:xfrm>
+          <a:noFill/>
+          <a:ln/>
+        </p:spPr>
+        <p:txBody>
+          <a:bodyPr wrap="none" anchor="ctr"/>
+          <a:lstStyle/>
+          <a:p>
+            <a:endParaRPr lang="de-DE" smtClean="0"/>
+          </a:p>
+        </p:txBody>
+      </p:sp>
+    </p:spTree>
+  </p:cSld>
+  <p:clrMapOvr>
+    <a:masterClrMapping/>
+  </p:clrMapOvr>
+</p:notes>
+</file>
+
+<file path=ppt/notesSlides/notesSlide8.xml><?xml version="1.0" encoding="utf-8"?>
+<p:notes xmlns:a="http://schemas.openxmlformats.org/drawingml/2006/main" xmlns:r="http://schemas.openxmlformats.org/officeDocument/2006/relationships" xmlns:p="http://schemas.openxmlformats.org/presentationml/2006/main">
+  <p:cSld>
+    <p:bg>
+      <p:bgPr>
+        <a:solidFill>
+          <a:srgbClr val="FFFFFF"/>
+        </a:solidFill>
+        <a:effectLst/>
+      </p:bgPr>
+    </p:bg>
+    <p:spTree>
+      <p:nvGrpSpPr>
+        <p:cNvPr id="1" name=""/>
+        <p:cNvGrpSpPr/>
+        <p:nvPr/>
+      </p:nvGrpSpPr>
+      <p:grpSpPr>
+        <a:xfrm>
+          <a:off x="0" y="0"/>
+          <a:ext cx="0" cy="0"/>
+          <a:chOff x="0" y="0"/>
+          <a:chExt cx="0" cy="0"/>
+        </a:xfrm>
+      </p:grpSpPr>
+      <p:sp>
+        <p:nvSpPr>
+          <p:cNvPr id="291842" name="Rectangle 10"/>
+          <p:cNvSpPr>
+            <a:spLocks noGrp="1" noChangeArrowheads="1"/>
+          </p:cNvSpPr>
+          <p:nvPr>
+            <p:ph type="sldNum" sz="quarter"/>
+          </p:nvPr>
+        </p:nvSpPr>
+        <p:spPr>
+          <a:noFill/>
+        </p:spPr>
+        <p:txBody>
+          <a:bodyPr/>
+          <a:lstStyle/>
+          <a:p>
+            <a:fld id="{7877EAF2-EF67-4E70-95E3-8FCEFB74D208}" type="slidenum">
+              <a:rPr lang="en-US" smtClean="0">
+                <a:ea typeface="ＭＳ Ｐゴシック" charset="-128"/>
+              </a:rPr>
+              <a:pPr/>
+              <a:t>22</a:t>
             </a:fld>
             <a:endParaRPr lang="en-US" smtClean="0">
               <a:ea typeface="ＭＳ Ｐゴシック" charset="-128"/>
@@ -7417,14 +7528,14 @@
           <a:p>
             <a:pPr eaLnBrk="1" hangingPunct="1"/>
             <a:r>
-              <a:rPr lang="en-US" sz="3200" dirty="0" smtClean="0"/>
+              <a:rPr lang="en-US" sz="3200" smtClean="0"/>
               <a:t>IT4853</a:t>
             </a:r>
             <a:br>
-              <a:rPr lang="en-US" sz="3200" dirty="0" smtClean="0"/>
+              <a:rPr lang="en-US" sz="3200" smtClean="0"/>
             </a:br>
             <a:r>
-              <a:rPr lang="vi-VN" sz="3200" dirty="0" smtClean="0"/>
+              <a:rPr lang="vi-VN" sz="3200" smtClean="0"/>
               <a:t>Tìm kiếm và trình diễn thông tin</a:t>
             </a:r>
           </a:p>
@@ -7452,10 +7563,10 @@
           <a:p>
             <a:pPr algn="r" eaLnBrk="1" hangingPunct="1"/>
             <a:r>
-              <a:rPr lang="vi-VN" sz="2800" dirty="0" smtClean="0"/>
+              <a:rPr lang="vi-VN" sz="2800" smtClean="0"/>
               <a:t>Chương 14. Phân lớp và ứng dụng trong tìm kiếm</a:t>
             </a:r>
-            <a:endParaRPr lang="vi-VN" sz="2000" dirty="0" smtClean="0"/>
+            <a:endParaRPr lang="vi-VN" sz="2000" smtClean="0"/>
           </a:p>
         </p:txBody>
       </p:sp>
@@ -7690,19 +7801,19 @@
               <a:buNone/>
             </a:pPr>
             <a:r>
-              <a:rPr lang="en-US" altLang="ru-RU" sz="1800" b="0" dirty="0" err="1">
+              <a:rPr lang="en-US" altLang="ru-RU" sz="1800" b="0" err="1">
                 <a:cs typeface="Arial" panose="020B0604020202020204" pitchFamily="34" charset="0"/>
               </a:rPr>
               <a:t>Hà</a:t>
             </a:r>
             <a:r>
-              <a:rPr lang="en-US" altLang="ru-RU" sz="1800" b="0" dirty="0">
+              <a:rPr lang="en-US" altLang="ru-RU" sz="1800" b="0">
                 <a:cs typeface="Arial" panose="020B0604020202020204" pitchFamily="34" charset="0"/>
               </a:rPr>
               <a:t> </a:t>
             </a:r>
             <a:r>
-              <a:rPr lang="en-US" altLang="ru-RU" sz="1800" b="0" dirty="0" err="1">
+              <a:rPr lang="en-US" altLang="ru-RU" sz="1800" b="0" err="1">
                 <a:cs typeface="Arial" panose="020B0604020202020204" pitchFamily="34" charset="0"/>
               </a:rPr>
               <a:t>Nội</a:t>
@@ -7719,7 +7830,7 @@
               </a:rPr>
               <a:t>2016</a:t>
             </a:r>
-            <a:endParaRPr lang="vi-VN" altLang="ru-RU" sz="1800" b="0" dirty="0">
+            <a:endParaRPr lang="vi-VN" altLang="ru-RU" sz="1800" b="0">
               <a:cs typeface="Arial" panose="020B0604020202020204" pitchFamily="34" charset="0"/>
             </a:endParaRPr>
           </a:p>
@@ -7878,20 +7989,20 @@
           </a:lstStyle>
           <a:p>
             <a:r>
-              <a:rPr lang="vi-VN" altLang="ru-RU" sz="1400" b="0" dirty="0" smtClean="0"/>
+              <a:rPr lang="vi-VN" altLang="ru-RU" sz="1400" b="0" smtClean="0"/>
               <a:t>TS. Nguyễn Bá Ngọc, </a:t>
             </a:r>
             <a:r>
-              <a:rPr lang="vi-VN" altLang="ru-RU" sz="1400" b="0" i="1" dirty="0" smtClean="0"/>
+              <a:rPr lang="vi-VN" altLang="ru-RU" sz="1400" b="0" i="1" smtClean="0"/>
               <a:t>Bộ môn Hệ thống thông tin, Viện CNTT &amp; TT</a:t>
             </a:r>
           </a:p>
           <a:p>
             <a:r>
-              <a:rPr lang="vi-VN" altLang="ru-RU" sz="1400" b="0" i="1" dirty="0" smtClean="0"/>
+              <a:rPr lang="vi-VN" altLang="ru-RU" sz="1400" b="0" i="1" smtClean="0"/>
               <a:t>ngocnb@soict.hust.edu.vn</a:t>
             </a:r>
-            <a:endParaRPr lang="vi-VN" altLang="ru-RU" sz="1400" b="0" i="1" dirty="0"/>
+            <a:endParaRPr lang="vi-VN" altLang="ru-RU" sz="1400" b="0" i="1"/>
           </a:p>
         </p:txBody>
       </p:sp>
@@ -7944,14 +8055,9 @@
           <a:p>
             <a:pPr eaLnBrk="1" hangingPunct="1"/>
             <a:r>
-              <a:rPr lang="vi-VN" sz="3600" dirty="0" smtClean="0"/>
-              <a:t>Phương pháp phân lớp </a:t>
-            </a:r>
-            <a:r>
-              <a:rPr lang="vi-VN" sz="3600" dirty="0" smtClean="0"/>
-              <a:t>dựa trên xác suất/thống kê</a:t>
-            </a:r>
-            <a:endParaRPr lang="vi-VN" sz="3600" dirty="0" smtClean="0"/>
+              <a:rPr lang="vi-VN" sz="3600" smtClean="0"/>
+              <a:t>Phương pháp phân lớp dựa trên xác suất/thống kê</a:t>
+            </a:r>
           </a:p>
         </p:txBody>
       </p:sp>
@@ -7979,7 +8085,7 @@
               <a:defRPr/>
             </a:pPr>
             <a:r>
-              <a:rPr lang="vi-VN" sz="2800" dirty="0" smtClean="0">
+              <a:rPr lang="vi-VN" sz="2800" smtClean="0">
                 <a:latin typeface="+mj-lt"/>
               </a:rPr>
               <a:t>Bài toán phân lớp văn bản:</a:t>
@@ -7990,26 +8096,26 @@
               <a:defRPr/>
             </a:pPr>
             <a:r>
-              <a:rPr lang="vi-VN" sz="2400" dirty="0" smtClean="0">
+              <a:rPr lang="vi-VN" sz="2400" smtClean="0">
                 <a:latin typeface="+mj-lt"/>
               </a:rPr>
               <a:t>Huấn luyện: Học có giám sát, nhằm xác định </a:t>
             </a:r>
             <a:r>
-              <a:rPr lang="el-GR" sz="2400" dirty="0" smtClean="0">
+              <a:rPr lang="el-GR" sz="2400" smtClean="0">
                 <a:latin typeface="Calibri"/>
                 <a:cs typeface="Calibri"/>
               </a:rPr>
               <a:t>ϒ</a:t>
             </a:r>
             <a:r>
-              <a:rPr lang="vi-VN" sz="2400" dirty="0">
+              <a:rPr lang="vi-VN" sz="2400">
                 <a:latin typeface="Calibri"/>
                 <a:cs typeface="Calibri"/>
               </a:rPr>
               <a:t>;</a:t>
             </a:r>
-            <a:endParaRPr lang="vi-VN" sz="2400" dirty="0" smtClean="0">
+            <a:endParaRPr lang="vi-VN" sz="2400" smtClean="0">
               <a:latin typeface="+mj-lt"/>
             </a:endParaRPr>
           </a:p>
@@ -8018,27 +8124,27 @@
               <a:defRPr/>
             </a:pPr>
             <a:r>
-              <a:rPr lang="vi-VN" sz="2400" dirty="0" smtClean="0">
+              <a:rPr lang="vi-VN" sz="2400" smtClean="0">
                 <a:latin typeface="+mj-lt"/>
               </a:rPr>
               <a:t>Phân lớp: Sử dụng </a:t>
             </a:r>
             <a:r>
-              <a:rPr lang="el-GR" sz="2400" dirty="0">
+              <a:rPr lang="el-GR" sz="2400">
                 <a:latin typeface="Calibri"/>
                 <a:cs typeface="Calibri"/>
               </a:rPr>
               <a:t>ϒ </a:t>
             </a:r>
             <a:r>
-              <a:rPr lang="vi-VN" sz="2400" dirty="0" smtClean="0">
+              <a:rPr lang="vi-VN" sz="2400" smtClean="0">
                 <a:latin typeface="Calibri"/>
                 <a:cs typeface="Calibri"/>
               </a:rPr>
               <a:t> </a:t>
             </a:r>
             <a:r>
-              <a:rPr lang="vi-VN" sz="2400" dirty="0" smtClean="0">
+              <a:rPr lang="vi-VN" sz="2400" smtClean="0">
                 <a:latin typeface="+mj-lt"/>
               </a:rPr>
               <a:t>để phân lớp văn bản.</a:t>
@@ -8049,16 +8155,10 @@
               <a:defRPr/>
             </a:pPr>
             <a:r>
-              <a:rPr lang="vi-VN" sz="2800" dirty="0" smtClean="0">
+              <a:rPr lang="vi-VN" sz="2800" smtClean="0">
                 <a:latin typeface="+mj-lt"/>
               </a:rPr>
-              <a:t>Tiêu </a:t>
-            </a:r>
-            <a:r>
-              <a:rPr lang="vi-VN" sz="2800" dirty="0" smtClean="0">
-                <a:latin typeface="+mj-lt"/>
-              </a:rPr>
-              <a:t>biểu: Naïve Bayes, Rocchio, kNN, SVMs</a:t>
+              <a:t>Tiêu biểu: Naïve Bayes, Rocchio, kNN, SVMs</a:t>
             </a:r>
           </a:p>
           <a:p>
@@ -8066,16 +8166,10 @@
               <a:defRPr/>
             </a:pPr>
             <a:r>
-              <a:rPr lang="vi-VN" sz="2400" dirty="0" smtClean="0">
+              <a:rPr lang="vi-VN" sz="2400" smtClean="0">
                 <a:latin typeface="+mj-lt"/>
               </a:rPr>
-              <a:t>Cần thiết lập bộ dữ liệu huấn luyện</a:t>
-            </a:r>
-            <a:r>
-              <a:rPr lang="vi-VN" sz="2400" dirty="0" smtClean="0">
-                <a:latin typeface="+mj-lt"/>
-              </a:rPr>
-              <a:t>;</a:t>
+              <a:t>Cần thiết lập bộ dữ liệu huấn luyện;</a:t>
             </a:r>
           </a:p>
           <a:p>
@@ -8083,14 +8177,11 @@
               <a:defRPr/>
             </a:pPr>
             <a:r>
-              <a:rPr lang="vi-VN" sz="2000" dirty="0" smtClean="0">
+              <a:rPr lang="vi-VN" sz="2000" smtClean="0">
                 <a:latin typeface="+mj-lt"/>
               </a:rPr>
               <a:t>Tuy nhiên không yêu cầu chuyên gia.</a:t>
             </a:r>
-            <a:endParaRPr lang="vi-VN" sz="2000" dirty="0" smtClean="0">
-              <a:latin typeface="+mj-lt"/>
-            </a:endParaRPr>
           </a:p>
         </p:txBody>
       </p:sp>
@@ -8177,18 +8268,18 @@
           <a:p>
             <a:pPr eaLnBrk="1" hangingPunct="1"/>
             <a:r>
-              <a:rPr lang="en-US" sz="3600" dirty="0" err="1" smtClean="0"/>
+              <a:rPr lang="en-US" sz="3600" err="1" smtClean="0"/>
               <a:t>Nội</a:t>
             </a:r>
             <a:r>
-              <a:rPr lang="en-US" sz="3600" dirty="0" smtClean="0"/>
+              <a:rPr lang="en-US" sz="3600" smtClean="0"/>
               <a:t> dung </a:t>
             </a:r>
             <a:r>
-              <a:rPr lang="en-US" sz="3600" dirty="0" err="1" smtClean="0"/>
+              <a:rPr lang="en-US" sz="3600" err="1" smtClean="0"/>
               <a:t>chính</a:t>
             </a:r>
-            <a:endParaRPr lang="vi-VN" sz="3600" dirty="0" smtClean="0"/>
+            <a:endParaRPr lang="vi-VN" sz="3600" smtClean="0"/>
           </a:p>
         </p:txBody>
       </p:sp>
@@ -8216,7 +8307,7 @@
               <a:defRPr/>
             </a:pPr>
             <a:r>
-              <a:rPr lang="en-US" sz="2800" dirty="0" err="1" smtClean="0">
+              <a:rPr lang="en-US" sz="2800" err="1" smtClean="0">
                 <a:solidFill>
                   <a:schemeClr val="bg1">
                     <a:lumMod val="65000"/>
@@ -8226,7 +8317,7 @@
               <a:t>Ứng</a:t>
             </a:r>
             <a:r>
-              <a:rPr lang="en-US" sz="2800" dirty="0" smtClean="0">
+              <a:rPr lang="en-US" sz="2800" smtClean="0">
                 <a:solidFill>
                   <a:schemeClr val="bg1">
                     <a:lumMod val="65000"/>
@@ -8236,7 +8327,7 @@
               <a:t> </a:t>
             </a:r>
             <a:r>
-              <a:rPr lang="en-US" sz="2800" dirty="0" err="1" smtClean="0">
+              <a:rPr lang="en-US" sz="2800" err="1" smtClean="0">
                 <a:solidFill>
                   <a:schemeClr val="bg1">
                     <a:lumMod val="65000"/>
@@ -8246,7 +8337,7 @@
               <a:t>dụng</a:t>
             </a:r>
             <a:r>
-              <a:rPr lang="en-US" sz="2800" dirty="0" smtClean="0">
+              <a:rPr lang="en-US" sz="2800" smtClean="0">
                 <a:solidFill>
                   <a:schemeClr val="bg1">
                     <a:lumMod val="65000"/>
@@ -8256,7 +8347,7 @@
               <a:t> </a:t>
             </a:r>
             <a:r>
-              <a:rPr lang="en-US" sz="2800" dirty="0" err="1" smtClean="0">
+              <a:rPr lang="en-US" sz="2800" err="1" smtClean="0">
                 <a:solidFill>
                   <a:schemeClr val="bg1">
                     <a:lumMod val="65000"/>
@@ -8266,7 +8357,7 @@
               <a:t>phân</a:t>
             </a:r>
             <a:r>
-              <a:rPr lang="en-US" sz="2800" dirty="0" smtClean="0">
+              <a:rPr lang="en-US" sz="2800" smtClean="0">
                 <a:solidFill>
                   <a:schemeClr val="bg1">
                     <a:lumMod val="65000"/>
@@ -8276,7 +8367,7 @@
               <a:t> </a:t>
             </a:r>
             <a:r>
-              <a:rPr lang="en-US" sz="2800" dirty="0" err="1" smtClean="0">
+              <a:rPr lang="en-US" sz="2800" err="1" smtClean="0">
                 <a:solidFill>
                   <a:schemeClr val="bg1">
                     <a:lumMod val="65000"/>
@@ -8286,7 +8377,7 @@
               <a:t>lớp</a:t>
             </a:r>
             <a:r>
-              <a:rPr lang="en-US" sz="2800" dirty="0" smtClean="0">
+              <a:rPr lang="en-US" sz="2800" smtClean="0">
                 <a:solidFill>
                   <a:schemeClr val="bg1">
                     <a:lumMod val="65000"/>
@@ -8296,7 +8387,7 @@
               <a:t> </a:t>
             </a:r>
             <a:r>
-              <a:rPr lang="en-US" sz="2800" dirty="0" err="1" smtClean="0">
+              <a:rPr lang="en-US" sz="2800" err="1" smtClean="0">
                 <a:solidFill>
                   <a:schemeClr val="bg1">
                     <a:lumMod val="65000"/>
@@ -8306,7 +8397,7 @@
               <a:t>trong</a:t>
             </a:r>
             <a:r>
-              <a:rPr lang="en-US" sz="2800" dirty="0" smtClean="0">
+              <a:rPr lang="en-US" sz="2800" smtClean="0">
                 <a:solidFill>
                   <a:schemeClr val="bg1">
                     <a:lumMod val="65000"/>
@@ -8316,7 +8407,7 @@
               <a:t> </a:t>
             </a:r>
             <a:r>
-              <a:rPr lang="en-US" sz="2800" dirty="0" err="1" smtClean="0">
+              <a:rPr lang="en-US" sz="2800" err="1" smtClean="0">
                 <a:solidFill>
                   <a:schemeClr val="bg1">
                     <a:lumMod val="65000"/>
@@ -8326,7 +8417,7 @@
               <a:t>tìm</a:t>
             </a:r>
             <a:r>
-              <a:rPr lang="en-US" sz="2800" dirty="0" smtClean="0">
+              <a:rPr lang="en-US" sz="2800" smtClean="0">
                 <a:solidFill>
                   <a:schemeClr val="bg1">
                     <a:lumMod val="65000"/>
@@ -8336,7 +8427,7 @@
               <a:t> </a:t>
             </a:r>
             <a:r>
-              <a:rPr lang="en-US" sz="2800" dirty="0" err="1" smtClean="0">
+              <a:rPr lang="en-US" sz="2800" err="1" smtClean="0">
                 <a:solidFill>
                   <a:schemeClr val="bg1">
                     <a:lumMod val="65000"/>
@@ -8345,7 +8436,7 @@
               </a:rPr>
               <a:t>kiếm</a:t>
             </a:r>
-            <a:endParaRPr lang="en-US" sz="2800" dirty="0" smtClean="0">
+            <a:endParaRPr lang="en-US" sz="2800" smtClean="0">
               <a:solidFill>
                 <a:schemeClr val="bg1">
                   <a:lumMod val="65000"/>
@@ -8358,19 +8449,19 @@
               <a:defRPr/>
             </a:pPr>
             <a:r>
-              <a:rPr lang="en-US" sz="2800" dirty="0" err="1" smtClean="0"/>
+              <a:rPr lang="en-US" sz="2800" err="1" smtClean="0"/>
               <a:t>Phương</a:t>
             </a:r>
             <a:r>
-              <a:rPr lang="en-US" sz="2800" dirty="0" smtClean="0"/>
+              <a:rPr lang="en-US" sz="2800" smtClean="0"/>
               <a:t> </a:t>
             </a:r>
             <a:r>
-              <a:rPr lang="en-US" sz="2800" dirty="0" err="1" smtClean="0"/>
+              <a:rPr lang="en-US" sz="2800" err="1" smtClean="0"/>
               <a:t>pháp</a:t>
             </a:r>
             <a:r>
-              <a:rPr lang="en-US" sz="2800" dirty="0" smtClean="0"/>
+              <a:rPr lang="en-US" sz="2800" smtClean="0"/>
               <a:t> Naïve Bayes</a:t>
             </a:r>
           </a:p>
@@ -8379,7 +8470,7 @@
               <a:defRPr/>
             </a:pPr>
             <a:r>
-              <a:rPr lang="en-US" sz="2800" dirty="0" err="1" smtClean="0">
+              <a:rPr lang="en-US" sz="2800" err="1" smtClean="0">
                 <a:solidFill>
                   <a:schemeClr val="bg1">
                     <a:lumMod val="65000"/>
@@ -8389,7 +8480,7 @@
               <a:t>Đánh</a:t>
             </a:r>
             <a:r>
-              <a:rPr lang="en-US" sz="2800" dirty="0" smtClean="0">
+              <a:rPr lang="en-US" sz="2800" smtClean="0">
                 <a:solidFill>
                   <a:schemeClr val="bg1">
                     <a:lumMod val="65000"/>
@@ -8399,7 +8490,7 @@
               <a:t> </a:t>
             </a:r>
             <a:r>
-              <a:rPr lang="en-US" sz="2800" dirty="0" err="1" smtClean="0">
+              <a:rPr lang="en-US" sz="2800" err="1" smtClean="0">
                 <a:solidFill>
                   <a:schemeClr val="bg1">
                     <a:lumMod val="65000"/>
@@ -8409,7 +8500,7 @@
               <a:t>giá</a:t>
             </a:r>
             <a:r>
-              <a:rPr lang="en-US" sz="2800" dirty="0" smtClean="0">
+              <a:rPr lang="en-US" sz="2800" smtClean="0">
                 <a:solidFill>
                   <a:schemeClr val="bg1">
                     <a:lumMod val="65000"/>
@@ -8419,7 +8510,7 @@
               <a:t> </a:t>
             </a:r>
             <a:r>
-              <a:rPr lang="en-US" sz="2800" dirty="0" err="1" smtClean="0">
+              <a:rPr lang="en-US" sz="2800" err="1" smtClean="0">
                 <a:solidFill>
                   <a:schemeClr val="bg1">
                     <a:lumMod val="65000"/>
@@ -8429,7 +8520,7 @@
               <a:t>phương</a:t>
             </a:r>
             <a:r>
-              <a:rPr lang="en-US" sz="2800" dirty="0" smtClean="0">
+              <a:rPr lang="en-US" sz="2800" smtClean="0">
                 <a:solidFill>
                   <a:schemeClr val="bg1">
                     <a:lumMod val="65000"/>
@@ -8439,7 +8530,7 @@
               <a:t> </a:t>
             </a:r>
             <a:r>
-              <a:rPr lang="en-US" sz="2800" dirty="0" err="1" smtClean="0">
+              <a:rPr lang="en-US" sz="2800" err="1" smtClean="0">
                 <a:solidFill>
                   <a:schemeClr val="bg1">
                     <a:lumMod val="65000"/>
@@ -8449,7 +8540,7 @@
               <a:t>pháp</a:t>
             </a:r>
             <a:r>
-              <a:rPr lang="en-US" sz="2800" dirty="0" smtClean="0">
+              <a:rPr lang="en-US" sz="2800" smtClean="0">
                 <a:solidFill>
                   <a:schemeClr val="bg1">
                     <a:lumMod val="65000"/>
@@ -8459,7 +8550,7 @@
               <a:t> </a:t>
             </a:r>
             <a:r>
-              <a:rPr lang="en-US" sz="2800" dirty="0" err="1" smtClean="0">
+              <a:rPr lang="en-US" sz="2800" err="1" smtClean="0">
                 <a:solidFill>
                   <a:schemeClr val="bg1">
                     <a:lumMod val="65000"/>
@@ -8469,7 +8560,7 @@
               <a:t>phân</a:t>
             </a:r>
             <a:r>
-              <a:rPr lang="en-US" sz="2800" dirty="0" smtClean="0">
+              <a:rPr lang="en-US" sz="2800" smtClean="0">
                 <a:solidFill>
                   <a:schemeClr val="bg1">
                     <a:lumMod val="65000"/>
@@ -8479,7 +8570,7 @@
               <a:t> </a:t>
             </a:r>
             <a:r>
-              <a:rPr lang="en-US" sz="2800" dirty="0" err="1" smtClean="0">
+              <a:rPr lang="en-US" sz="2800" err="1" smtClean="0">
                 <a:solidFill>
                   <a:schemeClr val="bg1">
                     <a:lumMod val="65000"/>
@@ -8488,7 +8579,7 @@
               </a:rPr>
               <a:t>lớp</a:t>
             </a:r>
-            <a:endParaRPr lang="en-US" sz="2800" dirty="0" smtClean="0">
+            <a:endParaRPr lang="en-US" sz="2800" smtClean="0">
               <a:solidFill>
                 <a:schemeClr val="bg1">
                   <a:lumMod val="65000"/>
@@ -8581,31 +8672,27 @@
           <a:p>
             <a:pPr eaLnBrk="1" hangingPunct="1"/>
             <a:r>
-              <a:rPr lang="en-US" sz="3600" dirty="0" err="1" smtClean="0"/>
+              <a:rPr lang="en-US" sz="3600" err="1" smtClean="0"/>
               <a:t>Phân</a:t>
             </a:r>
             <a:r>
-              <a:rPr lang="en-US" sz="3600" dirty="0" smtClean="0"/>
+              <a:rPr lang="en-US" sz="3600" smtClean="0"/>
               <a:t> </a:t>
             </a:r>
             <a:r>
-              <a:rPr lang="en-US" sz="3600" dirty="0" err="1" smtClean="0"/>
+              <a:rPr lang="en-US" sz="3600" err="1" smtClean="0"/>
               <a:t>lớp</a:t>
             </a:r>
             <a:r>
-              <a:rPr lang="en-US" sz="3600" dirty="0" smtClean="0"/>
-              <a:t> Naïve </a:t>
-            </a:r>
-            <a:r>
-              <a:rPr lang="en-US" sz="3600" dirty="0" smtClean="0"/>
-              <a:t>Bayes</a:t>
-            </a:r>
-            <a:endParaRPr lang="vi-VN" sz="3600" dirty="0" smtClean="0"/>
+              <a:rPr lang="en-US" sz="3600" smtClean="0"/>
+              <a:t> Naïve Bayes</a:t>
+            </a:r>
+            <a:endParaRPr lang="vi-VN" sz="3600" smtClean="0"/>
           </a:p>
         </p:txBody>
       </p:sp>
-      <mc:AlternateContent xmlns:mc="http://schemas.openxmlformats.org/markup-compatibility/2006">
-        <mc:Choice xmlns:a14="http://schemas.microsoft.com/office/drawing/2010/main" Requires="a14">
+      <mc:AlternateContent xmlns:mc="http://schemas.openxmlformats.org/markup-compatibility/2006" xmlns:a14="http://schemas.microsoft.com/office/drawing/2010/main">
+        <mc:Choice Requires="a14">
           <p:sp>
             <p:nvSpPr>
               <p:cNvPr id="6147" name="Rectangle 3"/>
@@ -8630,73 +8717,73 @@
                   <a:defRPr/>
                 </a:pPr>
                 <a:r>
-                  <a:rPr lang="en-US" sz="2800" dirty="0" err="1" smtClean="0">
+                  <a:rPr lang="en-US" sz="2800" err="1" smtClean="0">
                     <a:latin typeface="+mj-lt"/>
                   </a:rPr>
                   <a:t>Phân</a:t>
                 </a:r>
                 <a:r>
-                  <a:rPr lang="en-US" sz="2800" dirty="0" smtClean="0">
+                  <a:rPr lang="en-US" sz="2800" smtClean="0">
                     <a:latin typeface="+mj-lt"/>
                   </a:rPr>
                   <a:t> </a:t>
                 </a:r>
                 <a:r>
-                  <a:rPr lang="en-US" sz="2800" dirty="0" err="1" smtClean="0">
+                  <a:rPr lang="en-US" sz="2800" err="1" smtClean="0">
                     <a:latin typeface="+mj-lt"/>
                   </a:rPr>
                   <a:t>lớp</a:t>
                 </a:r>
                 <a:r>
-                  <a:rPr lang="en-US" sz="2800" dirty="0" smtClean="0">
+                  <a:rPr lang="en-US" sz="2800" smtClean="0">
                     <a:latin typeface="+mj-lt"/>
                   </a:rPr>
                   <a:t> </a:t>
                 </a:r>
                 <a:r>
-                  <a:rPr lang="en-US" sz="2800" dirty="0" err="1" smtClean="0">
+                  <a:rPr lang="en-US" sz="2800" err="1" smtClean="0">
                     <a:latin typeface="+mj-lt"/>
                   </a:rPr>
                   <a:t>dựa</a:t>
                 </a:r>
                 <a:r>
-                  <a:rPr lang="en-US" sz="2800" dirty="0" smtClean="0">
+                  <a:rPr lang="en-US" sz="2800" smtClean="0">
                     <a:latin typeface="+mj-lt"/>
                   </a:rPr>
                   <a:t> </a:t>
                 </a:r>
                 <a:r>
-                  <a:rPr lang="en-US" sz="2800" dirty="0" err="1" smtClean="0">
+                  <a:rPr lang="en-US" sz="2800" err="1" smtClean="0">
                     <a:latin typeface="+mj-lt"/>
                   </a:rPr>
                   <a:t>trên</a:t>
                 </a:r>
                 <a:r>
-                  <a:rPr lang="en-US" sz="2800" dirty="0" smtClean="0">
+                  <a:rPr lang="en-US" sz="2800" smtClean="0">
                     <a:latin typeface="+mj-lt"/>
                   </a:rPr>
                   <a:t> </a:t>
                 </a:r>
                 <a:r>
-                  <a:rPr lang="en-US" sz="2800" dirty="0" err="1" smtClean="0">
+                  <a:rPr lang="en-US" sz="2800" err="1" smtClean="0">
                     <a:latin typeface="+mj-lt"/>
                   </a:rPr>
                   <a:t>xác</a:t>
                 </a:r>
                 <a:r>
-                  <a:rPr lang="en-US" sz="2800" dirty="0" smtClean="0">
+                  <a:rPr lang="en-US" sz="2800" smtClean="0">
                     <a:latin typeface="+mj-lt"/>
                   </a:rPr>
                   <a:t> </a:t>
                 </a:r>
                 <a:r>
-                  <a:rPr lang="en-US" sz="2800" dirty="0" err="1" smtClean="0">
+                  <a:rPr lang="en-US" sz="2800" err="1" smtClean="0">
                     <a:latin typeface="+mj-lt"/>
                   </a:rPr>
                   <a:t>suất</a:t>
                 </a:r>
                 <a:r>
-                  <a:rPr lang="en-US" sz="2800" dirty="0" smtClean="0">
+                  <a:rPr lang="en-US" sz="2800" smtClean="0">
                     <a:latin typeface="+mj-lt"/>
                   </a:rPr>
                   <a:t>;</a:t>
@@ -8707,85 +8794,85 @@
                   <a:defRPr/>
                 </a:pPr>
                 <a:r>
-                  <a:rPr lang="en-US" sz="2800" dirty="0" err="1" smtClean="0">
+                  <a:rPr lang="en-US" sz="2800" err="1" smtClean="0">
                     <a:latin typeface="+mj-lt"/>
                   </a:rPr>
                   <a:t>Xác</a:t>
                 </a:r>
                 <a:r>
-                  <a:rPr lang="en-US" sz="2800" dirty="0" smtClean="0">
+                  <a:rPr lang="en-US" sz="2800" smtClean="0">
                     <a:latin typeface="+mj-lt"/>
                   </a:rPr>
                   <a:t> </a:t>
                 </a:r>
                 <a:r>
-                  <a:rPr lang="en-US" sz="2800" dirty="0" err="1" smtClean="0">
+                  <a:rPr lang="en-US" sz="2800" err="1" smtClean="0">
                     <a:latin typeface="+mj-lt"/>
                   </a:rPr>
                   <a:t>suất</a:t>
                 </a:r>
                 <a:r>
-                  <a:rPr lang="en-US" sz="2800" dirty="0" smtClean="0">
+                  <a:rPr lang="en-US" sz="2800" smtClean="0">
                     <a:latin typeface="+mj-lt"/>
                   </a:rPr>
                   <a:t> d </a:t>
                 </a:r>
                 <a:r>
-                  <a:rPr lang="en-US" sz="2800" dirty="0" err="1" smtClean="0">
+                  <a:rPr lang="en-US" sz="2800" err="1" smtClean="0">
                     <a:latin typeface="+mj-lt"/>
                   </a:rPr>
                   <a:t>thuộc</a:t>
                 </a:r>
                 <a:r>
-                  <a:rPr lang="en-US" sz="2800" dirty="0" smtClean="0">
+                  <a:rPr lang="en-US" sz="2800" smtClean="0">
                     <a:latin typeface="+mj-lt"/>
                   </a:rPr>
                   <a:t> c </a:t>
                 </a:r>
                 <a:r>
-                  <a:rPr lang="en-US" sz="2800" dirty="0" err="1" smtClean="0">
+                  <a:rPr lang="en-US" sz="2800" err="1" smtClean="0">
                     <a:latin typeface="+mj-lt"/>
                   </a:rPr>
                   <a:t>được</a:t>
                 </a:r>
                 <a:r>
-                  <a:rPr lang="en-US" sz="2800" dirty="0" smtClean="0">
+                  <a:rPr lang="en-US" sz="2800" smtClean="0">
                     <a:latin typeface="+mj-lt"/>
                   </a:rPr>
                   <a:t> </a:t>
                 </a:r>
                 <a:r>
-                  <a:rPr lang="en-US" sz="2800" dirty="0" err="1" smtClean="0">
+                  <a:rPr lang="en-US" sz="2800" err="1" smtClean="0">
                     <a:latin typeface="+mj-lt"/>
                   </a:rPr>
                   <a:t>tính</a:t>
                 </a:r>
                 <a:r>
-                  <a:rPr lang="en-US" sz="2800" dirty="0" smtClean="0">
+                  <a:rPr lang="en-US" sz="2800" smtClean="0">
                     <a:latin typeface="+mj-lt"/>
                   </a:rPr>
                   <a:t> </a:t>
                 </a:r>
                 <a:r>
-                  <a:rPr lang="en-US" sz="2800" dirty="0" err="1" smtClean="0">
+                  <a:rPr lang="en-US" sz="2800" err="1" smtClean="0">
                     <a:latin typeface="+mj-lt"/>
                   </a:rPr>
                   <a:t>như</a:t>
                 </a:r>
                 <a:r>
-                  <a:rPr lang="en-US" sz="2800" dirty="0" smtClean="0">
+                  <a:rPr lang="en-US" sz="2800" smtClean="0">
                     <a:latin typeface="+mj-lt"/>
                   </a:rPr>
                   <a:t> </a:t>
                 </a:r>
                 <a:r>
-                  <a:rPr lang="en-US" sz="2800" dirty="0" err="1" smtClean="0">
+                  <a:rPr lang="en-US" sz="2800" err="1" smtClean="0">
                     <a:latin typeface="+mj-lt"/>
                   </a:rPr>
                   <a:t>sau</a:t>
                 </a:r>
                 <a:r>
-                  <a:rPr lang="en-US" sz="2800" dirty="0" smtClean="0">
+                  <a:rPr lang="en-US" sz="2800" smtClean="0">
                     <a:latin typeface="+mj-lt"/>
                   </a:rPr>
                   <a:t>:</a:t>
@@ -9008,7 +9095,7 @@
                     </m:oMath>
                   </m:oMathPara>
                 </a14:m>
-                <a:endParaRPr lang="en-US" sz="2800" b="0" dirty="0" smtClean="0">
+                <a:endParaRPr lang="en-US" sz="2800" b="0" smtClean="0">
                   <a:latin typeface="+mj-lt"/>
                   <a:ea typeface="Cambria Math" panose="02040503050406030204" pitchFamily="18" charset="0"/>
                 </a:endParaRPr>
@@ -9018,31 +9105,31 @@
                   <a:defRPr/>
                 </a:pPr>
                 <a:r>
-                  <a:rPr lang="en-US" sz="2800" dirty="0" err="1">
+                  <a:rPr lang="en-US" sz="2800" err="1">
                     <a:latin typeface="+mj-lt"/>
                   </a:rPr>
                   <a:t>T</a:t>
                 </a:r>
                 <a:r>
-                  <a:rPr lang="en-US" sz="2800" dirty="0" err="1" smtClean="0">
+                  <a:rPr lang="en-US" sz="2800" err="1" smtClean="0">
                     <a:latin typeface="+mj-lt"/>
                   </a:rPr>
                   <a:t>rong</a:t>
                 </a:r>
                 <a:r>
-                  <a:rPr lang="en-US" sz="2800" dirty="0" smtClean="0">
+                  <a:rPr lang="en-US" sz="2800" smtClean="0">
                     <a:latin typeface="+mj-lt"/>
                   </a:rPr>
                   <a:t> </a:t>
                 </a:r>
                 <a:r>
-                  <a:rPr lang="en-US" sz="2800" dirty="0" err="1" smtClean="0">
+                  <a:rPr lang="en-US" sz="2800" err="1" smtClean="0">
                     <a:latin typeface="+mj-lt"/>
                   </a:rPr>
                   <a:t>đó</a:t>
                 </a:r>
                 <a:r>
-                  <a:rPr lang="en-US" sz="2800" dirty="0" smtClean="0">
+                  <a:rPr lang="en-US" sz="2800" smtClean="0">
                     <a:latin typeface="+mj-lt"/>
                   </a:rPr>
                   <a:t>:</a:t>
@@ -9053,245 +9140,234 @@
                   <a:defRPr/>
                 </a:pPr>
                 <a:r>
-                  <a:rPr lang="en-US" sz="2400" dirty="0" err="1" smtClean="0">
+                  <a:rPr lang="en-US" sz="2400" err="1" smtClean="0">
                     <a:latin typeface="+mj-lt"/>
                   </a:rPr>
                   <a:t>n</a:t>
                 </a:r>
                 <a:r>
-                  <a:rPr lang="en-US" sz="2400" baseline="-25000" dirty="0" err="1" smtClean="0">
+                  <a:rPr lang="en-US" sz="2400" baseline="-25000" err="1" smtClean="0">
                     <a:latin typeface="+mj-lt"/>
                   </a:rPr>
                   <a:t>d</a:t>
                 </a:r>
                 <a:r>
-                  <a:rPr lang="en-US" sz="2400" dirty="0" smtClean="0">
+                  <a:rPr lang="en-US" sz="2400" smtClean="0">
                     <a:latin typeface="+mj-lt"/>
                   </a:rPr>
                   <a:t> </a:t>
                 </a:r>
                 <a:r>
-                  <a:rPr lang="en-US" sz="2400" dirty="0" err="1" smtClean="0">
+                  <a:rPr lang="en-US" sz="2400" err="1" smtClean="0">
                     <a:latin typeface="+mj-lt"/>
                   </a:rPr>
                   <a:t>là</a:t>
                 </a:r>
                 <a:r>
-                  <a:rPr lang="en-US" sz="2400" dirty="0" smtClean="0">
+                  <a:rPr lang="en-US" sz="2400" smtClean="0">
                     <a:latin typeface="+mj-lt"/>
                   </a:rPr>
                   <a:t> </a:t>
                 </a:r>
                 <a:r>
-                  <a:rPr lang="en-US" sz="2400" dirty="0" err="1" smtClean="0">
+                  <a:rPr lang="en-US" sz="2400" err="1" smtClean="0">
                     <a:latin typeface="+mj-lt"/>
                   </a:rPr>
                   <a:t>số</a:t>
                 </a:r>
                 <a:r>
-                  <a:rPr lang="en-US" sz="2400" dirty="0" smtClean="0">
+                  <a:rPr lang="en-US" sz="2400" smtClean="0">
                     <a:latin typeface="+mj-lt"/>
                   </a:rPr>
                   <a:t> </a:t>
                 </a:r>
                 <a:r>
-                  <a:rPr lang="en-US" sz="2400" dirty="0" err="1" smtClean="0">
+                  <a:rPr lang="en-US" sz="2400" err="1" smtClean="0">
                     <a:latin typeface="+mj-lt"/>
                   </a:rPr>
                   <a:t>lượng</a:t>
                 </a:r>
                 <a:r>
-                  <a:rPr lang="en-US" sz="2400" dirty="0" smtClean="0">
+                  <a:rPr lang="en-US" sz="2400" smtClean="0">
                     <a:latin typeface="+mj-lt"/>
                   </a:rPr>
                   <a:t> </a:t>
                 </a:r>
                 <a:r>
-                  <a:rPr lang="en-US" sz="2400" dirty="0" err="1" smtClean="0">
+                  <a:rPr lang="en-US" sz="2400" err="1" smtClean="0">
                     <a:latin typeface="+mj-lt"/>
                   </a:rPr>
                   <a:t>từ</a:t>
                 </a:r>
                 <a:r>
-                  <a:rPr lang="en-US" sz="2400" dirty="0" smtClean="0">
+                  <a:rPr lang="en-US" sz="2400" smtClean="0">
                     <a:latin typeface="+mj-lt"/>
                   </a:rPr>
                   <a:t> </a:t>
                 </a:r>
                 <a:r>
-                  <a:rPr lang="en-US" sz="2400" dirty="0" err="1" smtClean="0">
+                  <a:rPr lang="en-US" sz="2400" err="1" smtClean="0">
                     <a:latin typeface="+mj-lt"/>
                   </a:rPr>
                   <a:t>trong</a:t>
                 </a:r>
                 <a:r>
-                  <a:rPr lang="en-US" sz="2400" dirty="0" smtClean="0">
+                  <a:rPr lang="en-US" sz="2400" smtClean="0">
                     <a:latin typeface="+mj-lt"/>
                   </a:rPr>
                   <a:t> </a:t>
                 </a:r>
                 <a:r>
-                  <a:rPr lang="en-US" sz="2400" dirty="0" err="1" smtClean="0">
+                  <a:rPr lang="en-US" sz="2400" err="1" smtClean="0">
                     <a:latin typeface="+mj-lt"/>
                   </a:rPr>
                   <a:t>văn</a:t>
                 </a:r>
                 <a:r>
-                  <a:rPr lang="en-US" sz="2400" dirty="0" smtClean="0">
+                  <a:rPr lang="en-US" sz="2400" smtClean="0">
                     <a:latin typeface="+mj-lt"/>
                   </a:rPr>
                   <a:t> </a:t>
                 </a:r>
                 <a:r>
-                  <a:rPr lang="en-US" sz="2400" dirty="0" err="1" smtClean="0">
+                  <a:rPr lang="en-US" sz="2400" err="1" smtClean="0">
                     <a:latin typeface="+mj-lt"/>
                   </a:rPr>
                   <a:t>bản</a:t>
                 </a:r>
                 <a:r>
-                  <a:rPr lang="en-US" sz="2400" dirty="0" smtClean="0">
+                  <a:rPr lang="en-US" sz="2400" smtClean="0">
                     <a:latin typeface="+mj-lt"/>
                   </a:rPr>
                   <a:t> </a:t>
                 </a:r>
                 <a:r>
-                  <a:rPr lang="en-US" sz="2400" dirty="0"/>
-                  <a:t>(</a:t>
+                  <a:rPr lang="en-US" sz="2400"/>
+                  <a:t>(độ </a:t>
                 </a:r>
                 <a:r>
-                  <a:rPr lang="en-US" sz="2400" dirty="0" err="1"/>
-                  <a:t>độ</a:t>
+                  <a:rPr lang="en-US" sz="2400" err="1"/>
+                  <a:t>dài</a:t>
                 </a:r>
                 <a:r>
-                  <a:rPr lang="en-US" sz="2400" dirty="0"/>
+                  <a:rPr lang="en-US" sz="2400"/>
                   <a:t> </a:t>
                 </a:r>
                 <a:r>
-                  <a:rPr lang="en-US" sz="2400" dirty="0" err="1"/>
-                  <a:t>dài</a:t>
+                  <a:rPr lang="en-US" sz="2400" err="1"/>
+                  <a:t>tính</a:t>
                 </a:r>
                 <a:r>
-                  <a:rPr lang="en-US" sz="2400" dirty="0"/>
+                  <a:rPr lang="en-US" sz="2400"/>
                   <a:t> </a:t>
                 </a:r>
                 <a:r>
-                  <a:rPr lang="en-US" sz="2400" dirty="0" err="1"/>
-                  <a:t>tính</a:t>
+                  <a:rPr lang="en-US" sz="2400" err="1"/>
+                  <a:t>theo</a:t>
                 </a:r>
                 <a:r>
-                  <a:rPr lang="en-US" sz="2400" dirty="0"/>
+                  <a:rPr lang="en-US" sz="2400"/>
                   <a:t> </a:t>
                 </a:r>
                 <a:r>
-                  <a:rPr lang="en-US" sz="2400" dirty="0" err="1"/>
-                  <a:t>theo</a:t>
-                </a:r>
-                <a:r>
-                  <a:rPr lang="en-US" sz="2400" dirty="0"/>
-                  <a:t> </a:t>
-                </a:r>
-                <a:r>
-                  <a:rPr lang="en-US" sz="2400" dirty="0" err="1"/>
+                  <a:rPr lang="en-US" sz="2400" err="1"/>
                   <a:t>từ</a:t>
                 </a:r>
                 <a:r>
-                  <a:rPr lang="en-US" sz="2400" dirty="0"/>
+                  <a:rPr lang="en-US" sz="2400"/>
                   <a:t>)</a:t>
                 </a:r>
                 <a:r>
-                  <a:rPr lang="en-US" sz="2400" dirty="0" smtClean="0">
+                  <a:rPr lang="en-US" sz="2400" smtClean="0">
                     <a:latin typeface="+mj-lt"/>
                   </a:rPr>
                   <a:t>;</a:t>
                 </a:r>
-                <a:endParaRPr lang="en-US" sz="2400" dirty="0" smtClean="0">
-                  <a:latin typeface="+mj-lt"/>
-                </a:endParaRPr>
               </a:p>
               <a:p>
                 <a:pPr lvl="1" algn="just" eaLnBrk="1" hangingPunct="1">
                   <a:defRPr/>
                 </a:pPr>
                 <a:r>
-                  <a:rPr lang="en-US" sz="2400" dirty="0" smtClean="0">
+                  <a:rPr lang="en-US" sz="2400" smtClean="0">
                     <a:latin typeface="+mj-lt"/>
                   </a:rPr>
                   <a:t>p(</a:t>
                 </a:r>
                 <a:r>
-                  <a:rPr lang="en-US" sz="2400" dirty="0" err="1" smtClean="0">
+                  <a:rPr lang="en-US" sz="2400" err="1" smtClean="0">
                     <a:latin typeface="+mj-lt"/>
                   </a:rPr>
                   <a:t>t</a:t>
                 </a:r>
                 <a:r>
-                  <a:rPr lang="en-US" sz="2400" baseline="-25000" dirty="0" err="1" smtClean="0">
+                  <a:rPr lang="en-US" sz="2400" baseline="-25000" err="1" smtClean="0">
                     <a:latin typeface="+mj-lt"/>
                   </a:rPr>
                   <a:t>k</a:t>
                 </a:r>
                 <a:r>
-                  <a:rPr lang="en-US" sz="2400" dirty="0" err="1" smtClean="0">
+                  <a:rPr lang="en-US" sz="2400" err="1" smtClean="0">
                     <a:latin typeface="+mj-lt"/>
                   </a:rPr>
                   <a:t>|c</a:t>
                 </a:r>
                 <a:r>
-                  <a:rPr lang="en-US" sz="2400" dirty="0" smtClean="0">
+                  <a:rPr lang="en-US" sz="2400" smtClean="0">
                     <a:latin typeface="+mj-lt"/>
                   </a:rPr>
                   <a:t>) </a:t>
                 </a:r>
                 <a:r>
-                  <a:rPr lang="en-US" sz="2400" dirty="0" err="1" smtClean="0">
+                  <a:rPr lang="en-US" sz="2400" err="1" smtClean="0">
                     <a:latin typeface="+mj-lt"/>
                   </a:rPr>
                   <a:t>xác</a:t>
                 </a:r>
                 <a:r>
-                  <a:rPr lang="en-US" sz="2400" dirty="0" smtClean="0">
+                  <a:rPr lang="en-US" sz="2400" smtClean="0">
                     <a:latin typeface="+mj-lt"/>
                   </a:rPr>
                   <a:t> </a:t>
                 </a:r>
                 <a:r>
-                  <a:rPr lang="en-US" sz="2400" dirty="0" err="1" smtClean="0">
+                  <a:rPr lang="en-US" sz="2400" err="1" smtClean="0">
                     <a:latin typeface="+mj-lt"/>
                   </a:rPr>
                   <a:t>suất</a:t>
                 </a:r>
                 <a:r>
-                  <a:rPr lang="en-US" sz="2400" dirty="0" smtClean="0">
+                  <a:rPr lang="en-US" sz="2400" smtClean="0">
                     <a:latin typeface="+mj-lt"/>
                   </a:rPr>
                   <a:t> </a:t>
                 </a:r>
                 <a:r>
-                  <a:rPr lang="en-US" sz="2400" dirty="0" err="1" smtClean="0">
+                  <a:rPr lang="en-US" sz="2400" err="1" smtClean="0">
                     <a:latin typeface="+mj-lt"/>
                   </a:rPr>
                   <a:t>t</a:t>
                 </a:r>
                 <a:r>
-                  <a:rPr lang="en-US" sz="2400" baseline="-25000" dirty="0" err="1" smtClean="0">
+                  <a:rPr lang="en-US" sz="2400" baseline="-25000" err="1" smtClean="0">
                     <a:latin typeface="+mj-lt"/>
                   </a:rPr>
                   <a:t>k</a:t>
                 </a:r>
                 <a:r>
-                  <a:rPr lang="en-US" sz="2400" dirty="0" smtClean="0">
+                  <a:rPr lang="en-US" sz="2400" smtClean="0">
                     <a:latin typeface="+mj-lt"/>
                   </a:rPr>
                   <a:t> </a:t>
                 </a:r>
                 <a:r>
-                  <a:rPr lang="en-US" sz="2400" dirty="0" err="1" smtClean="0">
+                  <a:rPr lang="en-US" sz="2400" err="1" smtClean="0">
                     <a:latin typeface="+mj-lt"/>
                   </a:rPr>
                   <a:t>thuộc</a:t>
                 </a:r>
                 <a:r>
-                  <a:rPr lang="en-US" sz="2400" dirty="0" smtClean="0">
+                  <a:rPr lang="en-US" sz="2400" smtClean="0">
                     <a:latin typeface="+mj-lt"/>
                   </a:rPr>
                   <a:t> c;</a:t>
@@ -9302,91 +9378,91 @@
                   <a:defRPr/>
                 </a:pPr>
                 <a:r>
-                  <a:rPr lang="en-US" sz="2400" dirty="0" smtClean="0">
+                  <a:rPr lang="en-US" sz="2400" smtClean="0">
                     <a:latin typeface="+mj-lt"/>
                   </a:rPr>
                   <a:t>p(c) </a:t>
                 </a:r>
                 <a:r>
-                  <a:rPr lang="en-US" sz="2400" dirty="0" err="1" smtClean="0">
+                  <a:rPr lang="en-US" sz="2400" err="1" smtClean="0">
                     <a:latin typeface="+mj-lt"/>
                   </a:rPr>
                   <a:t>là</a:t>
                 </a:r>
                 <a:r>
-                  <a:rPr lang="en-US" sz="2400" dirty="0" smtClean="0">
+                  <a:rPr lang="en-US" sz="2400" smtClean="0">
                     <a:latin typeface="+mj-lt"/>
                   </a:rPr>
                   <a:t> </a:t>
                 </a:r>
                 <a:r>
-                  <a:rPr lang="en-US" sz="2400" dirty="0" err="1" smtClean="0">
+                  <a:rPr lang="en-US" sz="2400" err="1" smtClean="0">
                     <a:latin typeface="+mj-lt"/>
                   </a:rPr>
                   <a:t>xác</a:t>
                 </a:r>
                 <a:r>
-                  <a:rPr lang="en-US" sz="2400" dirty="0" smtClean="0">
+                  <a:rPr lang="en-US" sz="2400" smtClean="0">
                     <a:latin typeface="+mj-lt"/>
                   </a:rPr>
                   <a:t> </a:t>
                 </a:r>
                 <a:r>
-                  <a:rPr lang="en-US" sz="2400" dirty="0" err="1" smtClean="0">
+                  <a:rPr lang="en-US" sz="2400" err="1" smtClean="0">
                     <a:latin typeface="+mj-lt"/>
                   </a:rPr>
                   <a:t>suất</a:t>
                 </a:r>
                 <a:r>
-                  <a:rPr lang="en-US" sz="2400" dirty="0" smtClean="0">
+                  <a:rPr lang="en-US" sz="2400" smtClean="0">
                     <a:latin typeface="+mj-lt"/>
                   </a:rPr>
                   <a:t> </a:t>
                 </a:r>
                 <a:r>
-                  <a:rPr lang="en-US" sz="2400" dirty="0" err="1" smtClean="0">
+                  <a:rPr lang="en-US" sz="2400" err="1" smtClean="0">
                     <a:latin typeface="+mj-lt"/>
                   </a:rPr>
                   <a:t>tiền</a:t>
                 </a:r>
                 <a:r>
-                  <a:rPr lang="en-US" sz="2400" dirty="0" smtClean="0">
+                  <a:rPr lang="en-US" sz="2400" smtClean="0">
                     <a:latin typeface="+mj-lt"/>
                   </a:rPr>
                   <a:t> </a:t>
                 </a:r>
                 <a:r>
-                  <a:rPr lang="en-US" sz="2400" dirty="0" err="1" smtClean="0">
+                  <a:rPr lang="en-US" sz="2400" err="1" smtClean="0">
                     <a:latin typeface="+mj-lt"/>
                   </a:rPr>
                   <a:t>nghiệm</a:t>
                 </a:r>
                 <a:r>
-                  <a:rPr lang="en-US" sz="2400" dirty="0" smtClean="0">
+                  <a:rPr lang="en-US" sz="2400" smtClean="0">
                     <a:latin typeface="+mj-lt"/>
                   </a:rPr>
                   <a:t> </a:t>
                 </a:r>
                 <a:r>
-                  <a:rPr lang="en-US" sz="2400" dirty="0" err="1" smtClean="0">
+                  <a:rPr lang="en-US" sz="2400" err="1" smtClean="0">
                     <a:latin typeface="+mj-lt"/>
                   </a:rPr>
                   <a:t>của</a:t>
                 </a:r>
                 <a:r>
-                  <a:rPr lang="en-US" sz="2400" dirty="0" smtClean="0">
+                  <a:rPr lang="en-US" sz="2400" smtClean="0">
                     <a:latin typeface="+mj-lt"/>
                   </a:rPr>
                   <a:t> </a:t>
                 </a:r>
                 <a:r>
-                  <a:rPr lang="en-US" sz="2400" dirty="0" err="1" smtClean="0">
+                  <a:rPr lang="en-US" sz="2400" err="1" smtClean="0">
                     <a:latin typeface="+mj-lt"/>
                   </a:rPr>
                   <a:t>lớp</a:t>
                 </a:r>
                 <a:r>
-                  <a:rPr lang="en-US" sz="2400" dirty="0" smtClean="0">
+                  <a:rPr lang="en-US" sz="2400" smtClean="0">
                     <a:latin typeface="+mj-lt"/>
                   </a:rPr>
                   <a:t> c.</a:t>
@@ -9397,14 +9473,14 @@
                   <a:buNone/>
                   <a:defRPr/>
                 </a:pPr>
-                <a:endParaRPr lang="en-US" sz="2400" dirty="0" smtClean="0">
+                <a:endParaRPr lang="en-US" sz="2400" smtClean="0">
                   <a:latin typeface="+mj-lt"/>
                 </a:endParaRPr>
               </a:p>
             </p:txBody>
           </p:sp>
         </mc:Choice>
-        <mc:Fallback>
+        <mc:Fallback xmlns="">
           <p:sp>
             <p:nvSpPr>
               <p:cNvPr id="6147" name="Rectangle 3"/>
@@ -9467,7 +9543,7 @@
               </a:pPr>
               <a:t>12</a:t>
             </a:fld>
-            <a:endParaRPr lang="vi-VN" dirty="0"/>
+            <a:endParaRPr lang="vi-VN"/>
           </a:p>
         </p:txBody>
       </p:sp>
@@ -9525,55 +9601,55 @@
           <a:p>
             <a:pPr eaLnBrk="1" hangingPunct="1"/>
             <a:r>
-              <a:rPr lang="en-US" sz="3600" dirty="0" err="1" smtClean="0"/>
+              <a:rPr lang="en-US" sz="3600" err="1" smtClean="0"/>
               <a:t>Tiêu</a:t>
             </a:r>
             <a:r>
-              <a:rPr lang="en-US" sz="3600" dirty="0" smtClean="0"/>
+              <a:rPr lang="en-US" sz="3600" smtClean="0"/>
               <a:t> </a:t>
             </a:r>
             <a:r>
-              <a:rPr lang="en-US" sz="3600" dirty="0" err="1" smtClean="0"/>
+              <a:rPr lang="en-US" sz="3600" err="1" smtClean="0"/>
               <a:t>trí</a:t>
             </a:r>
             <a:r>
-              <a:rPr lang="en-US" sz="3600" dirty="0" smtClean="0"/>
+              <a:rPr lang="en-US" sz="3600" smtClean="0"/>
               <a:t> </a:t>
             </a:r>
             <a:r>
-              <a:rPr lang="en-US" sz="3600" dirty="0" err="1" smtClean="0"/>
+              <a:rPr lang="en-US" sz="3600" err="1" smtClean="0"/>
               <a:t>xác</a:t>
             </a:r>
             <a:r>
-              <a:rPr lang="en-US" sz="3600" dirty="0" smtClean="0"/>
+              <a:rPr lang="en-US" sz="3600" smtClean="0"/>
               <a:t> </a:t>
             </a:r>
             <a:r>
-              <a:rPr lang="en-US" sz="3600" dirty="0" err="1" smtClean="0"/>
+              <a:rPr lang="en-US" sz="3600" err="1" smtClean="0"/>
               <a:t>suất</a:t>
             </a:r>
             <a:r>
-              <a:rPr lang="en-US" sz="3600" dirty="0" smtClean="0"/>
+              <a:rPr lang="en-US" sz="3600" smtClean="0"/>
               <a:t> </a:t>
             </a:r>
             <a:r>
-              <a:rPr lang="en-US" sz="3600" dirty="0" err="1" smtClean="0"/>
+              <a:rPr lang="en-US" sz="3600" err="1" smtClean="0"/>
               <a:t>cực</a:t>
             </a:r>
             <a:r>
-              <a:rPr lang="en-US" sz="3600" dirty="0" smtClean="0"/>
+              <a:rPr lang="en-US" sz="3600" smtClean="0"/>
               <a:t> </a:t>
             </a:r>
             <a:r>
-              <a:rPr lang="en-US" sz="3600" dirty="0" err="1" smtClean="0"/>
+              <a:rPr lang="en-US" sz="3600" err="1" smtClean="0"/>
               <a:t>đại</a:t>
             </a:r>
-            <a:endParaRPr lang="vi-VN" sz="3600" dirty="0" smtClean="0"/>
+            <a:endParaRPr lang="vi-VN" sz="3600" smtClean="0"/>
           </a:p>
         </p:txBody>
       </p:sp>
-      <mc:AlternateContent xmlns:mc="http://schemas.openxmlformats.org/markup-compatibility/2006">
-        <mc:Choice xmlns:a14="http://schemas.microsoft.com/office/drawing/2010/main" Requires="a14">
+      <mc:AlternateContent xmlns:mc="http://schemas.openxmlformats.org/markup-compatibility/2006" xmlns:a14="http://schemas.microsoft.com/office/drawing/2010/main">
+        <mc:Choice Requires="a14">
           <p:sp>
             <p:nvSpPr>
               <p:cNvPr id="6147" name="Rectangle 3"/>
@@ -9598,94 +9674,85 @@
                   <a:defRPr/>
                 </a:pPr>
                 <a:r>
-                  <a:rPr lang="en-US" sz="2800" dirty="0" err="1" smtClean="0"/>
+                  <a:rPr lang="en-US" sz="2800" err="1" smtClean="0"/>
                   <a:t>Gán</a:t>
                 </a:r>
                 <a:r>
-                  <a:rPr lang="en-US" sz="2800" dirty="0" smtClean="0"/>
+                  <a:rPr lang="en-US" sz="2800" smtClean="0"/>
                   <a:t> </a:t>
                 </a:r>
                 <a:r>
-                  <a:rPr lang="en-US" sz="2800" dirty="0" err="1" smtClean="0"/>
+                  <a:rPr lang="en-US" sz="2800" err="1" smtClean="0"/>
                   <a:t>văn</a:t>
                 </a:r>
                 <a:r>
-                  <a:rPr lang="en-US" sz="2800" dirty="0" smtClean="0"/>
+                  <a:rPr lang="en-US" sz="2800" smtClean="0"/>
                   <a:t> </a:t>
                 </a:r>
                 <a:r>
-                  <a:rPr lang="en-US" sz="2800" dirty="0" err="1" smtClean="0"/>
+                  <a:rPr lang="en-US" sz="2800" err="1" smtClean="0"/>
                   <a:t>bản</a:t>
                 </a:r>
                 <a:r>
-                  <a:rPr lang="en-US" sz="2800" dirty="0" smtClean="0"/>
+                  <a:rPr lang="en-US" sz="2800" smtClean="0"/>
                   <a:t> </a:t>
                 </a:r>
                 <a:r>
-                  <a:rPr lang="en-US" sz="2800" dirty="0" err="1" smtClean="0"/>
+                  <a:rPr lang="en-US" sz="2800" err="1" smtClean="0"/>
                   <a:t>với</a:t>
                 </a:r>
                 <a:r>
-                  <a:rPr lang="en-US" sz="2800" dirty="0" smtClean="0"/>
+                  <a:rPr lang="en-US" sz="2800" smtClean="0"/>
                   <a:t> </a:t>
                 </a:r>
                 <a:r>
-                  <a:rPr lang="en-US" sz="2800" dirty="0" err="1" smtClean="0"/>
+                  <a:rPr lang="en-US" sz="2800" err="1" smtClean="0"/>
                   <a:t>lớp</a:t>
                 </a:r>
                 <a:r>
-                  <a:rPr lang="en-US" sz="2800" dirty="0" smtClean="0"/>
+                  <a:rPr lang="en-US" sz="2800" smtClean="0"/>
                   <a:t> </a:t>
                 </a:r>
                 <a:r>
-                  <a:rPr lang="en-US" sz="2800" dirty="0" err="1" smtClean="0"/>
+                  <a:rPr lang="en-US" sz="2800" err="1" smtClean="0"/>
                   <a:t>với</a:t>
                 </a:r>
                 <a:r>
-                  <a:rPr lang="en-US" sz="2800" dirty="0" smtClean="0"/>
+                  <a:rPr lang="en-US" sz="2800" smtClean="0"/>
+                  <a:t> có </a:t>
+                </a:r>
+                <a:r>
+                  <a:rPr lang="en-US" sz="2800" err="1" smtClean="0"/>
+                  <a:t>xác</a:t>
+                </a:r>
+                <a:r>
+                  <a:rPr lang="en-US" sz="2800" smtClean="0"/>
                   <a:t> </a:t>
                 </a:r>
                 <a:r>
-                  <a:rPr lang="en-US" sz="2800" dirty="0" err="1" smtClean="0"/>
-                  <a:t>có</a:t>
+                  <a:rPr lang="en-US" sz="2800" err="1" smtClean="0"/>
+                  <a:t>suất</a:t>
                 </a:r>
                 <a:r>
-                  <a:rPr lang="en-US" sz="2800" dirty="0" smtClean="0"/>
+                  <a:rPr lang="en-US" sz="2800" smtClean="0"/>
                   <a:t> </a:t>
                 </a:r>
                 <a:r>
-                  <a:rPr lang="en-US" sz="2800" dirty="0" err="1" smtClean="0"/>
-                  <a:t>xác</a:t>
+                  <a:rPr lang="en-US" sz="2800" err="1" smtClean="0"/>
+                  <a:t>cao</a:t>
                 </a:r>
                 <a:r>
-                  <a:rPr lang="en-US" sz="2800" dirty="0" smtClean="0"/>
+                  <a:rPr lang="en-US" sz="2800" smtClean="0"/>
                   <a:t> </a:t>
                 </a:r>
                 <a:r>
-                  <a:rPr lang="en-US" sz="2800" dirty="0" err="1" smtClean="0"/>
-                  <a:t>suất</a:t>
-                </a:r>
-                <a:r>
-                  <a:rPr lang="en-US" sz="2800" dirty="0" smtClean="0"/>
-                  <a:t> </a:t>
-                </a:r>
-                <a:r>
-                  <a:rPr lang="en-US" sz="2800" dirty="0" err="1" smtClean="0"/>
-                  <a:t>cao</a:t>
-                </a:r>
-                <a:r>
-                  <a:rPr lang="en-US" sz="2800" dirty="0" smtClean="0"/>
-                  <a:t> </a:t>
-                </a:r>
-                <a:r>
-                  <a:rPr lang="en-US" sz="2800" dirty="0" err="1" smtClean="0"/>
+                  <a:rPr lang="en-US" sz="2800" err="1" smtClean="0"/>
                   <a:t>nhất</a:t>
                 </a:r>
                 <a:r>
-                  <a:rPr lang="en-US" sz="2800" dirty="0" smtClean="0"/>
+                  <a:rPr lang="en-US" sz="2800" smtClean="0"/>
                   <a:t>:</a:t>
                 </a:r>
-                <a:endParaRPr lang="en-US" sz="2800" dirty="0" smtClean="0"/>
               </a:p>
               <a:p>
                 <a:pPr marL="0" indent="0" algn="just" eaLnBrk="1" hangingPunct="1">
@@ -9849,7 +9916,7 @@
                     </m:oMath>
                   </m:oMathPara>
                 </a14:m>
-                <a:endParaRPr lang="en-US" sz="2800" dirty="0" smtClean="0">
+                <a:endParaRPr lang="en-US" sz="2800" smtClean="0">
                   <a:latin typeface="Calibri"/>
                 </a:endParaRPr>
               </a:p>
@@ -9857,14 +9924,14 @@
                 <a:pPr lvl="1" algn="just" eaLnBrk="1" hangingPunct="1">
                   <a:defRPr/>
                 </a:pPr>
-                <a:endParaRPr lang="en-US" sz="2000" dirty="0" smtClean="0">
+                <a:endParaRPr lang="en-US" sz="2000" smtClean="0">
                   <a:latin typeface="Calibri"/>
                 </a:endParaRPr>
               </a:p>
             </p:txBody>
           </p:sp>
         </mc:Choice>
-        <mc:Fallback>
+        <mc:Fallback xmlns="">
           <p:sp>
             <p:nvSpPr>
               <p:cNvPr id="6147" name="Rectangle 3"/>
@@ -9990,19 +10057,19 @@
           <a:p>
             <a:pPr eaLnBrk="1" hangingPunct="1"/>
             <a:r>
-              <a:rPr lang="en-US" sz="3600" dirty="0" err="1" smtClean="0"/>
+              <a:rPr lang="en-US" sz="3600" err="1" smtClean="0"/>
               <a:t>Lấy</a:t>
             </a:r>
             <a:r>
-              <a:rPr lang="en-US" sz="3600" dirty="0" smtClean="0"/>
+              <a:rPr lang="en-US" sz="3600" smtClean="0"/>
               <a:t> log</a:t>
             </a:r>
-            <a:endParaRPr lang="vi-VN" sz="3600" dirty="0" smtClean="0"/>
+            <a:endParaRPr lang="vi-VN" sz="3600" smtClean="0"/>
           </a:p>
         </p:txBody>
       </p:sp>
-      <mc:AlternateContent xmlns:mc="http://schemas.openxmlformats.org/markup-compatibility/2006">
-        <mc:Choice xmlns:a14="http://schemas.microsoft.com/office/drawing/2010/main" Requires="a14">
+      <mc:AlternateContent xmlns:mc="http://schemas.openxmlformats.org/markup-compatibility/2006" xmlns:a14="http://schemas.microsoft.com/office/drawing/2010/main">
+        <mc:Choice Requires="a14">
           <p:sp>
             <p:nvSpPr>
               <p:cNvPr id="6147" name="Rectangle 3"/>
@@ -10027,7 +10094,7 @@
                   <a:defRPr/>
                 </a:pPr>
                 <a:r>
-                  <a:rPr lang="vi-VN" sz="2800" dirty="0" smtClean="0"/>
+                  <a:rPr lang="vi-VN" sz="2800" smtClean="0"/>
                   <a:t>Tích nhiều đại lượng xác suất nhỏ có thể gây tràn số;</a:t>
                 </a:r>
               </a:p>
@@ -10036,7 +10103,7 @@
                   <a:defRPr/>
                 </a:pPr>
                 <a:r>
-                  <a:rPr lang="vi-VN" sz="2800" dirty="0" smtClean="0"/>
+                  <a:rPr lang="vi-VN" sz="2800" smtClean="0"/>
                   <a:t>Lớp với xác suất lớn nhất không đổi nếu sử dụng logarithm</a:t>
                 </a:r>
               </a:p>
@@ -10045,11 +10112,11 @@
                   <a:defRPr/>
                 </a:pPr>
                 <a:r>
-                  <a:rPr lang="vi-VN" sz="2800" dirty="0" smtClean="0"/>
+                  <a:rPr lang="vi-VN" sz="2800" smtClean="0"/>
                   <a:t>Trong thực tế sử dụng công thức sau</a:t>
                 </a:r>
                 <a:r>
-                  <a:rPr lang="en-US" sz="2800" dirty="0" smtClean="0"/>
+                  <a:rPr lang="en-US" sz="2800" smtClean="0"/>
                   <a:t>:</a:t>
                 </a:r>
               </a:p>
@@ -10057,7 +10124,7 @@
                 <a:pPr algn="just" eaLnBrk="1" hangingPunct="1">
                   <a:defRPr/>
                 </a:pPr>
-                <a:endParaRPr lang="en-US" sz="2800" dirty="0" smtClean="0"/>
+                <a:endParaRPr lang="en-US" sz="2800" smtClean="0"/>
               </a:p>
               <a:p>
                 <a:pPr marL="0" indent="0" algn="just" eaLnBrk="1" hangingPunct="1">
@@ -10561,14 +10628,14 @@
                     </m:oMath>
                   </m:oMathPara>
                 </a14:m>
-                <a:endParaRPr lang="en-US" sz="2800" dirty="0" smtClean="0">
+                <a:endParaRPr lang="en-US" sz="2800" smtClean="0">
                   <a:latin typeface="Calibri"/>
                 </a:endParaRPr>
               </a:p>
             </p:txBody>
           </p:sp>
         </mc:Choice>
-        <mc:Fallback>
+        <mc:Fallback xmlns="">
           <p:sp>
             <p:nvSpPr>
               <p:cNvPr id="6147" name="Rectangle 3"/>
@@ -10631,7 +10698,7 @@
               </a:pPr>
               <a:t>14</a:t>
             </a:fld>
-            <a:endParaRPr lang="vi-VN" dirty="0"/>
+            <a:endParaRPr lang="vi-VN"/>
           </a:p>
         </p:txBody>
       </p:sp>
@@ -10689,15 +10756,14 @@
           <a:p>
             <a:pPr eaLnBrk="1" hangingPunct="1"/>
             <a:r>
-              <a:rPr lang="vi-VN" sz="3600" dirty="0" smtClean="0"/>
+              <a:rPr lang="vi-VN" sz="3600" smtClean="0"/>
               <a:t>Ước lượng tham số</a:t>
             </a:r>
-            <a:endParaRPr lang="vi-VN" sz="3600" dirty="0" smtClean="0"/>
           </a:p>
         </p:txBody>
       </p:sp>
-      <mc:AlternateContent xmlns:mc="http://schemas.openxmlformats.org/markup-compatibility/2006">
-        <mc:Choice xmlns:a14="http://schemas.microsoft.com/office/drawing/2010/main" Requires="a14">
+      <mc:AlternateContent xmlns:mc="http://schemas.openxmlformats.org/markup-compatibility/2006" xmlns:a14="http://schemas.microsoft.com/office/drawing/2010/main">
+        <mc:Choice Requires="a14">
           <p:sp>
             <p:nvSpPr>
               <p:cNvPr id="6147" name="Rectangle 3"/>
@@ -10722,19 +10788,19 @@
                   <a:defRPr/>
                 </a:pPr>
                 <a:r>
-                  <a:rPr lang="vi-VN" sz="2800" dirty="0" smtClean="0">
+                  <a:rPr lang="vi-VN" sz="2800" smtClean="0">
                     <a:latin typeface="+mj-lt"/>
                   </a:rPr>
                   <a:t>Xác định p(c) và p(t</a:t>
                 </a:r>
                 <a:r>
-                  <a:rPr lang="vi-VN" sz="2800" baseline="-25000" dirty="0" smtClean="0">
+                  <a:rPr lang="vi-VN" sz="2800" baseline="-25000" smtClean="0">
                     <a:latin typeface="+mj-lt"/>
                   </a:rPr>
                   <a:t>k</a:t>
                 </a:r>
                 <a:r>
-                  <a:rPr lang="vi-VN" sz="2800" dirty="0" smtClean="0">
+                  <a:rPr lang="vi-VN" sz="2800" smtClean="0">
                     <a:latin typeface="+mj-lt"/>
                   </a:rPr>
                   <a:t>|c) dựa trên dữ liệu luyện:</a:t>
@@ -10827,7 +10893,7 @@
                     </m:oMath>
                   </m:oMathPara>
                 </a14:m>
-                <a:endParaRPr lang="vi-VN" sz="2800" b="0" dirty="0" smtClean="0">
+                <a:endParaRPr lang="vi-VN" sz="2800" b="0" smtClean="0">
                   <a:latin typeface="+mj-lt"/>
                 </a:endParaRPr>
               </a:p>
@@ -10836,19 +10902,19 @@
                   <a:defRPr/>
                 </a:pPr>
                 <a:r>
-                  <a:rPr lang="vi-VN" sz="2400" dirty="0" smtClean="0">
+                  <a:rPr lang="vi-VN" sz="2400" smtClean="0">
                     <a:latin typeface="+mj-lt"/>
                   </a:rPr>
                   <a:t>Trong đó N</a:t>
                 </a:r>
                 <a:r>
-                  <a:rPr lang="vi-VN" sz="2400" baseline="-25000" dirty="0" smtClean="0">
+                  <a:rPr lang="vi-VN" sz="2400" baseline="-25000" smtClean="0">
                     <a:latin typeface="+mj-lt"/>
                   </a:rPr>
                   <a:t>c</a:t>
                 </a:r>
                 <a:r>
-                  <a:rPr lang="vi-VN" sz="2400" dirty="0" smtClean="0">
+                  <a:rPr lang="vi-VN" sz="2400" smtClean="0">
                     <a:latin typeface="+mj-lt"/>
                   </a:rPr>
                   <a:t> là số văn bản của lớp c, N là số văn bản trong bộ dữ liệu luyện</a:t>
@@ -10859,12 +10925,12 @@
                   <a:defRPr/>
                 </a:pPr>
                 <a:r>
-                  <a:rPr lang="vi-VN" sz="2800" dirty="0" smtClean="0">
+                  <a:rPr lang="vi-VN" sz="2800" smtClean="0">
                     <a:latin typeface="+mj-lt"/>
                   </a:rPr>
                   <a:t>Xác suất có điều kiện:</a:t>
                 </a:r>
-                <a:endParaRPr lang="vi-VN" dirty="0" smtClean="0">
+                <a:endParaRPr lang="vi-VN" smtClean="0">
                   <a:latin typeface="+mj-lt"/>
                 </a:endParaRPr>
               </a:p>
@@ -11083,7 +11149,7 @@
                     </m:oMath>
                   </m:oMathPara>
                 </a14:m>
-                <a:endParaRPr lang="vi-VN" b="0" dirty="0" smtClean="0">
+                <a:endParaRPr lang="vi-VN" b="0" smtClean="0">
                   <a:latin typeface="+mj-lt"/>
                 </a:endParaRPr>
               </a:p>
@@ -11092,25 +11158,25 @@
                   <a:defRPr/>
                 </a:pPr>
                 <a:r>
-                  <a:rPr lang="vi-VN" sz="2400" dirty="0" smtClean="0">
+                  <a:rPr lang="vi-VN" sz="2400" smtClean="0">
                     <a:latin typeface="+mj-lt"/>
                   </a:rPr>
                   <a:t>Trong đó cf</a:t>
                 </a:r>
                 <a:r>
-                  <a:rPr lang="vi-VN" sz="2400" baseline="-25000" dirty="0" smtClean="0">
+                  <a:rPr lang="vi-VN" sz="2400" baseline="-25000" smtClean="0">
                     <a:latin typeface="+mj-lt"/>
                   </a:rPr>
                   <a:t>c,t</a:t>
                 </a:r>
                 <a:r>
-                  <a:rPr lang="vi-VN" sz="2400" dirty="0" smtClean="0">
+                  <a:rPr lang="vi-VN" sz="2400" smtClean="0">
                     <a:latin typeface="+mj-lt"/>
                   </a:rPr>
                   <a:t> là số lần từ t xuất hiện trong lớp c</a:t>
                 </a:r>
                 <a:r>
-                  <a:rPr lang="en-US" sz="2400" dirty="0" smtClean="0">
+                  <a:rPr lang="en-US" sz="2400" smtClean="0">
                     <a:latin typeface="+mj-lt"/>
                   </a:rPr>
                   <a:t>.</a:t>
@@ -11120,14 +11186,14 @@
                 <a:pPr algn="just" eaLnBrk="1" hangingPunct="1">
                   <a:defRPr/>
                 </a:pPr>
-                <a:endParaRPr lang="en-US" sz="2400" dirty="0" smtClean="0">
+                <a:endParaRPr lang="en-US" sz="2400" smtClean="0">
                   <a:latin typeface="+mj-lt"/>
                 </a:endParaRPr>
               </a:p>
             </p:txBody>
           </p:sp>
         </mc:Choice>
-        <mc:Fallback>
+        <mc:Fallback xmlns="">
           <p:sp>
             <p:nvSpPr>
               <p:cNvPr id="6147" name="Rectangle 3"/>
@@ -11248,14 +11314,14 @@
           <a:p>
             <a:pPr eaLnBrk="1" hangingPunct="1"/>
             <a:r>
-              <a:rPr lang="vi-VN" sz="3600" dirty="0" smtClean="0"/>
+              <a:rPr lang="vi-VN" sz="3600" smtClean="0"/>
               <a:t>Giá trị </a:t>
             </a:r>
             <a:r>
-              <a:rPr lang="en-US" sz="3600" dirty="0" smtClean="0"/>
+              <a:rPr lang="en-US" sz="3600" smtClean="0"/>
               <a:t>0</a:t>
             </a:r>
-            <a:endParaRPr lang="vi-VN" sz="3600" dirty="0" smtClean="0"/>
+            <a:endParaRPr lang="vi-VN" sz="3600" smtClean="0"/>
           </a:p>
         </p:txBody>
       </p:sp>
@@ -11283,7 +11349,7 @@
               <a:defRPr/>
             </a:pPr>
             <a:r>
-              <a:rPr lang="vi-VN" sz="2800" dirty="0" smtClean="0"/>
+              <a:rPr lang="vi-VN" sz="2800" smtClean="0"/>
               <a:t>Nếu có một từ t thuộc d nhưng không xuất hiện trong bất kỳ văn bản nào của lớp c thì:</a:t>
             </a:r>
           </a:p>
@@ -11292,7 +11358,7 @@
               <a:defRPr/>
             </a:pPr>
             <a:r>
-              <a:rPr lang="vi-VN" dirty="0" smtClean="0">
+              <a:rPr lang="vi-VN" smtClean="0">
                 <a:latin typeface="Calibri"/>
               </a:rPr>
               <a:t>p(t|c) = 0</a:t>
@@ -11303,14 +11369,11 @@
               <a:defRPr/>
             </a:pPr>
             <a:r>
-              <a:rPr lang="vi-VN" dirty="0" smtClean="0">
+              <a:rPr lang="vi-VN" smtClean="0">
                 <a:latin typeface="Calibri"/>
               </a:rPr>
               <a:t>Kéo theo p(c|d)=0.</a:t>
             </a:r>
-            <a:endParaRPr lang="vi-VN" dirty="0" smtClean="0">
-              <a:latin typeface="Calibri"/>
-            </a:endParaRPr>
           </a:p>
         </p:txBody>
       </p:sp>
@@ -11366,7 +11429,7 @@
           <a:lstStyle/>
           <a:p>
             <a:r>
-              <a:rPr lang="vi-VN" sz="2400" b="0" dirty="0" smtClean="0">
+              <a:rPr lang="vi-VN" sz="2400" b="0" smtClean="0">
                 <a:solidFill>
                   <a:schemeClr val="tx2">
                     <a:lumMod val="60000"/>
@@ -11376,7 +11439,7 @@
               </a:rPr>
               <a:t>Giải pháp?</a:t>
             </a:r>
-            <a:endParaRPr lang="vi-VN" sz="2400" b="0" dirty="0">
+            <a:endParaRPr lang="vi-VN" sz="2400" b="0">
               <a:solidFill>
                 <a:schemeClr val="tx2">
                   <a:lumMod val="60000"/>
@@ -11441,15 +11504,14 @@
           <a:p>
             <a:pPr eaLnBrk="1" hangingPunct="1"/>
             <a:r>
-              <a:rPr lang="vi-VN" sz="3600" dirty="0" smtClean="0"/>
+              <a:rPr lang="vi-VN" sz="3600" smtClean="0"/>
               <a:t>Làm mịn</a:t>
             </a:r>
-            <a:endParaRPr lang="vi-VN" sz="3600" dirty="0" smtClean="0"/>
           </a:p>
         </p:txBody>
       </p:sp>
-      <mc:AlternateContent xmlns:mc="http://schemas.openxmlformats.org/markup-compatibility/2006">
-        <mc:Choice xmlns:a14="http://schemas.microsoft.com/office/drawing/2010/main" Requires="a14">
+      <mc:AlternateContent xmlns:mc="http://schemas.openxmlformats.org/markup-compatibility/2006" xmlns:a14="http://schemas.microsoft.com/office/drawing/2010/main">
+        <mc:Choice Requires="a14">
           <p:sp>
             <p:nvSpPr>
               <p:cNvPr id="6147" name="Rectangle 3"/>
@@ -11474,22 +11536,16 @@
                   <a:defRPr/>
                 </a:pPr>
                 <a:r>
-                  <a:rPr lang="vi-VN" dirty="0" smtClean="0">
+                  <a:rPr lang="vi-VN" smtClean="0">
                     <a:latin typeface="Calibri"/>
                   </a:rPr>
                   <a:t>Cộng thêm</a:t>
                 </a:r>
                 <a:r>
-                  <a:rPr lang="en-US" dirty="0" smtClean="0">
+                  <a:rPr lang="en-US" smtClean="0">
                     <a:latin typeface="Calibri"/>
                   </a:rPr>
-                  <a:t> </a:t>
-                </a:r>
-                <a:r>
-                  <a:rPr lang="en-US" dirty="0" smtClean="0">
-                    <a:latin typeface="Calibri"/>
-                  </a:rPr>
-                  <a:t>1:</a:t>
+                  <a:t> 1:</a:t>
                 </a:r>
               </a:p>
               <a:p>
@@ -11907,14 +11963,14 @@
                     </m:oMath>
                   </m:oMathPara>
                 </a14:m>
-                <a:endParaRPr lang="en-US" dirty="0" smtClean="0">
+                <a:endParaRPr lang="en-US" smtClean="0">
                   <a:latin typeface="Calibri"/>
                 </a:endParaRPr>
               </a:p>
             </p:txBody>
           </p:sp>
         </mc:Choice>
-        <mc:Fallback>
+        <mc:Fallback xmlns="">
           <p:sp>
             <p:nvSpPr>
               <p:cNvPr id="6147" name="Rectangle 3"/>
@@ -12035,10 +12091,9 @@
           <a:p>
             <a:pPr eaLnBrk="1" hangingPunct="1"/>
             <a:r>
-              <a:rPr lang="vi-VN" sz="3600" dirty="0" smtClean="0"/>
+              <a:rPr lang="vi-VN" sz="3600" smtClean="0"/>
               <a:t>Giải thuật Naïve Bayes: Huấn luyện</a:t>
             </a:r>
-            <a:endParaRPr lang="vi-VN" sz="3600" dirty="0" smtClean="0"/>
           </a:p>
         </p:txBody>
       </p:sp>
@@ -12179,10 +12234,9 @@
           <a:p>
             <a:pPr eaLnBrk="1" hangingPunct="1"/>
             <a:r>
-              <a:rPr lang="vi-VN" sz="3600" dirty="0" smtClean="0"/>
+              <a:rPr lang="vi-VN" sz="3600" smtClean="0"/>
               <a:t>Giải thuật Naïve Bayes: Phân lớp</a:t>
             </a:r>
-            <a:endParaRPr lang="vi-VN" sz="3600" dirty="0" smtClean="0"/>
           </a:p>
         </p:txBody>
       </p:sp>
@@ -12211,7 +12265,7 @@
               </a:pPr>
               <a:t>19</a:t>
             </a:fld>
-            <a:endParaRPr lang="vi-VN" dirty="0"/>
+            <a:endParaRPr lang="vi-VN"/>
           </a:p>
         </p:txBody>
       </p:sp>
@@ -12293,7 +12347,7 @@
           <a:p>
             <a:pPr eaLnBrk="1" hangingPunct="1"/>
             <a:r>
-              <a:rPr lang="vi-VN" sz="3600" dirty="0" smtClean="0"/>
+              <a:rPr lang="vi-VN" sz="3600" smtClean="0"/>
               <a:t>Nội dung chính</a:t>
             </a:r>
           </a:p>
@@ -12323,7 +12377,7 @@
               <a:defRPr/>
             </a:pPr>
             <a:r>
-              <a:rPr lang="vi-VN" sz="2800" dirty="0" smtClean="0"/>
+              <a:rPr lang="vi-VN" sz="2800" smtClean="0"/>
               <a:t>Ứng dụng phân lớp trong tìm kiếm</a:t>
             </a:r>
           </a:p>
@@ -12332,7 +12386,7 @@
               <a:defRPr/>
             </a:pPr>
             <a:r>
-              <a:rPr lang="vi-VN" sz="2800" dirty="0" smtClean="0">
+              <a:rPr lang="vi-VN" sz="2800" smtClean="0">
                 <a:solidFill>
                   <a:schemeClr val="bg1">
                     <a:lumMod val="65000"/>
@@ -12347,7 +12401,7 @@
               <a:defRPr/>
             </a:pPr>
             <a:r>
-              <a:rPr lang="vi-VN" sz="2800" dirty="0" smtClean="0">
+              <a:rPr lang="vi-VN" sz="2800" smtClean="0">
                 <a:solidFill>
                   <a:schemeClr val="bg1">
                     <a:lumMod val="65000"/>
@@ -12575,10 +12629,10 @@
           </a:lstStyle>
           <a:p>
             <a:r>
-              <a:rPr lang="vi-VN" b="0" dirty="0" smtClean="0"/>
+              <a:rPr lang="vi-VN" b="0" smtClean="0"/>
               <a:t>Bài tập</a:t>
             </a:r>
-            <a:endParaRPr lang="vi-VN" b="0" dirty="0"/>
+            <a:endParaRPr lang="vi-VN" b="0"/>
           </a:p>
         </p:txBody>
       </p:sp>
@@ -12714,14 +12768,14 @@
               <a:buChar char="n"/>
             </a:pPr>
             <a:r>
-              <a:rPr lang="vi-VN" sz="3200" b="0" dirty="0" smtClean="0">
+              <a:rPr lang="vi-VN" sz="3200" b="0" smtClean="0">
                 <a:latin typeface="Calibri"/>
                 <a:cs typeface="+mn-cs"/>
               </a:rPr>
               <a:t>Ước lượng tham số cho bộ phân lớp </a:t>
             </a:r>
             <a:r>
-              <a:rPr lang="en-US" sz="3200" b="0" dirty="0" smtClean="0">
+              <a:rPr lang="en-US" sz="3200" b="0" smtClean="0">
                 <a:latin typeface="Calibri"/>
                 <a:cs typeface="+mn-cs"/>
               </a:rPr>
@@ -12741,13 +12795,13 @@
               <a:buChar char="n"/>
             </a:pPr>
             <a:r>
-              <a:rPr lang="de-DE" sz="3200" b="0" dirty="0" smtClean="0">
+              <a:rPr lang="de-DE" sz="3200" b="0" smtClean="0">
                 <a:latin typeface="Calibri"/>
                 <a:cs typeface="+mn-cs"/>
               </a:rPr>
               <a:t>Phân lớp văn bản test</a:t>
             </a:r>
-            <a:endParaRPr lang="de-DE" sz="3200" b="0" dirty="0">
+            <a:endParaRPr lang="de-DE" sz="3200" b="0">
               <a:latin typeface="Calibri"/>
               <a:cs typeface="+mn-cs"/>
             </a:endParaRPr>
@@ -12784,7 +12838,7 @@
               </a:pPr>
               <a:t>20</a:t>
             </a:fld>
-            <a:endParaRPr lang="vi-VN" dirty="0"/>
+            <a:endParaRPr lang="vi-VN"/>
           </a:p>
         </p:txBody>
       </p:sp>
@@ -12856,8 +12910,8 @@
         </p:nvSpPr>
         <p:spPr bwMode="auto">
           <a:xfrm>
-            <a:off x="1259632" y="306099"/>
-            <a:ext cx="7730356" cy="1403350"/>
+            <a:off x="1187623" y="303213"/>
+            <a:ext cx="7629705" cy="1403350"/>
           </a:xfrm>
           <a:prstGeom prst="rect">
             <a:avLst/>
@@ -12999,16 +13053,1190 @@
           </a:lstStyle>
           <a:p>
             <a:r>
-              <a:rPr lang="vi-VN" dirty="0" smtClean="0"/>
+              <a:rPr lang="en-US" smtClean="0"/>
+              <a:t>Độ phức tạp của </a:t>
+            </a:r>
+            <a:r>
+              <a:rPr lang="en-US"/>
+              <a:t>Naive </a:t>
+            </a:r>
+            <a:r>
+              <a:rPr lang="en-US" err="1"/>
+              <a:t>Bayes</a:t>
+            </a:r>
+            <a:endParaRPr lang="en-US"/>
+          </a:p>
+        </p:txBody>
+      </p:sp>
+      <p:sp>
+        <p:nvSpPr>
+          <p:cNvPr id="84997" name="Text Box 4"/>
+          <p:cNvSpPr txBox="1">
+            <a:spLocks noChangeArrowheads="1"/>
+          </p:cNvSpPr>
+          <p:nvPr/>
+        </p:nvSpPr>
+        <p:spPr bwMode="auto">
+          <a:xfrm>
+            <a:off x="7640638" y="-33338"/>
+            <a:ext cx="925512" cy="336551"/>
+          </a:xfrm>
+          <a:prstGeom prst="rect">
+            <a:avLst/>
+          </a:prstGeom>
+          <a:noFill/>
+          <a:ln w="9525">
+            <a:noFill/>
+            <a:round/>
+            <a:headEnd/>
+            <a:tailEnd/>
+          </a:ln>
+        </p:spPr>
+        <p:txBody>
+          <a:bodyPr wrap="none" anchor="ctr"/>
+          <a:lstStyle/>
+          <a:p>
+            <a:pPr>
+              <a:buClr>
+                <a:srgbClr val="000000"/>
+              </a:buClr>
+              <a:buSzPct val="100000"/>
+              <a:buFont typeface="Times New Roman" pitchFamily="16" charset="0"/>
+              <a:buNone/>
+            </a:pPr>
+            <a:endParaRPr lang="de-DE"/>
+          </a:p>
+        </p:txBody>
+      </p:sp>
+      <p:sp>
+        <p:nvSpPr>
+          <p:cNvPr id="10" name="Rectangle 9"/>
+          <p:cNvSpPr/>
+          <p:nvPr/>
+        </p:nvSpPr>
+        <p:spPr>
+          <a:xfrm>
+            <a:off x="244769" y="3140968"/>
+            <a:ext cx="8572560" cy="3096344"/>
+          </a:xfrm>
+          <a:prstGeom prst="rect">
+            <a:avLst/>
+          </a:prstGeom>
+          <a:noFill/>
+          <a:ln>
+            <a:noFill/>
+          </a:ln>
+          <a:effectLst/>
+          <a:extLst>
+            <a:ext uri="{909E8E84-426E-40DD-AFC4-6F175D3DCCD1}">
+              <a14:hiddenFill xmlns:a14="http://schemas.microsoft.com/office/drawing/2010/main">
+                <a:solidFill>
+                  <a:schemeClr val="accent1"/>
+                </a:solidFill>
+              </a14:hiddenFill>
+            </a:ext>
+            <a:ext uri="{91240B29-F687-4F45-9708-019B960494DF}">
+              <a14:hiddenLine xmlns:a14="http://schemas.microsoft.com/office/drawing/2010/main" w="9525">
+                <a:solidFill>
+                  <a:schemeClr val="tx1"/>
+                </a:solidFill>
+                <a:miter lim="800000"/>
+                <a:headEnd/>
+                <a:tailEnd/>
+              </a14:hiddenLine>
+            </a:ext>
+            <a:ext uri="{AF507438-7753-43E0-B8FC-AC1667EBCBE1}">
+              <a14:hiddenEffects xmlns:a14="http://schemas.microsoft.com/office/drawing/2010/main">
+                <a:effectLst>
+                  <a:outerShdw dist="35921" dir="2700000" algn="ctr" rotWithShape="0">
+                    <a:schemeClr val="bg2"/>
+                  </a:outerShdw>
+                </a:effectLst>
+              </a14:hiddenEffects>
+            </a:ext>
+          </a:extLst>
+        </p:spPr>
+        <p:txBody>
+          <a:bodyPr vert="horz" wrap="square" lIns="91440" tIns="45720" rIns="91440" bIns="45720" numCol="1" anchor="t" anchorCtr="0" compatLnSpc="1">
+            <a:prstTxWarp prst="textNoShape">
+              <a:avLst/>
+            </a:prstTxWarp>
+          </a:bodyPr>
+          <a:lstStyle/>
+          <a:p>
+            <a:pPr marL="342900" indent="-342900" algn="just" eaLnBrk="1" hangingPunct="1">
+              <a:spcBef>
+                <a:spcPct val="20000"/>
+              </a:spcBef>
+              <a:buClr>
+                <a:schemeClr val="folHlink"/>
+              </a:buClr>
+              <a:buSzPct val="60000"/>
+              <a:buFont typeface="Wingdings" panose="05000000000000000000" pitchFamily="2" charset="2"/>
+              <a:buChar char="n"/>
+            </a:pPr>
+            <a:r>
+              <a:rPr lang="en-US" sz="2800" b="0">
+                <a:latin typeface="+mn-lt"/>
+                <a:cs typeface="+mn-cs"/>
+              </a:rPr>
+              <a:t> </a:t>
+            </a:r>
+            <a:r>
+              <a:rPr lang="en-US" sz="2800" b="0" i="1">
+                <a:latin typeface="+mn-lt"/>
+                <a:cs typeface="+mn-cs"/>
+              </a:rPr>
+              <a:t>L</a:t>
+            </a:r>
+            <a:r>
+              <a:rPr lang="en-US" sz="2800" b="0" i="1" baseline="-25000">
+                <a:latin typeface="+mn-lt"/>
+                <a:cs typeface="+mn-cs"/>
+              </a:rPr>
+              <a:t>ave</a:t>
+            </a:r>
+            <a:r>
+              <a:rPr lang="en-US" sz="2800" b="0">
+                <a:latin typeface="+mn-lt"/>
+                <a:cs typeface="+mn-cs"/>
+              </a:rPr>
+              <a:t>: Đ</a:t>
+            </a:r>
+            <a:r>
+              <a:rPr lang="en-US" sz="2800" b="0" smtClean="0">
+                <a:latin typeface="+mn-lt"/>
+                <a:cs typeface="+mn-cs"/>
+              </a:rPr>
+              <a:t>ộ </a:t>
+            </a:r>
+            <a:r>
+              <a:rPr lang="en-US" sz="2800" b="0" err="1" smtClean="0">
+                <a:latin typeface="+mn-lt"/>
+                <a:cs typeface="+mn-cs"/>
+              </a:rPr>
+              <a:t>dài</a:t>
+            </a:r>
+            <a:r>
+              <a:rPr lang="en-US" sz="2800" b="0" smtClean="0">
+                <a:latin typeface="+mn-lt"/>
+                <a:cs typeface="+mn-cs"/>
+              </a:rPr>
+              <a:t> </a:t>
+            </a:r>
+            <a:r>
+              <a:rPr lang="en-US" sz="2800" b="0" err="1" smtClean="0">
+                <a:latin typeface="+mn-lt"/>
+                <a:cs typeface="+mn-cs"/>
+              </a:rPr>
+              <a:t>trung</a:t>
+            </a:r>
+            <a:r>
+              <a:rPr lang="en-US" sz="2800" b="0" smtClean="0">
+                <a:latin typeface="+mn-lt"/>
+                <a:cs typeface="+mn-cs"/>
+              </a:rPr>
+              <a:t> </a:t>
+            </a:r>
+            <a:r>
+              <a:rPr lang="en-US" sz="2800" b="0" err="1" smtClean="0">
+                <a:latin typeface="+mn-lt"/>
+                <a:cs typeface="+mn-cs"/>
+              </a:rPr>
+              <a:t>bình</a:t>
+            </a:r>
+            <a:r>
+              <a:rPr lang="en-US" sz="2800" b="0" smtClean="0">
+                <a:latin typeface="+mn-lt"/>
+                <a:cs typeface="+mn-cs"/>
+              </a:rPr>
+              <a:t> </a:t>
+            </a:r>
+            <a:r>
+              <a:rPr lang="en-US" sz="2800" b="0" err="1" smtClean="0">
+                <a:latin typeface="+mn-lt"/>
+                <a:cs typeface="+mn-cs"/>
+              </a:rPr>
+              <a:t>của</a:t>
+            </a:r>
+            <a:r>
+              <a:rPr lang="en-US" sz="2800" b="0" smtClean="0">
+                <a:latin typeface="+mn-lt"/>
+                <a:cs typeface="+mn-cs"/>
+              </a:rPr>
+              <a:t> </a:t>
+            </a:r>
+            <a:r>
+              <a:rPr lang="en-US" sz="2800" b="0" err="1" smtClean="0">
+                <a:latin typeface="+mn-lt"/>
+                <a:cs typeface="+mn-cs"/>
+              </a:rPr>
+              <a:t>văn</a:t>
+            </a:r>
+            <a:r>
+              <a:rPr lang="en-US" sz="2800" b="0" smtClean="0">
+                <a:latin typeface="+mn-lt"/>
+                <a:cs typeface="+mn-cs"/>
+              </a:rPr>
+              <a:t> </a:t>
+            </a:r>
+            <a:r>
+              <a:rPr lang="en-US" sz="2800" b="0" err="1" smtClean="0">
+                <a:latin typeface="+mn-lt"/>
+                <a:cs typeface="+mn-cs"/>
+              </a:rPr>
+              <a:t>bản</a:t>
+            </a:r>
+            <a:r>
+              <a:rPr lang="en-US" sz="2800" b="0" smtClean="0">
+                <a:latin typeface="+mn-lt"/>
+                <a:cs typeface="+mn-cs"/>
+              </a:rPr>
+              <a:t> </a:t>
+            </a:r>
+            <a:r>
+              <a:rPr lang="en-US" sz="2800" b="0" err="1" smtClean="0">
+                <a:latin typeface="+mn-lt"/>
+                <a:cs typeface="+mn-cs"/>
+              </a:rPr>
+              <a:t>luyện</a:t>
+            </a:r>
+            <a:r>
+              <a:rPr lang="en-US" sz="2800" b="0" smtClean="0">
+                <a:latin typeface="+mn-lt"/>
+                <a:cs typeface="+mn-cs"/>
+              </a:rPr>
+              <a:t>, </a:t>
+            </a:r>
+            <a:r>
+              <a:rPr lang="en-US" sz="2800" b="0" i="1">
+                <a:latin typeface="+mn-lt"/>
+                <a:cs typeface="+mn-cs"/>
+              </a:rPr>
+              <a:t>L</a:t>
+            </a:r>
+            <a:r>
+              <a:rPr lang="en-US" sz="2800" b="0" i="1" baseline="-25000">
+                <a:latin typeface="+mn-lt"/>
+                <a:cs typeface="+mn-cs"/>
+              </a:rPr>
+              <a:t>a</a:t>
+            </a:r>
+            <a:r>
+              <a:rPr lang="en-US" sz="2800" b="0">
+                <a:latin typeface="+mn-lt"/>
+                <a:cs typeface="+mn-cs"/>
+              </a:rPr>
+              <a:t>: </a:t>
+            </a:r>
+            <a:r>
+              <a:rPr lang="en-US" sz="2800" b="0" smtClean="0">
+                <a:latin typeface="+mn-lt"/>
+                <a:cs typeface="+mn-cs"/>
+              </a:rPr>
+              <a:t>Độ </a:t>
+            </a:r>
+            <a:r>
+              <a:rPr lang="en-US" sz="2800" b="0" err="1" smtClean="0">
+                <a:latin typeface="+mn-lt"/>
+                <a:cs typeface="+mn-cs"/>
+              </a:rPr>
+              <a:t>dài</a:t>
+            </a:r>
+            <a:r>
+              <a:rPr lang="en-US" sz="2800" b="0" smtClean="0">
+                <a:latin typeface="+mn-lt"/>
+                <a:cs typeface="+mn-cs"/>
+              </a:rPr>
+              <a:t> </a:t>
+            </a:r>
+            <a:r>
+              <a:rPr lang="en-US" sz="2800" b="0" err="1" smtClean="0">
+                <a:latin typeface="+mn-lt"/>
+                <a:cs typeface="+mn-cs"/>
+              </a:rPr>
+              <a:t>văn</a:t>
+            </a:r>
+            <a:r>
+              <a:rPr lang="en-US" sz="2800" b="0" smtClean="0">
+                <a:latin typeface="+mn-lt"/>
+                <a:cs typeface="+mn-cs"/>
+              </a:rPr>
+              <a:t> </a:t>
+            </a:r>
+            <a:r>
+              <a:rPr lang="en-US" sz="2800" b="0" err="1" smtClean="0">
+                <a:latin typeface="+mn-lt"/>
+                <a:cs typeface="+mn-cs"/>
+              </a:rPr>
+              <a:t>bản</a:t>
+            </a:r>
+            <a:r>
+              <a:rPr lang="en-US" sz="2800" b="0" smtClean="0">
+                <a:latin typeface="+mn-lt"/>
+                <a:cs typeface="+mn-cs"/>
+              </a:rPr>
+              <a:t> </a:t>
+            </a:r>
+            <a:r>
+              <a:rPr lang="en-US" sz="2800" b="0" err="1" smtClean="0">
+                <a:latin typeface="+mn-lt"/>
+                <a:cs typeface="+mn-cs"/>
+              </a:rPr>
+              <a:t>phân</a:t>
+            </a:r>
+            <a:r>
+              <a:rPr lang="en-US" sz="2800" b="0" smtClean="0">
+                <a:latin typeface="+mn-lt"/>
+                <a:cs typeface="+mn-cs"/>
+              </a:rPr>
+              <a:t> lớp; </a:t>
+            </a:r>
+            <a:r>
+              <a:rPr lang="en-US" sz="2800" b="0" i="1">
+                <a:latin typeface="+mn-lt"/>
+                <a:cs typeface="+mn-cs"/>
+              </a:rPr>
+              <a:t>M</a:t>
+            </a:r>
+            <a:r>
+              <a:rPr lang="en-US" sz="2800" b="0" i="1" baseline="-25000">
+                <a:latin typeface="+mn-lt"/>
+                <a:cs typeface="+mn-cs"/>
+              </a:rPr>
+              <a:t>a</a:t>
+            </a:r>
+            <a:r>
+              <a:rPr lang="en-US" sz="2800" b="0">
+                <a:latin typeface="+mn-lt"/>
+                <a:cs typeface="+mn-cs"/>
+              </a:rPr>
+              <a:t>: </a:t>
+            </a:r>
+            <a:r>
+              <a:rPr lang="en-US" sz="2800" b="0" err="1" smtClean="0">
+                <a:latin typeface="+mn-lt"/>
+                <a:cs typeface="+mn-cs"/>
+              </a:rPr>
+              <a:t>Số</a:t>
+            </a:r>
+            <a:r>
+              <a:rPr lang="en-US" sz="2800" b="0" smtClean="0">
+                <a:latin typeface="+mn-lt"/>
+                <a:cs typeface="+mn-cs"/>
+              </a:rPr>
+              <a:t> </a:t>
+            </a:r>
+            <a:r>
+              <a:rPr lang="en-US" sz="2800" b="0" err="1" smtClean="0">
+                <a:latin typeface="+mn-lt"/>
+                <a:cs typeface="+mn-cs"/>
+              </a:rPr>
+              <a:t>lượng</a:t>
+            </a:r>
+            <a:r>
+              <a:rPr lang="en-US" sz="2800" b="0" smtClean="0">
+                <a:latin typeface="+mn-lt"/>
+                <a:cs typeface="+mn-cs"/>
+              </a:rPr>
+              <a:t> </a:t>
+            </a:r>
+            <a:r>
+              <a:rPr lang="en-US" sz="2800" b="0" err="1" smtClean="0">
+                <a:latin typeface="+mn-lt"/>
+                <a:cs typeface="+mn-cs"/>
+              </a:rPr>
+              <a:t>từ</a:t>
+            </a:r>
+            <a:r>
+              <a:rPr lang="en-US" sz="2800" b="0" smtClean="0">
+                <a:latin typeface="+mn-lt"/>
+                <a:cs typeface="+mn-cs"/>
+              </a:rPr>
+              <a:t> </a:t>
+            </a:r>
+            <a:r>
+              <a:rPr lang="en-US" sz="2800" b="0" err="1" smtClean="0">
+                <a:latin typeface="+mn-lt"/>
+                <a:cs typeface="+mn-cs"/>
+              </a:rPr>
+              <a:t>duy</a:t>
+            </a:r>
+            <a:r>
+              <a:rPr lang="en-US" sz="2800" b="0" smtClean="0">
+                <a:latin typeface="+mn-lt"/>
+                <a:cs typeface="+mn-cs"/>
+              </a:rPr>
+              <a:t> </a:t>
+            </a:r>
+            <a:r>
+              <a:rPr lang="en-US" sz="2800" b="0" err="1" smtClean="0">
+                <a:latin typeface="+mn-lt"/>
+                <a:cs typeface="+mn-cs"/>
+              </a:rPr>
+              <a:t>nhất</a:t>
+            </a:r>
+            <a:r>
+              <a:rPr lang="en-US" sz="2800" b="0" smtClean="0">
+                <a:latin typeface="+mn-lt"/>
+                <a:cs typeface="+mn-cs"/>
+              </a:rPr>
+              <a:t> </a:t>
+            </a:r>
+            <a:r>
+              <a:rPr lang="en-US" sz="2800" b="0" err="1" smtClean="0">
+                <a:latin typeface="+mn-lt"/>
+                <a:cs typeface="+mn-cs"/>
+              </a:rPr>
+              <a:t>trong</a:t>
+            </a:r>
+            <a:r>
+              <a:rPr lang="en-US" sz="2800" b="0" smtClean="0">
+                <a:latin typeface="+mn-lt"/>
+                <a:cs typeface="+mn-cs"/>
+              </a:rPr>
+              <a:t> </a:t>
+            </a:r>
+            <a:r>
+              <a:rPr lang="en-US" sz="2800" b="0" err="1" smtClean="0">
+                <a:latin typeface="+mn-lt"/>
+                <a:cs typeface="+mn-cs"/>
+              </a:rPr>
+              <a:t>văn</a:t>
+            </a:r>
+            <a:r>
+              <a:rPr lang="en-US" sz="2800" b="0" smtClean="0">
+                <a:latin typeface="+mn-lt"/>
+                <a:cs typeface="+mn-cs"/>
+              </a:rPr>
+              <a:t> </a:t>
+            </a:r>
+            <a:r>
+              <a:rPr lang="en-US" sz="2800" b="0" err="1" smtClean="0">
+                <a:latin typeface="+mn-lt"/>
+                <a:cs typeface="+mn-cs"/>
+              </a:rPr>
+              <a:t>bản</a:t>
+            </a:r>
+            <a:r>
+              <a:rPr lang="en-US" sz="2800" b="0" smtClean="0">
+                <a:latin typeface="+mn-lt"/>
+                <a:cs typeface="+mn-cs"/>
+              </a:rPr>
+              <a:t> </a:t>
+            </a:r>
+            <a:r>
+              <a:rPr lang="en-US" sz="2800" b="0" err="1" smtClean="0">
+                <a:latin typeface="+mn-lt"/>
+                <a:cs typeface="+mn-cs"/>
+              </a:rPr>
+              <a:t>phân</a:t>
+            </a:r>
+            <a:r>
+              <a:rPr lang="en-US" sz="2800" b="0" smtClean="0">
+                <a:latin typeface="+mn-lt"/>
+                <a:cs typeface="+mn-cs"/>
+              </a:rPr>
+              <a:t> </a:t>
+            </a:r>
+            <a:r>
+              <a:rPr lang="en-US" sz="2800" b="0" err="1" smtClean="0">
+                <a:latin typeface="+mn-lt"/>
+                <a:cs typeface="+mn-cs"/>
+              </a:rPr>
+              <a:t>lớp</a:t>
+            </a:r>
+            <a:r>
+              <a:rPr lang="en-US" sz="2800" b="0" smtClean="0">
+                <a:latin typeface="+mn-lt"/>
+                <a:cs typeface="+mn-cs"/>
+              </a:rPr>
+              <a:t>; D </a:t>
+            </a:r>
+            <a:r>
+              <a:rPr lang="en-US" sz="2800" b="0" err="1" smtClean="0">
+                <a:latin typeface="+mn-lt"/>
+                <a:cs typeface="+mn-cs"/>
+              </a:rPr>
+              <a:t>là</a:t>
+            </a:r>
+            <a:r>
+              <a:rPr lang="en-US" sz="2800" b="0" smtClean="0">
+                <a:latin typeface="+mn-lt"/>
+                <a:cs typeface="+mn-cs"/>
+              </a:rPr>
+              <a:t> </a:t>
+            </a:r>
+            <a:r>
+              <a:rPr lang="en-US" sz="2800" b="0" err="1" smtClean="0">
+                <a:latin typeface="+mn-lt"/>
+                <a:cs typeface="+mn-cs"/>
+              </a:rPr>
+              <a:t>bộ</a:t>
+            </a:r>
+            <a:r>
+              <a:rPr lang="en-US" sz="2800" b="0" smtClean="0">
+                <a:latin typeface="+mn-lt"/>
+                <a:cs typeface="+mn-cs"/>
+              </a:rPr>
+              <a:t> </a:t>
+            </a:r>
+            <a:r>
+              <a:rPr lang="en-US" sz="2800" b="0" err="1" smtClean="0">
+                <a:latin typeface="+mn-lt"/>
+                <a:cs typeface="+mn-cs"/>
+              </a:rPr>
+              <a:t>dữ</a:t>
+            </a:r>
+            <a:r>
+              <a:rPr lang="en-US" sz="2800" b="0" smtClean="0">
+                <a:latin typeface="+mn-lt"/>
+                <a:cs typeface="+mn-cs"/>
+              </a:rPr>
+              <a:t> </a:t>
+            </a:r>
+            <a:r>
+              <a:rPr lang="en-US" sz="2800" b="0" err="1" smtClean="0">
+                <a:latin typeface="+mn-lt"/>
+                <a:cs typeface="+mn-cs"/>
+              </a:rPr>
+              <a:t>liệu</a:t>
+            </a:r>
+            <a:r>
+              <a:rPr lang="en-US" sz="2800" b="0" smtClean="0">
+                <a:latin typeface="+mn-lt"/>
+                <a:cs typeface="+mn-cs"/>
+              </a:rPr>
+              <a:t> </a:t>
+            </a:r>
+            <a:r>
+              <a:rPr lang="en-US" sz="2800" b="0" err="1" smtClean="0">
+                <a:latin typeface="+mn-lt"/>
+                <a:cs typeface="+mn-cs"/>
+              </a:rPr>
+              <a:t>luyện</a:t>
+            </a:r>
+            <a:r>
+              <a:rPr lang="en-US" sz="2800" b="0" smtClean="0">
+                <a:latin typeface="+mn-lt"/>
+                <a:cs typeface="+mn-cs"/>
+              </a:rPr>
+              <a:t>, V là bộ từ </a:t>
+            </a:r>
+            <a:r>
+              <a:rPr lang="en-US" sz="2800" b="0" err="1" smtClean="0">
+                <a:latin typeface="+mn-lt"/>
+                <a:cs typeface="+mn-cs"/>
+              </a:rPr>
+              <a:t>vựng</a:t>
+            </a:r>
+            <a:r>
+              <a:rPr lang="en-US" sz="2800" b="0" smtClean="0">
+                <a:latin typeface="+mn-lt"/>
+                <a:cs typeface="+mn-cs"/>
+              </a:rPr>
+              <a:t>; C </a:t>
+            </a:r>
+            <a:r>
+              <a:rPr lang="en-US" sz="2800" b="0" err="1" smtClean="0">
+                <a:latin typeface="+mn-lt"/>
+                <a:cs typeface="+mn-cs"/>
+              </a:rPr>
+              <a:t>là</a:t>
+            </a:r>
+            <a:r>
+              <a:rPr lang="en-US" sz="2800" b="0" smtClean="0">
+                <a:latin typeface="+mn-lt"/>
+                <a:cs typeface="+mn-cs"/>
+              </a:rPr>
+              <a:t> </a:t>
+            </a:r>
+            <a:r>
+              <a:rPr lang="en-US" sz="2800" b="0" err="1" smtClean="0">
+                <a:latin typeface="+mn-lt"/>
+                <a:cs typeface="+mn-cs"/>
+              </a:rPr>
+              <a:t>tập</a:t>
+            </a:r>
+            <a:r>
+              <a:rPr lang="en-US" sz="2800" b="0" smtClean="0">
+                <a:latin typeface="+mn-lt"/>
+                <a:cs typeface="+mn-cs"/>
+              </a:rPr>
+              <a:t> </a:t>
+            </a:r>
+            <a:r>
+              <a:rPr lang="en-US" sz="2800" b="0" err="1" smtClean="0">
+                <a:latin typeface="+mn-lt"/>
+                <a:cs typeface="+mn-cs"/>
+              </a:rPr>
+              <a:t>lớp</a:t>
+            </a:r>
+            <a:r>
+              <a:rPr lang="en-US" sz="2800" b="0" smtClean="0">
+                <a:latin typeface="+mn-lt"/>
+                <a:cs typeface="+mn-cs"/>
+              </a:rPr>
+              <a:t>.</a:t>
+            </a:r>
+          </a:p>
+          <a:p>
+            <a:pPr marL="342900" indent="-342900" algn="just" eaLnBrk="1" hangingPunct="1">
+              <a:spcBef>
+                <a:spcPct val="20000"/>
+              </a:spcBef>
+              <a:buClr>
+                <a:schemeClr val="folHlink"/>
+              </a:buClr>
+              <a:buSzPct val="60000"/>
+              <a:buFont typeface="Wingdings" panose="05000000000000000000" pitchFamily="2" charset="2"/>
+              <a:buChar char="n"/>
+            </a:pPr>
+            <a:r>
+              <a:rPr lang="en-US" sz="2800" b="0" smtClean="0">
+                <a:latin typeface="+mn-lt"/>
+                <a:cs typeface="+mn-cs"/>
+              </a:rPr>
+              <a:t>Naive </a:t>
+            </a:r>
+            <a:r>
+              <a:rPr lang="en-US" sz="2800" b="0">
+                <a:latin typeface="+mn-lt"/>
+                <a:cs typeface="+mn-cs"/>
+              </a:rPr>
+              <a:t>Bayes </a:t>
+            </a:r>
+            <a:r>
+              <a:rPr lang="en-US" sz="2800" b="0" smtClean="0">
+                <a:latin typeface="+mn-lt"/>
+                <a:cs typeface="+mn-cs"/>
+              </a:rPr>
+              <a:t>có độ </a:t>
+            </a:r>
+            <a:r>
+              <a:rPr lang="en-US" sz="2800" b="0" err="1" smtClean="0">
+                <a:latin typeface="+mn-lt"/>
+                <a:cs typeface="+mn-cs"/>
+              </a:rPr>
+              <a:t>phức</a:t>
+            </a:r>
+            <a:r>
+              <a:rPr lang="en-US" sz="2800" b="0" smtClean="0">
+                <a:latin typeface="+mn-lt"/>
+                <a:cs typeface="+mn-cs"/>
+              </a:rPr>
+              <a:t> </a:t>
+            </a:r>
+            <a:r>
+              <a:rPr lang="en-US" sz="2800" b="0" err="1" smtClean="0">
+                <a:latin typeface="+mn-lt"/>
+                <a:cs typeface="+mn-cs"/>
+              </a:rPr>
+              <a:t>tạp</a:t>
+            </a:r>
+            <a:r>
+              <a:rPr lang="en-US" sz="2800" b="0" smtClean="0">
+                <a:latin typeface="+mn-lt"/>
+                <a:cs typeface="+mn-cs"/>
+              </a:rPr>
+              <a:t> </a:t>
+            </a:r>
+            <a:r>
+              <a:rPr lang="en-US" sz="2800" b="0" err="1" smtClean="0">
+                <a:latin typeface="+mn-lt"/>
+                <a:cs typeface="+mn-cs"/>
+              </a:rPr>
+              <a:t>tuyến</a:t>
+            </a:r>
+            <a:r>
+              <a:rPr lang="en-US" sz="2800" b="0" smtClean="0">
+                <a:latin typeface="+mn-lt"/>
+                <a:cs typeface="+mn-cs"/>
+              </a:rPr>
+              <a:t> </a:t>
+            </a:r>
+            <a:r>
+              <a:rPr lang="en-US" sz="2800" b="0" err="1" smtClean="0">
+                <a:latin typeface="+mn-lt"/>
+                <a:cs typeface="+mn-cs"/>
+              </a:rPr>
+              <a:t>tính</a:t>
+            </a:r>
+            <a:r>
+              <a:rPr lang="en-US" sz="2800" b="0" smtClean="0">
+                <a:latin typeface="+mn-lt"/>
+                <a:cs typeface="+mn-cs"/>
+              </a:rPr>
+              <a:t> so </a:t>
+            </a:r>
+            <a:r>
+              <a:rPr lang="en-US" sz="2800" b="0" err="1" smtClean="0">
+                <a:latin typeface="+mn-lt"/>
+                <a:cs typeface="+mn-cs"/>
+              </a:rPr>
+              <a:t>với</a:t>
+            </a:r>
+            <a:r>
+              <a:rPr lang="en-US" sz="2800" b="0" smtClean="0">
+                <a:latin typeface="+mn-lt"/>
+                <a:cs typeface="+mn-cs"/>
+              </a:rPr>
+              <a:t> </a:t>
+            </a:r>
+            <a:r>
+              <a:rPr lang="en-US" sz="2800" b="0" err="1" smtClean="0">
+                <a:latin typeface="+mn-lt"/>
+                <a:cs typeface="+mn-cs"/>
+              </a:rPr>
+              <a:t>kích</a:t>
+            </a:r>
+            <a:r>
+              <a:rPr lang="en-US" sz="2800" b="0" smtClean="0">
+                <a:latin typeface="+mn-lt"/>
+                <a:cs typeface="+mn-cs"/>
+              </a:rPr>
+              <a:t> </a:t>
+            </a:r>
+            <a:r>
+              <a:rPr lang="en-US" sz="2800" b="0" err="1" smtClean="0">
+                <a:latin typeface="+mn-lt"/>
+                <a:cs typeface="+mn-cs"/>
+              </a:rPr>
+              <a:t>thước</a:t>
+            </a:r>
+            <a:r>
+              <a:rPr lang="en-US" sz="2800" b="0" smtClean="0">
+                <a:latin typeface="+mn-lt"/>
+                <a:cs typeface="+mn-cs"/>
+              </a:rPr>
+              <a:t> </a:t>
+            </a:r>
+            <a:r>
+              <a:rPr lang="en-US" sz="2800" b="0" err="1" smtClean="0">
+                <a:latin typeface="+mn-lt"/>
+                <a:cs typeface="+mn-cs"/>
+              </a:rPr>
+              <a:t>dữ</a:t>
+            </a:r>
+            <a:r>
+              <a:rPr lang="en-US" sz="2800" b="0" smtClean="0">
+                <a:latin typeface="+mn-lt"/>
+                <a:cs typeface="+mn-cs"/>
+              </a:rPr>
+              <a:t> </a:t>
+            </a:r>
+            <a:r>
+              <a:rPr lang="en-US" sz="2800" b="0" err="1" smtClean="0">
+                <a:latin typeface="+mn-lt"/>
+                <a:cs typeface="+mn-cs"/>
+              </a:rPr>
+              <a:t>liệu</a:t>
+            </a:r>
+            <a:r>
+              <a:rPr lang="en-US" sz="2800" b="0" smtClean="0">
+                <a:latin typeface="+mn-lt"/>
+                <a:cs typeface="+mn-cs"/>
+              </a:rPr>
+              <a:t> </a:t>
+            </a:r>
+            <a:r>
+              <a:rPr lang="en-US" sz="2800" b="0" err="1" smtClean="0">
+                <a:latin typeface="+mn-lt"/>
+                <a:cs typeface="+mn-cs"/>
+              </a:rPr>
+              <a:t>luyện</a:t>
+            </a:r>
+            <a:r>
+              <a:rPr lang="en-US" sz="2800" b="0" smtClean="0">
+                <a:latin typeface="+mn-lt"/>
+                <a:cs typeface="+mn-cs"/>
+              </a:rPr>
+              <a:t> </a:t>
+            </a:r>
+            <a:r>
+              <a:rPr lang="en-US" sz="2800" b="0" err="1" smtClean="0">
+                <a:latin typeface="+mn-lt"/>
+                <a:cs typeface="+mn-cs"/>
+              </a:rPr>
+              <a:t>và</a:t>
+            </a:r>
+            <a:r>
+              <a:rPr lang="en-US" sz="2800" b="0" smtClean="0">
+                <a:latin typeface="+mn-lt"/>
+                <a:cs typeface="+mn-cs"/>
+              </a:rPr>
+              <a:t> </a:t>
+            </a:r>
+            <a:r>
+              <a:rPr lang="en-US" sz="2800" b="0" err="1" smtClean="0">
+                <a:latin typeface="+mn-lt"/>
+                <a:cs typeface="+mn-cs"/>
+              </a:rPr>
+              <a:t>dữ</a:t>
+            </a:r>
+            <a:r>
+              <a:rPr lang="en-US" sz="2800" b="0" smtClean="0">
+                <a:latin typeface="+mn-lt"/>
+                <a:cs typeface="+mn-cs"/>
+              </a:rPr>
+              <a:t> </a:t>
+            </a:r>
+            <a:r>
+              <a:rPr lang="en-US" sz="2800" b="0" err="1" smtClean="0">
+                <a:latin typeface="+mn-lt"/>
+                <a:cs typeface="+mn-cs"/>
+              </a:rPr>
+              <a:t>liệu</a:t>
+            </a:r>
+            <a:r>
+              <a:rPr lang="en-US" sz="2800" b="0" smtClean="0">
+                <a:latin typeface="+mn-lt"/>
+                <a:cs typeface="+mn-cs"/>
+              </a:rPr>
+              <a:t> </a:t>
+            </a:r>
+            <a:r>
+              <a:rPr lang="en-US" sz="2800" b="0" err="1" smtClean="0">
+                <a:latin typeface="+mn-lt"/>
+                <a:cs typeface="+mn-cs"/>
+              </a:rPr>
+              <a:t>phân</a:t>
+            </a:r>
+            <a:r>
+              <a:rPr lang="en-US" sz="2800" b="0" smtClean="0">
+                <a:latin typeface="+mn-lt"/>
+                <a:cs typeface="+mn-cs"/>
+              </a:rPr>
+              <a:t> </a:t>
+            </a:r>
+            <a:r>
+              <a:rPr lang="en-US" sz="2800" b="0" err="1" smtClean="0">
+                <a:latin typeface="+mn-lt"/>
+                <a:cs typeface="+mn-cs"/>
+              </a:rPr>
+              <a:t>lớp</a:t>
+            </a:r>
+            <a:r>
+              <a:rPr lang="en-US" sz="2800" b="0" smtClean="0">
+                <a:latin typeface="+mn-lt"/>
+                <a:cs typeface="+mn-cs"/>
+              </a:rPr>
+              <a:t>. Đây là độ phức tạp </a:t>
+            </a:r>
+            <a:r>
+              <a:rPr lang="en-US" sz="2800" b="0" err="1" smtClean="0">
+                <a:latin typeface="+mn-lt"/>
+                <a:cs typeface="+mn-cs"/>
+              </a:rPr>
+              <a:t>tối</a:t>
+            </a:r>
+            <a:r>
+              <a:rPr lang="en-US" sz="2800" b="0" smtClean="0">
+                <a:latin typeface="+mn-lt"/>
+                <a:cs typeface="+mn-cs"/>
+              </a:rPr>
+              <a:t> </a:t>
+            </a:r>
+            <a:r>
+              <a:rPr lang="en-US" sz="2800" b="0" err="1" smtClean="0">
+                <a:latin typeface="+mn-lt"/>
+                <a:cs typeface="+mn-cs"/>
+              </a:rPr>
+              <a:t>ưu</a:t>
+            </a:r>
+            <a:r>
+              <a:rPr lang="en-US" sz="2800" b="0" smtClean="0">
+                <a:latin typeface="+mn-lt"/>
+                <a:cs typeface="+mn-cs"/>
+              </a:rPr>
+              <a:t>.</a:t>
+            </a:r>
+            <a:endParaRPr lang="de-DE" sz="2800" b="0">
+              <a:latin typeface="+mn-lt"/>
+              <a:cs typeface="+mn-cs"/>
+            </a:endParaRPr>
+          </a:p>
+        </p:txBody>
+      </p:sp>
+      <p:pic>
+        <p:nvPicPr>
+          <p:cNvPr id="9" name="Picture 8" descr="13381.png"/>
+          <p:cNvPicPr>
+            <a:picLocks noChangeAspect="1"/>
+          </p:cNvPicPr>
+          <p:nvPr/>
+        </p:nvPicPr>
+        <p:blipFill>
+          <a:blip r:embed="rId3"/>
+          <a:stretch>
+            <a:fillRect/>
+          </a:stretch>
+        </p:blipFill>
+        <p:spPr>
+          <a:xfrm>
+            <a:off x="971600" y="1844824"/>
+            <a:ext cx="5416546" cy="1224000"/>
+          </a:xfrm>
+          <a:prstGeom prst="rect">
+            <a:avLst/>
+          </a:prstGeom>
+        </p:spPr>
+      </p:pic>
+      <p:sp>
+        <p:nvSpPr>
+          <p:cNvPr id="16" name="Slide Number Placeholder 1"/>
+          <p:cNvSpPr>
+            <a:spLocks noGrp="1"/>
+          </p:cNvSpPr>
+          <p:nvPr>
+            <p:ph type="sldNum" sz="quarter" idx="12"/>
+          </p:nvPr>
+        </p:nvSpPr>
+        <p:spPr>
+          <a:xfrm>
+            <a:off x="7042150" y="6243638"/>
+            <a:ext cx="1905000" cy="457200"/>
+          </a:xfrm>
+        </p:spPr>
+        <p:txBody>
+          <a:bodyPr/>
+          <a:lstStyle/>
+          <a:p>
+            <a:pPr>
+              <a:defRPr/>
+            </a:pPr>
+            <a:fld id="{A81E07A1-38DA-436E-9EB2-1E501CB9FFA7}" type="slidenum">
+              <a:rPr lang="vi-VN" smtClean="0"/>
+              <a:pPr>
+                <a:defRPr/>
+              </a:pPr>
+              <a:t>21</a:t>
+            </a:fld>
+            <a:endParaRPr lang="vi-VN"/>
+          </a:p>
+        </p:txBody>
+      </p:sp>
+    </p:spTree>
+    <p:extLst>
+      <p:ext uri="{BB962C8B-B14F-4D97-AF65-F5344CB8AC3E}">
+        <p14:creationId xmlns:p14="http://schemas.microsoft.com/office/powerpoint/2010/main" val="1372659207"/>
+      </p:ext>
+    </p:extLst>
+  </p:cSld>
+  <p:clrMapOvr>
+    <a:masterClrMapping/>
+  </p:clrMapOvr>
+  <p:transition spd="med"/>
+  <p:timing>
+    <p:tnLst>
+      <p:par>
+        <p:cTn id="1" dur="indefinite" restart="never" nodeType="tmRoot">
+          <p:childTnLst>
+            <p:seq concurrent="1" nextAc="seek">
+              <p:cTn id="2" dur="indefinite" nodeType="mainSeq"/>
+              <p:prevCondLst>
+                <p:cond evt="onPrev" delay="0">
+                  <p:tgtEl>
+                    <p:sldTgt/>
+                  </p:tgtEl>
+                </p:cond>
+              </p:prevCondLst>
+              <p:nextCondLst>
+                <p:cond evt="onNext" delay="0">
+                  <p:tgtEl>
+                    <p:sldTgt/>
+                  </p:tgtEl>
+                </p:cond>
+              </p:nextCondLst>
+            </p:seq>
+          </p:childTnLst>
+        </p:cTn>
+      </p:par>
+    </p:tnLst>
+  </p:timing>
+</p:sld>
+</file>
+
+<file path=ppt/slides/slide22.xml><?xml version="1.0" encoding="utf-8"?>
+<p:sld xmlns:a="http://schemas.openxmlformats.org/drawingml/2006/main" xmlns:r="http://schemas.openxmlformats.org/officeDocument/2006/relationships" xmlns:p="http://schemas.openxmlformats.org/presentationml/2006/main">
+  <p:cSld>
+    <p:spTree>
+      <p:nvGrpSpPr>
+        <p:cNvPr id="1" name=""/>
+        <p:cNvGrpSpPr/>
+        <p:nvPr/>
+      </p:nvGrpSpPr>
+      <p:grpSpPr>
+        <a:xfrm>
+          <a:off x="0" y="0"/>
+          <a:ext cx="0" cy="0"/>
+          <a:chOff x="0" y="0"/>
+          <a:chExt cx="0" cy="0"/>
+        </a:xfrm>
+      </p:grpSpPr>
+      <p:sp>
+        <p:nvSpPr>
+          <p:cNvPr id="84995" name="Text Box 2"/>
+          <p:cNvSpPr txBox="1">
+            <a:spLocks noChangeArrowheads="1"/>
+          </p:cNvSpPr>
+          <p:nvPr/>
+        </p:nvSpPr>
+        <p:spPr bwMode="auto">
+          <a:xfrm>
+            <a:off x="1259632" y="306099"/>
+            <a:ext cx="7730356" cy="1403350"/>
+          </a:xfrm>
+          <a:prstGeom prst="rect">
+            <a:avLst/>
+          </a:prstGeom>
+          <a:noFill/>
+          <a:ln>
+            <a:noFill/>
+          </a:ln>
+          <a:effectLst/>
+          <a:extLst>
+            <a:ext uri="{909E8E84-426E-40DD-AFC4-6F175D3DCCD1}">
+              <a14:hiddenFill xmlns:a14="http://schemas.microsoft.com/office/drawing/2010/main">
+                <a:solidFill>
+                  <a:schemeClr val="accent1"/>
+                </a:solidFill>
+              </a14:hiddenFill>
+            </a:ext>
+            <a:ext uri="{91240B29-F687-4F45-9708-019B960494DF}">
+              <a14:hiddenLine xmlns:a14="http://schemas.microsoft.com/office/drawing/2010/main" w="9525">
+                <a:solidFill>
+                  <a:schemeClr val="tx1"/>
+                </a:solidFill>
+                <a:miter lim="800000"/>
+                <a:headEnd/>
+                <a:tailEnd/>
+              </a14:hiddenLine>
+            </a:ext>
+            <a:ext uri="{AF507438-7753-43E0-B8FC-AC1667EBCBE1}">
+              <a14:hiddenEffects xmlns:a14="http://schemas.microsoft.com/office/drawing/2010/main">
+                <a:effectLst>
+                  <a:outerShdw dist="35921" dir="2700000" algn="ctr" rotWithShape="0">
+                    <a:schemeClr val="bg2"/>
+                  </a:outerShdw>
+                </a:effectLst>
+              </a14:hiddenEffects>
+            </a:ext>
+          </a:extLst>
+        </p:spPr>
+        <p:txBody>
+          <a:bodyPr vert="horz" wrap="square" lIns="91440" tIns="45720" rIns="91440" bIns="45720" numCol="1" anchor="b" anchorCtr="0" compatLnSpc="1">
+            <a:prstTxWarp prst="textNoShape">
+              <a:avLst/>
+            </a:prstTxWarp>
+          </a:bodyPr>
+          <a:lstStyle>
+            <a:defPPr>
+              <a:defRPr lang="vi-VN"/>
+            </a:defPPr>
+            <a:lvl1pPr eaLnBrk="1" hangingPunct="1">
+              <a:defRPr sz="3600" b="0">
+                <a:solidFill>
+                  <a:schemeClr val="tx2"/>
+                </a:solidFill>
+                <a:latin typeface="+mj-lt"/>
+                <a:ea typeface="+mj-ea"/>
+                <a:cs typeface="+mj-cs"/>
+              </a:defRPr>
+            </a:lvl1pPr>
+            <a:lvl2pPr>
+              <a:defRPr sz="4400">
+                <a:solidFill>
+                  <a:schemeClr val="tx2"/>
+                </a:solidFill>
+              </a:defRPr>
+            </a:lvl2pPr>
+            <a:lvl3pPr>
+              <a:defRPr sz="4400">
+                <a:solidFill>
+                  <a:schemeClr val="tx2"/>
+                </a:solidFill>
+              </a:defRPr>
+            </a:lvl3pPr>
+            <a:lvl4pPr>
+              <a:defRPr sz="4400">
+                <a:solidFill>
+                  <a:schemeClr val="tx2"/>
+                </a:solidFill>
+              </a:defRPr>
+            </a:lvl4pPr>
+            <a:lvl5pPr>
+              <a:defRPr sz="4400">
+                <a:solidFill>
+                  <a:schemeClr val="tx2"/>
+                </a:solidFill>
+              </a:defRPr>
+            </a:lvl5pPr>
+            <a:lvl6pPr marL="457200" fontAlgn="base">
+              <a:spcBef>
+                <a:spcPct val="0"/>
+              </a:spcBef>
+              <a:spcAft>
+                <a:spcPct val="0"/>
+              </a:spcAft>
+              <a:defRPr sz="4400">
+                <a:solidFill>
+                  <a:schemeClr val="tx2"/>
+                </a:solidFill>
+              </a:defRPr>
+            </a:lvl6pPr>
+            <a:lvl7pPr marL="914400" fontAlgn="base">
+              <a:spcBef>
+                <a:spcPct val="0"/>
+              </a:spcBef>
+              <a:spcAft>
+                <a:spcPct val="0"/>
+              </a:spcAft>
+              <a:defRPr sz="4400">
+                <a:solidFill>
+                  <a:schemeClr val="tx2"/>
+                </a:solidFill>
+              </a:defRPr>
+            </a:lvl7pPr>
+            <a:lvl8pPr marL="1371600" fontAlgn="base">
+              <a:spcBef>
+                <a:spcPct val="0"/>
+              </a:spcBef>
+              <a:spcAft>
+                <a:spcPct val="0"/>
+              </a:spcAft>
+              <a:defRPr sz="4400">
+                <a:solidFill>
+                  <a:schemeClr val="tx2"/>
+                </a:solidFill>
+              </a:defRPr>
+            </a:lvl8pPr>
+            <a:lvl9pPr marL="1828800" fontAlgn="base">
+              <a:spcBef>
+                <a:spcPct val="0"/>
+              </a:spcBef>
+              <a:spcAft>
+                <a:spcPct val="0"/>
+              </a:spcAft>
+              <a:defRPr sz="4400">
+                <a:solidFill>
+                  <a:schemeClr val="tx2"/>
+                </a:solidFill>
+              </a:defRPr>
+            </a:lvl9pPr>
+          </a:lstStyle>
+          <a:p>
+            <a:r>
+              <a:rPr lang="vi-VN" smtClean="0"/>
               <a:t>Bài tập: </a:t>
             </a:r>
           </a:p>
           <a:p>
             <a:r>
-              <a:rPr lang="vi-VN" dirty="0" smtClean="0"/>
+              <a:rPr lang="vi-VN" smtClean="0"/>
               <a:t>Ước lượng tham số và phân lớp</a:t>
             </a:r>
-            <a:endParaRPr lang="vi-VN" dirty="0"/>
+            <a:endParaRPr lang="vi-VN"/>
           </a:p>
         </p:txBody>
       </p:sp>
@@ -13128,9 +14356,9 @@
               <a:pPr>
                 <a:defRPr/>
               </a:pPr>
-              <a:t>21</a:t>
+              <a:t>22</a:t>
             </a:fld>
-            <a:endParaRPr lang="vi-VN" dirty="0"/>
+            <a:endParaRPr lang="vi-VN"/>
           </a:p>
         </p:txBody>
       </p:sp>
@@ -13175,157 +14403,6 @@
 </p:sld>
 </file>
 
-<file path=ppt/slides/slide22.xml><?xml version="1.0" encoding="utf-8"?>
-<p:sld xmlns:a="http://schemas.openxmlformats.org/drawingml/2006/main" xmlns:r="http://schemas.openxmlformats.org/officeDocument/2006/relationships" xmlns:p="http://schemas.openxmlformats.org/presentationml/2006/main">
-  <p:cSld>
-    <p:spTree>
-      <p:nvGrpSpPr>
-        <p:cNvPr id="1" name=""/>
-        <p:cNvGrpSpPr/>
-        <p:nvPr/>
-      </p:nvGrpSpPr>
-      <p:grpSpPr>
-        <a:xfrm>
-          <a:off x="0" y="0"/>
-          <a:ext cx="0" cy="0"/>
-          <a:chOff x="0" y="0"/>
-          <a:chExt cx="0" cy="0"/>
-        </a:xfrm>
-      </p:grpSpPr>
-      <p:sp>
-        <p:nvSpPr>
-          <p:cNvPr id="6146" name="Rectangle 2"/>
-          <p:cNvSpPr>
-            <a:spLocks noGrp="1" noChangeArrowheads="1"/>
-          </p:cNvSpPr>
-          <p:nvPr>
-            <p:ph type="title"/>
-          </p:nvPr>
-        </p:nvSpPr>
-        <p:spPr/>
-        <p:txBody>
-          <a:bodyPr/>
-          <a:lstStyle/>
-          <a:p>
-            <a:pPr eaLnBrk="1" hangingPunct="1"/>
-            <a:r>
-              <a:rPr lang="vi-VN" sz="3600" dirty="0" smtClean="0"/>
-              <a:t>Nội dung chính</a:t>
-            </a:r>
-            <a:endParaRPr lang="vi-VN" sz="3600" dirty="0" smtClean="0"/>
-          </a:p>
-        </p:txBody>
-      </p:sp>
-      <p:sp>
-        <p:nvSpPr>
-          <p:cNvPr id="6147" name="Rectangle 3"/>
-          <p:cNvSpPr>
-            <a:spLocks noGrp="1" noChangeArrowheads="1"/>
-          </p:cNvSpPr>
-          <p:nvPr>
-            <p:ph type="body" idx="1"/>
-          </p:nvPr>
-        </p:nvSpPr>
-        <p:spPr>
-          <a:xfrm>
-            <a:off x="611560" y="2017713"/>
-            <a:ext cx="8343528" cy="4114800"/>
-          </a:xfrm>
-        </p:spPr>
-        <p:txBody>
-          <a:bodyPr/>
-          <a:lstStyle/>
-          <a:p>
-            <a:pPr algn="just" eaLnBrk="1" hangingPunct="1">
-              <a:defRPr/>
-            </a:pPr>
-            <a:r>
-              <a:rPr lang="vi-VN" sz="2800" dirty="0" smtClean="0">
-                <a:solidFill>
-                  <a:schemeClr val="bg1">
-                    <a:lumMod val="65000"/>
-                  </a:schemeClr>
-                </a:solidFill>
-              </a:rPr>
-              <a:t>Ứng dụng phân lớp trong tìm kiếm</a:t>
-            </a:r>
-          </a:p>
-          <a:p>
-            <a:pPr algn="just" eaLnBrk="1" hangingPunct="1">
-              <a:defRPr/>
-            </a:pPr>
-            <a:r>
-              <a:rPr lang="vi-VN" sz="2800" dirty="0" smtClean="0">
-                <a:solidFill>
-                  <a:schemeClr val="bg1">
-                    <a:lumMod val="65000"/>
-                  </a:schemeClr>
-                </a:solidFill>
-              </a:rPr>
-              <a:t>Phương pháp Naïve Bayes</a:t>
-            </a:r>
-          </a:p>
-          <a:p>
-            <a:pPr algn="just" eaLnBrk="1" hangingPunct="1">
-              <a:defRPr/>
-            </a:pPr>
-            <a:r>
-              <a:rPr lang="vi-VN" sz="2800" dirty="0" smtClean="0"/>
-              <a:t>Đánh giá phương pháp phân lớp</a:t>
-            </a:r>
-            <a:endParaRPr lang="vi-VN" sz="2800" dirty="0" smtClean="0"/>
-          </a:p>
-        </p:txBody>
-      </p:sp>
-      <p:sp>
-        <p:nvSpPr>
-          <p:cNvPr id="2" name="Slide Number Placeholder 1"/>
-          <p:cNvSpPr>
-            <a:spLocks noGrp="1"/>
-          </p:cNvSpPr>
-          <p:nvPr>
-            <p:ph type="sldNum" sz="quarter" idx="12"/>
-          </p:nvPr>
-        </p:nvSpPr>
-        <p:spPr/>
-        <p:txBody>
-          <a:bodyPr/>
-          <a:lstStyle/>
-          <a:p>
-            <a:pPr>
-              <a:defRPr/>
-            </a:pPr>
-            <a:fld id="{A81E07A1-38DA-436E-9EB2-1E501CB9FFA7}" type="slidenum">
-              <a:rPr lang="vi-VN" smtClean="0"/>
-              <a:pPr>
-                <a:defRPr/>
-              </a:pPr>
-              <a:t>22</a:t>
-            </a:fld>
-            <a:endParaRPr lang="vi-VN"/>
-          </a:p>
-        </p:txBody>
-      </p:sp>
-    </p:spTree>
-    <p:extLst>
-      <p:ext uri="{BB962C8B-B14F-4D97-AF65-F5344CB8AC3E}">
-        <p14:creationId xmlns:p14="http://schemas.microsoft.com/office/powerpoint/2010/main" val="2322678518"/>
-      </p:ext>
-    </p:extLst>
-  </p:cSld>
-  <p:clrMapOvr>
-    <a:masterClrMapping/>
-  </p:clrMapOvr>
-  <p:timing>
-    <p:tnLst>
-      <p:par>
-        <p:cTn id="1" dur="indefinite" restart="never" nodeType="tmRoot"/>
-      </p:par>
-    </p:tnLst>
-  </p:timing>
-</p:sld>
-</file>
-
 <file path=ppt/slides/slide23.xml><?xml version="1.0" encoding="utf-8"?>
 <p:sld xmlns:a="http://schemas.openxmlformats.org/drawingml/2006/main" xmlns:r="http://schemas.openxmlformats.org/officeDocument/2006/relationships" xmlns:p="http://schemas.openxmlformats.org/presentationml/2006/main">
   <p:cSld>
@@ -13360,50 +14437,69 @@
           <a:p>
             <a:pPr eaLnBrk="1" hangingPunct="1"/>
             <a:r>
-              <a:rPr lang="en-US" sz="3600" dirty="0" err="1" smtClean="0"/>
-              <a:t>Đánh</a:t>
-            </a:r>
-            <a:r>
-              <a:rPr lang="en-US" sz="3600" dirty="0" smtClean="0"/>
-              <a:t> </a:t>
-            </a:r>
-            <a:r>
-              <a:rPr lang="en-US" sz="3600" dirty="0" err="1" smtClean="0"/>
-              <a:t>giá</a:t>
-            </a:r>
-            <a:r>
-              <a:rPr lang="en-US" sz="3600" dirty="0" smtClean="0"/>
-              <a:t> </a:t>
-            </a:r>
-            <a:r>
-              <a:rPr lang="en-US" sz="3600" dirty="0" err="1" smtClean="0"/>
-              <a:t>kết</a:t>
-            </a:r>
-            <a:r>
-              <a:rPr lang="en-US" sz="3600" dirty="0" smtClean="0"/>
-              <a:t> </a:t>
-            </a:r>
-            <a:r>
-              <a:rPr lang="en-US" sz="3600" dirty="0" err="1" smtClean="0"/>
-              <a:t>quả</a:t>
-            </a:r>
-            <a:r>
-              <a:rPr lang="en-US" sz="3600" dirty="0" smtClean="0"/>
-              <a:t> </a:t>
-            </a:r>
-            <a:r>
-              <a:rPr lang="en-US" sz="3600" dirty="0" err="1" smtClean="0"/>
-              <a:t>phân</a:t>
-            </a:r>
-            <a:r>
-              <a:rPr lang="en-US" sz="3600" dirty="0" smtClean="0"/>
-              <a:t> </a:t>
-            </a:r>
-            <a:r>
-              <a:rPr lang="en-US" sz="3600" dirty="0" err="1" smtClean="0"/>
-              <a:t>lớp</a:t>
-            </a:r>
-            <a:endParaRPr lang="vi-VN" sz="3600" dirty="0" smtClean="0"/>
+              <a:rPr lang="vi-VN" sz="3600" smtClean="0"/>
+              <a:t>Nội dung chính</a:t>
+            </a:r>
+          </a:p>
+        </p:txBody>
+      </p:sp>
+      <p:sp>
+        <p:nvSpPr>
+          <p:cNvPr id="6147" name="Rectangle 3"/>
+          <p:cNvSpPr>
+            <a:spLocks noGrp="1" noChangeArrowheads="1"/>
+          </p:cNvSpPr>
+          <p:nvPr>
+            <p:ph type="body" idx="1"/>
+          </p:nvPr>
+        </p:nvSpPr>
+        <p:spPr>
+          <a:xfrm>
+            <a:off x="611560" y="2017713"/>
+            <a:ext cx="8343528" cy="4114800"/>
+          </a:xfrm>
+        </p:spPr>
+        <p:txBody>
+          <a:bodyPr/>
+          <a:lstStyle/>
+          <a:p>
+            <a:pPr algn="just" eaLnBrk="1" hangingPunct="1">
+              <a:defRPr/>
+            </a:pPr>
+            <a:r>
+              <a:rPr lang="vi-VN" sz="2800" smtClean="0">
+                <a:solidFill>
+                  <a:schemeClr val="bg1">
+                    <a:lumMod val="65000"/>
+                  </a:schemeClr>
+                </a:solidFill>
+              </a:rPr>
+              <a:t>Ứng dụng phân lớp trong tìm kiếm</a:t>
+            </a:r>
+          </a:p>
+          <a:p>
+            <a:pPr algn="just" eaLnBrk="1" hangingPunct="1">
+              <a:defRPr/>
+            </a:pPr>
+            <a:r>
+              <a:rPr lang="vi-VN" sz="2800" smtClean="0">
+                <a:solidFill>
+                  <a:schemeClr val="bg1">
+                    <a:lumMod val="65000"/>
+                  </a:schemeClr>
+                </a:solidFill>
+              </a:rPr>
+              <a:t>Phương pháp Naïve Bayes</a:t>
+            </a:r>
+          </a:p>
+          <a:p>
+            <a:pPr algn="just" eaLnBrk="1" hangingPunct="1">
+              <a:defRPr/>
+            </a:pPr>
+            <a:r>
+              <a:rPr lang="vi-VN" sz="2800" smtClean="0"/>
+              <a:t>Đánh giá phương pháp phân lớp</a:t>
+            </a:r>
           </a:p>
         </p:txBody>
       </p:sp>
@@ -13436,274 +14532,10 @@
           </a:p>
         </p:txBody>
       </p:sp>
-      <p:sp>
-        <p:nvSpPr>
-          <p:cNvPr id="7" name="Rectangle 3"/>
-          <p:cNvSpPr txBox="1">
-            <a:spLocks noChangeArrowheads="1"/>
-          </p:cNvSpPr>
-          <p:nvPr/>
-        </p:nvSpPr>
-        <p:spPr bwMode="auto">
-          <a:xfrm>
-            <a:off x="611560" y="2132856"/>
-            <a:ext cx="8343528" cy="4110782"/>
-          </a:xfrm>
-          <a:prstGeom prst="rect">
-            <a:avLst/>
-          </a:prstGeom>
-          <a:noFill/>
-          <a:ln>
-            <a:noFill/>
-          </a:ln>
-          <a:effectLst/>
-          <a:extLst>
-            <a:ext uri="{909E8E84-426E-40DD-AFC4-6F175D3DCCD1}">
-              <a14:hiddenFill xmlns:a14="http://schemas.microsoft.com/office/drawing/2010/main">
-                <a:solidFill>
-                  <a:schemeClr val="accent1"/>
-                </a:solidFill>
-              </a14:hiddenFill>
-            </a:ext>
-            <a:ext uri="{91240B29-F687-4F45-9708-019B960494DF}">
-              <a14:hiddenLine xmlns:a14="http://schemas.microsoft.com/office/drawing/2010/main" w="9525">
-                <a:solidFill>
-                  <a:schemeClr val="tx1"/>
-                </a:solidFill>
-                <a:miter lim="800000"/>
-                <a:headEnd/>
-                <a:tailEnd/>
-              </a14:hiddenLine>
-            </a:ext>
-            <a:ext uri="{AF507438-7753-43E0-B8FC-AC1667EBCBE1}">
-              <a14:hiddenEffects xmlns:a14="http://schemas.microsoft.com/office/drawing/2010/main">
-                <a:effectLst>
-                  <a:outerShdw dist="35921" dir="2700000" algn="ctr" rotWithShape="0">
-                    <a:schemeClr val="bg2"/>
-                  </a:outerShdw>
-                </a:effectLst>
-              </a14:hiddenEffects>
-            </a:ext>
-          </a:extLst>
-        </p:spPr>
-        <p:txBody>
-          <a:bodyPr vert="horz" wrap="square" lIns="91440" tIns="45720" rIns="91440" bIns="45720" numCol="1" anchor="t" anchorCtr="0" compatLnSpc="1">
-            <a:prstTxWarp prst="textNoShape">
-              <a:avLst/>
-            </a:prstTxWarp>
-          </a:bodyPr>
-          <a:lstStyle>
-            <a:lvl1pPr marL="342900" indent="-342900" algn="l" rtl="0" eaLnBrk="0" fontAlgn="base" hangingPunct="0">
-              <a:spcBef>
-                <a:spcPct val="20000"/>
-              </a:spcBef>
-              <a:spcAft>
-                <a:spcPct val="0"/>
-              </a:spcAft>
-              <a:buClr>
-                <a:schemeClr val="folHlink"/>
-              </a:buClr>
-              <a:buSzPct val="60000"/>
-              <a:buFont typeface="Wingdings" panose="05000000000000000000" pitchFamily="2" charset="2"/>
-              <a:buChar char="n"/>
-              <a:defRPr sz="3200" kern="1200">
-                <a:solidFill>
-                  <a:schemeClr val="tx1"/>
-                </a:solidFill>
-                <a:latin typeface="+mn-lt"/>
-                <a:ea typeface="+mn-ea"/>
-                <a:cs typeface="+mn-cs"/>
-              </a:defRPr>
-            </a:lvl1pPr>
-            <a:lvl2pPr marL="742950" indent="-285750" algn="l" rtl="0" eaLnBrk="0" fontAlgn="base" hangingPunct="0">
-              <a:spcBef>
-                <a:spcPct val="20000"/>
-              </a:spcBef>
-              <a:spcAft>
-                <a:spcPct val="0"/>
-              </a:spcAft>
-              <a:buClr>
-                <a:schemeClr val="hlink"/>
-              </a:buClr>
-              <a:buSzPct val="55000"/>
-              <a:buFont typeface="Wingdings" panose="05000000000000000000" pitchFamily="2" charset="2"/>
-              <a:buChar char="n"/>
-              <a:defRPr sz="2800" kern="1200">
-                <a:solidFill>
-                  <a:schemeClr val="tx1"/>
-                </a:solidFill>
-                <a:latin typeface="+mn-lt"/>
-                <a:ea typeface="+mn-ea"/>
-                <a:cs typeface="+mn-cs"/>
-              </a:defRPr>
-            </a:lvl2pPr>
-            <a:lvl3pPr marL="1143000" indent="-228600" algn="l" rtl="0" eaLnBrk="0" fontAlgn="base" hangingPunct="0">
-              <a:spcBef>
-                <a:spcPct val="20000"/>
-              </a:spcBef>
-              <a:spcAft>
-                <a:spcPct val="0"/>
-              </a:spcAft>
-              <a:buClr>
-                <a:schemeClr val="folHlink"/>
-              </a:buClr>
-              <a:buSzPct val="50000"/>
-              <a:buFont typeface="Wingdings" panose="05000000000000000000" pitchFamily="2" charset="2"/>
-              <a:buChar char="n"/>
-              <a:defRPr sz="2400" kern="1200">
-                <a:solidFill>
-                  <a:schemeClr val="tx1"/>
-                </a:solidFill>
-                <a:latin typeface="+mn-lt"/>
-                <a:ea typeface="+mn-ea"/>
-                <a:cs typeface="+mn-cs"/>
-              </a:defRPr>
-            </a:lvl3pPr>
-            <a:lvl4pPr marL="1600200" indent="-228600" algn="l" rtl="0" eaLnBrk="0" fontAlgn="base" hangingPunct="0">
-              <a:spcBef>
-                <a:spcPct val="20000"/>
-              </a:spcBef>
-              <a:spcAft>
-                <a:spcPct val="0"/>
-              </a:spcAft>
-              <a:buClr>
-                <a:schemeClr val="accent2"/>
-              </a:buClr>
-              <a:buSzPct val="55000"/>
-              <a:buFont typeface="Wingdings" panose="05000000000000000000" pitchFamily="2" charset="2"/>
-              <a:buChar char="n"/>
-              <a:defRPr sz="2000" kern="1200">
-                <a:solidFill>
-                  <a:schemeClr val="tx1"/>
-                </a:solidFill>
-                <a:latin typeface="+mn-lt"/>
-                <a:ea typeface="+mn-ea"/>
-                <a:cs typeface="+mn-cs"/>
-              </a:defRPr>
-            </a:lvl4pPr>
-            <a:lvl5pPr marL="2057400" indent="-228600" algn="l" rtl="0" eaLnBrk="0" fontAlgn="base" hangingPunct="0">
-              <a:spcBef>
-                <a:spcPct val="20000"/>
-              </a:spcBef>
-              <a:spcAft>
-                <a:spcPct val="0"/>
-              </a:spcAft>
-              <a:buClr>
-                <a:schemeClr val="accent1"/>
-              </a:buClr>
-              <a:buSzPct val="50000"/>
-              <a:buFont typeface="Wingdings" panose="05000000000000000000" pitchFamily="2" charset="2"/>
-              <a:buChar char="n"/>
-              <a:defRPr sz="2000" kern="1200">
-                <a:solidFill>
-                  <a:schemeClr val="tx1"/>
-                </a:solidFill>
-                <a:latin typeface="+mn-lt"/>
-                <a:ea typeface="+mn-ea"/>
-                <a:cs typeface="+mn-cs"/>
-              </a:defRPr>
-            </a:lvl5pPr>
-            <a:lvl6pPr marL="2514600" indent="-228600" algn="l" defTabSz="914400" rtl="0" eaLnBrk="1" latinLnBrk="0" hangingPunct="1">
-              <a:lnSpc>
-                <a:spcPct val="90000"/>
-              </a:lnSpc>
-              <a:spcBef>
-                <a:spcPts val="500"/>
-              </a:spcBef>
-              <a:buFont typeface="Arial" panose="020B0604020202020204" pitchFamily="34" charset="0"/>
-              <a:buChar char="•"/>
-              <a:defRPr sz="1800" kern="1200">
-                <a:solidFill>
-                  <a:schemeClr val="tx1"/>
-                </a:solidFill>
-                <a:latin typeface="+mn-lt"/>
-                <a:ea typeface="+mn-ea"/>
-                <a:cs typeface="+mn-cs"/>
-              </a:defRPr>
-            </a:lvl6pPr>
-            <a:lvl7pPr marL="2971800" indent="-228600" algn="l" defTabSz="914400" rtl="0" eaLnBrk="1" latinLnBrk="0" hangingPunct="1">
-              <a:lnSpc>
-                <a:spcPct val="90000"/>
-              </a:lnSpc>
-              <a:spcBef>
-                <a:spcPts val="500"/>
-              </a:spcBef>
-              <a:buFont typeface="Arial" panose="020B0604020202020204" pitchFamily="34" charset="0"/>
-              <a:buChar char="•"/>
-              <a:defRPr sz="1800" kern="1200">
-                <a:solidFill>
-                  <a:schemeClr val="tx1"/>
-                </a:solidFill>
-                <a:latin typeface="+mn-lt"/>
-                <a:ea typeface="+mn-ea"/>
-                <a:cs typeface="+mn-cs"/>
-              </a:defRPr>
-            </a:lvl7pPr>
-            <a:lvl8pPr marL="3429000" indent="-228600" algn="l" defTabSz="914400" rtl="0" eaLnBrk="1" latinLnBrk="0" hangingPunct="1">
-              <a:lnSpc>
-                <a:spcPct val="90000"/>
-              </a:lnSpc>
-              <a:spcBef>
-                <a:spcPts val="500"/>
-              </a:spcBef>
-              <a:buFont typeface="Arial" panose="020B0604020202020204" pitchFamily="34" charset="0"/>
-              <a:buChar char="•"/>
-              <a:defRPr sz="1800" kern="1200">
-                <a:solidFill>
-                  <a:schemeClr val="tx1"/>
-                </a:solidFill>
-                <a:latin typeface="+mn-lt"/>
-                <a:ea typeface="+mn-ea"/>
-                <a:cs typeface="+mn-cs"/>
-              </a:defRPr>
-            </a:lvl8pPr>
-            <a:lvl9pPr marL="3886200" indent="-228600" algn="l" defTabSz="914400" rtl="0" eaLnBrk="1" latinLnBrk="0" hangingPunct="1">
-              <a:lnSpc>
-                <a:spcPct val="90000"/>
-              </a:lnSpc>
-              <a:spcBef>
-                <a:spcPts val="500"/>
-              </a:spcBef>
-              <a:buFont typeface="Arial" panose="020B0604020202020204" pitchFamily="34" charset="0"/>
-              <a:buChar char="•"/>
-              <a:defRPr sz="1800" kern="1200">
-                <a:solidFill>
-                  <a:schemeClr val="tx1"/>
-                </a:solidFill>
-                <a:latin typeface="+mn-lt"/>
-                <a:ea typeface="+mn-ea"/>
-                <a:cs typeface="+mn-cs"/>
-              </a:defRPr>
-            </a:lvl9pPr>
-          </a:lstStyle>
-          <a:p>
-            <a:pPr algn="just" eaLnBrk="1" hangingPunct="1">
-              <a:defRPr/>
-            </a:pPr>
-            <a:r>
-              <a:rPr lang="vi-VN" sz="2800" b="0" dirty="0" smtClean="0"/>
-              <a:t>Phải được thực hiện trên dữ liệu không trùng lặp với dữ liệu huấn luyện;</a:t>
-            </a:r>
-          </a:p>
-          <a:p>
-            <a:pPr algn="just" eaLnBrk="1" hangingPunct="1">
-              <a:defRPr/>
-            </a:pPr>
-            <a:r>
-              <a:rPr lang="vi-VN" sz="2800" b="0" dirty="0" smtClean="0"/>
-              <a:t>Các tiêu chí cơ bản: Độ chính xác (P), </a:t>
-            </a:r>
-            <a:r>
-              <a:rPr lang="vi-VN" sz="2800" b="0" dirty="0"/>
-              <a:t>Độ đầy đủ (R), F1.</a:t>
-            </a:r>
-          </a:p>
-        </p:txBody>
-      </p:sp>
     </p:spTree>
     <p:extLst>
       <p:ext uri="{BB962C8B-B14F-4D97-AF65-F5344CB8AC3E}">
-        <p14:creationId xmlns:p14="http://schemas.microsoft.com/office/powerpoint/2010/main" val="1635377934"/>
+        <p14:creationId xmlns:p14="http://schemas.microsoft.com/office/powerpoint/2010/main" val="2322678518"/>
       </p:ext>
     </p:extLst>
   </p:cSld>
@@ -13754,10 +14586,50 @@
           <a:p>
             <a:pPr eaLnBrk="1" hangingPunct="1"/>
             <a:r>
-              <a:rPr lang="vi-VN" sz="3600" dirty="0" smtClean="0"/>
-              <a:t>Các độ đo cơ bản</a:t>
-            </a:r>
-            <a:endParaRPr lang="vi-VN" sz="3600" dirty="0" smtClean="0"/>
+              <a:rPr lang="en-US" sz="3600" err="1" smtClean="0"/>
+              <a:t>Đánh</a:t>
+            </a:r>
+            <a:r>
+              <a:rPr lang="en-US" sz="3600" smtClean="0"/>
+              <a:t> </a:t>
+            </a:r>
+            <a:r>
+              <a:rPr lang="en-US" sz="3600" err="1" smtClean="0"/>
+              <a:t>giá</a:t>
+            </a:r>
+            <a:r>
+              <a:rPr lang="en-US" sz="3600" smtClean="0"/>
+              <a:t> </a:t>
+            </a:r>
+            <a:r>
+              <a:rPr lang="en-US" sz="3600" err="1" smtClean="0"/>
+              <a:t>kết</a:t>
+            </a:r>
+            <a:r>
+              <a:rPr lang="en-US" sz="3600" smtClean="0"/>
+              <a:t> </a:t>
+            </a:r>
+            <a:r>
+              <a:rPr lang="en-US" sz="3600" err="1" smtClean="0"/>
+              <a:t>quả</a:t>
+            </a:r>
+            <a:r>
+              <a:rPr lang="en-US" sz="3600" smtClean="0"/>
+              <a:t> </a:t>
+            </a:r>
+            <a:r>
+              <a:rPr lang="en-US" sz="3600" err="1" smtClean="0"/>
+              <a:t>phân</a:t>
+            </a:r>
+            <a:r>
+              <a:rPr lang="en-US" sz="3600" smtClean="0"/>
+              <a:t> </a:t>
+            </a:r>
+            <a:r>
+              <a:rPr lang="en-US" sz="3600" err="1" smtClean="0"/>
+              <a:t>lớp</a:t>
+            </a:r>
+            <a:endParaRPr lang="vi-VN" sz="3600" smtClean="0"/>
           </a:p>
         </p:txBody>
       </p:sp>
@@ -13800,8 +14672,8 @@
         </p:nvSpPr>
         <p:spPr bwMode="auto">
           <a:xfrm>
-            <a:off x="611560" y="2060848"/>
-            <a:ext cx="8343528" cy="576064"/>
+            <a:off x="611560" y="2132856"/>
+            <a:ext cx="8343528" cy="4110782"/>
           </a:xfrm>
           <a:prstGeom prst="rect">
             <a:avLst/>
@@ -14035,10 +14907,362 @@
               <a:defRPr/>
             </a:pPr>
             <a:r>
-              <a:rPr lang="vi-VN" sz="2800" b="0" dirty="0" smtClean="0"/>
+              <a:rPr lang="vi-VN" sz="2800" b="0" smtClean="0"/>
+              <a:t>Phải được thực hiện trên dữ liệu không trùng lặp với dữ liệu huấn luyện;</a:t>
+            </a:r>
+          </a:p>
+          <a:p>
+            <a:pPr algn="just" eaLnBrk="1" hangingPunct="1">
+              <a:defRPr/>
+            </a:pPr>
+            <a:r>
+              <a:rPr lang="vi-VN" sz="2800" b="0" smtClean="0"/>
+              <a:t>Các tiêu chí cơ bản: Độ chính xác (P), </a:t>
+            </a:r>
+            <a:r>
+              <a:rPr lang="vi-VN" sz="2800" b="0"/>
+              <a:t>Độ đầy đủ (R), F1.</a:t>
+            </a:r>
+          </a:p>
+        </p:txBody>
+      </p:sp>
+    </p:spTree>
+    <p:extLst>
+      <p:ext uri="{BB962C8B-B14F-4D97-AF65-F5344CB8AC3E}">
+        <p14:creationId xmlns:p14="http://schemas.microsoft.com/office/powerpoint/2010/main" val="1635377934"/>
+      </p:ext>
+    </p:extLst>
+  </p:cSld>
+  <p:clrMapOvr>
+    <a:masterClrMapping/>
+  </p:clrMapOvr>
+  <p:timing>
+    <p:tnLst>
+      <p:par>
+        <p:cTn id="1" dur="indefinite" restart="never" nodeType="tmRoot"/>
+      </p:par>
+    </p:tnLst>
+  </p:timing>
+</p:sld>
+</file>
+
+<file path=ppt/slides/slide25.xml><?xml version="1.0" encoding="utf-8"?>
+<p:sld xmlns:a="http://schemas.openxmlformats.org/drawingml/2006/main" xmlns:r="http://schemas.openxmlformats.org/officeDocument/2006/relationships" xmlns:p="http://schemas.openxmlformats.org/presentationml/2006/main">
+  <p:cSld>
+    <p:spTree>
+      <p:nvGrpSpPr>
+        <p:cNvPr id="1" name=""/>
+        <p:cNvGrpSpPr/>
+        <p:nvPr/>
+      </p:nvGrpSpPr>
+      <p:grpSpPr>
+        <a:xfrm>
+          <a:off x="0" y="0"/>
+          <a:ext cx="0" cy="0"/>
+          <a:chOff x="0" y="0"/>
+          <a:chExt cx="0" cy="0"/>
+        </a:xfrm>
+      </p:grpSpPr>
+      <p:sp>
+        <p:nvSpPr>
+          <p:cNvPr id="6146" name="Rectangle 2"/>
+          <p:cNvSpPr>
+            <a:spLocks noGrp="1" noChangeArrowheads="1"/>
+          </p:cNvSpPr>
+          <p:nvPr>
+            <p:ph type="title"/>
+          </p:nvPr>
+        </p:nvSpPr>
+        <p:spPr/>
+        <p:txBody>
+          <a:bodyPr/>
+          <a:lstStyle/>
+          <a:p>
+            <a:pPr eaLnBrk="1" hangingPunct="1"/>
+            <a:r>
+              <a:rPr lang="vi-VN" sz="3600" smtClean="0"/>
+              <a:t>Các độ đo cơ bản</a:t>
+            </a:r>
+          </a:p>
+        </p:txBody>
+      </p:sp>
+      <p:sp>
+        <p:nvSpPr>
+          <p:cNvPr id="2" name="Slide Number Placeholder 1"/>
+          <p:cNvSpPr>
+            <a:spLocks noGrp="1"/>
+          </p:cNvSpPr>
+          <p:nvPr>
+            <p:ph type="sldNum" sz="quarter" idx="12"/>
+          </p:nvPr>
+        </p:nvSpPr>
+        <p:spPr/>
+        <p:txBody>
+          <a:bodyPr/>
+          <a:lstStyle/>
+          <a:p>
+            <a:pPr>
+              <a:defRPr/>
+            </a:pPr>
+            <a:fld id="{A81E07A1-38DA-436E-9EB2-1E501CB9FFA7}" type="slidenum">
+              <a:rPr lang="vi-VN" smtClean="0"/>
+              <a:pPr>
+                <a:defRPr/>
+              </a:pPr>
+              <a:t>25</a:t>
+            </a:fld>
+            <a:endParaRPr lang="vi-VN"/>
+          </a:p>
+        </p:txBody>
+      </p:sp>
+      <p:sp>
+        <p:nvSpPr>
+          <p:cNvPr id="7" name="Rectangle 3"/>
+          <p:cNvSpPr txBox="1">
+            <a:spLocks noChangeArrowheads="1"/>
+          </p:cNvSpPr>
+          <p:nvPr/>
+        </p:nvSpPr>
+        <p:spPr bwMode="auto">
+          <a:xfrm>
+            <a:off x="611560" y="2060848"/>
+            <a:ext cx="8343528" cy="576064"/>
+          </a:xfrm>
+          <a:prstGeom prst="rect">
+            <a:avLst/>
+          </a:prstGeom>
+          <a:noFill/>
+          <a:ln>
+            <a:noFill/>
+          </a:ln>
+          <a:effectLst/>
+          <a:extLst>
+            <a:ext uri="{909E8E84-426E-40DD-AFC4-6F175D3DCCD1}">
+              <a14:hiddenFill xmlns:a14="http://schemas.microsoft.com/office/drawing/2010/main">
+                <a:solidFill>
+                  <a:schemeClr val="accent1"/>
+                </a:solidFill>
+              </a14:hiddenFill>
+            </a:ext>
+            <a:ext uri="{91240B29-F687-4F45-9708-019B960494DF}">
+              <a14:hiddenLine xmlns:a14="http://schemas.microsoft.com/office/drawing/2010/main" w="9525">
+                <a:solidFill>
+                  <a:schemeClr val="tx1"/>
+                </a:solidFill>
+                <a:miter lim="800000"/>
+                <a:headEnd/>
+                <a:tailEnd/>
+              </a14:hiddenLine>
+            </a:ext>
+            <a:ext uri="{AF507438-7753-43E0-B8FC-AC1667EBCBE1}">
+              <a14:hiddenEffects xmlns:a14="http://schemas.microsoft.com/office/drawing/2010/main">
+                <a:effectLst>
+                  <a:outerShdw dist="35921" dir="2700000" algn="ctr" rotWithShape="0">
+                    <a:schemeClr val="bg2"/>
+                  </a:outerShdw>
+                </a:effectLst>
+              </a14:hiddenEffects>
+            </a:ext>
+          </a:extLst>
+        </p:spPr>
+        <p:txBody>
+          <a:bodyPr vert="horz" wrap="square" lIns="91440" tIns="45720" rIns="91440" bIns="45720" numCol="1" anchor="t" anchorCtr="0" compatLnSpc="1">
+            <a:prstTxWarp prst="textNoShape">
+              <a:avLst/>
+            </a:prstTxWarp>
+          </a:bodyPr>
+          <a:lstStyle>
+            <a:lvl1pPr marL="342900" indent="-342900" algn="l" rtl="0" eaLnBrk="0" fontAlgn="base" hangingPunct="0">
+              <a:spcBef>
+                <a:spcPct val="20000"/>
+              </a:spcBef>
+              <a:spcAft>
+                <a:spcPct val="0"/>
+              </a:spcAft>
+              <a:buClr>
+                <a:schemeClr val="folHlink"/>
+              </a:buClr>
+              <a:buSzPct val="60000"/>
+              <a:buFont typeface="Wingdings" panose="05000000000000000000" pitchFamily="2" charset="2"/>
+              <a:buChar char="n"/>
+              <a:defRPr sz="3200" kern="1200">
+                <a:solidFill>
+                  <a:schemeClr val="tx1"/>
+                </a:solidFill>
+                <a:latin typeface="+mn-lt"/>
+                <a:ea typeface="+mn-ea"/>
+                <a:cs typeface="+mn-cs"/>
+              </a:defRPr>
+            </a:lvl1pPr>
+            <a:lvl2pPr marL="742950" indent="-285750" algn="l" rtl="0" eaLnBrk="0" fontAlgn="base" hangingPunct="0">
+              <a:spcBef>
+                <a:spcPct val="20000"/>
+              </a:spcBef>
+              <a:spcAft>
+                <a:spcPct val="0"/>
+              </a:spcAft>
+              <a:buClr>
+                <a:schemeClr val="hlink"/>
+              </a:buClr>
+              <a:buSzPct val="55000"/>
+              <a:buFont typeface="Wingdings" panose="05000000000000000000" pitchFamily="2" charset="2"/>
+              <a:buChar char="n"/>
+              <a:defRPr sz="2800" kern="1200">
+                <a:solidFill>
+                  <a:schemeClr val="tx1"/>
+                </a:solidFill>
+                <a:latin typeface="+mn-lt"/>
+                <a:ea typeface="+mn-ea"/>
+                <a:cs typeface="+mn-cs"/>
+              </a:defRPr>
+            </a:lvl2pPr>
+            <a:lvl3pPr marL="1143000" indent="-228600" algn="l" rtl="0" eaLnBrk="0" fontAlgn="base" hangingPunct="0">
+              <a:spcBef>
+                <a:spcPct val="20000"/>
+              </a:spcBef>
+              <a:spcAft>
+                <a:spcPct val="0"/>
+              </a:spcAft>
+              <a:buClr>
+                <a:schemeClr val="folHlink"/>
+              </a:buClr>
+              <a:buSzPct val="50000"/>
+              <a:buFont typeface="Wingdings" panose="05000000000000000000" pitchFamily="2" charset="2"/>
+              <a:buChar char="n"/>
+              <a:defRPr sz="2400" kern="1200">
+                <a:solidFill>
+                  <a:schemeClr val="tx1"/>
+                </a:solidFill>
+                <a:latin typeface="+mn-lt"/>
+                <a:ea typeface="+mn-ea"/>
+                <a:cs typeface="+mn-cs"/>
+              </a:defRPr>
+            </a:lvl3pPr>
+            <a:lvl4pPr marL="1600200" indent="-228600" algn="l" rtl="0" eaLnBrk="0" fontAlgn="base" hangingPunct="0">
+              <a:spcBef>
+                <a:spcPct val="20000"/>
+              </a:spcBef>
+              <a:spcAft>
+                <a:spcPct val="0"/>
+              </a:spcAft>
+              <a:buClr>
+                <a:schemeClr val="accent2"/>
+              </a:buClr>
+              <a:buSzPct val="55000"/>
+              <a:buFont typeface="Wingdings" panose="05000000000000000000" pitchFamily="2" charset="2"/>
+              <a:buChar char="n"/>
+              <a:defRPr sz="2000" kern="1200">
+                <a:solidFill>
+                  <a:schemeClr val="tx1"/>
+                </a:solidFill>
+                <a:latin typeface="+mn-lt"/>
+                <a:ea typeface="+mn-ea"/>
+                <a:cs typeface="+mn-cs"/>
+              </a:defRPr>
+            </a:lvl4pPr>
+            <a:lvl5pPr marL="2057400" indent="-228600" algn="l" rtl="0" eaLnBrk="0" fontAlgn="base" hangingPunct="0">
+              <a:spcBef>
+                <a:spcPct val="20000"/>
+              </a:spcBef>
+              <a:spcAft>
+                <a:spcPct val="0"/>
+              </a:spcAft>
+              <a:buClr>
+                <a:schemeClr val="accent1"/>
+              </a:buClr>
+              <a:buSzPct val="50000"/>
+              <a:buFont typeface="Wingdings" panose="05000000000000000000" pitchFamily="2" charset="2"/>
+              <a:buChar char="n"/>
+              <a:defRPr sz="2000" kern="1200">
+                <a:solidFill>
+                  <a:schemeClr val="tx1"/>
+                </a:solidFill>
+                <a:latin typeface="+mn-lt"/>
+                <a:ea typeface="+mn-ea"/>
+                <a:cs typeface="+mn-cs"/>
+              </a:defRPr>
+            </a:lvl5pPr>
+            <a:lvl6pPr marL="2514600" indent="-228600" algn="l" defTabSz="914400" rtl="0" eaLnBrk="1" latinLnBrk="0" hangingPunct="1">
+              <a:lnSpc>
+                <a:spcPct val="90000"/>
+              </a:lnSpc>
+              <a:spcBef>
+                <a:spcPts val="500"/>
+              </a:spcBef>
+              <a:buFont typeface="Arial" panose="020B0604020202020204" pitchFamily="34" charset="0"/>
+              <a:buChar char="•"/>
+              <a:defRPr sz="1800" kern="1200">
+                <a:solidFill>
+                  <a:schemeClr val="tx1"/>
+                </a:solidFill>
+                <a:latin typeface="+mn-lt"/>
+                <a:ea typeface="+mn-ea"/>
+                <a:cs typeface="+mn-cs"/>
+              </a:defRPr>
+            </a:lvl6pPr>
+            <a:lvl7pPr marL="2971800" indent="-228600" algn="l" defTabSz="914400" rtl="0" eaLnBrk="1" latinLnBrk="0" hangingPunct="1">
+              <a:lnSpc>
+                <a:spcPct val="90000"/>
+              </a:lnSpc>
+              <a:spcBef>
+                <a:spcPts val="500"/>
+              </a:spcBef>
+              <a:buFont typeface="Arial" panose="020B0604020202020204" pitchFamily="34" charset="0"/>
+              <a:buChar char="•"/>
+              <a:defRPr sz="1800" kern="1200">
+                <a:solidFill>
+                  <a:schemeClr val="tx1"/>
+                </a:solidFill>
+                <a:latin typeface="+mn-lt"/>
+                <a:ea typeface="+mn-ea"/>
+                <a:cs typeface="+mn-cs"/>
+              </a:defRPr>
+            </a:lvl7pPr>
+            <a:lvl8pPr marL="3429000" indent="-228600" algn="l" defTabSz="914400" rtl="0" eaLnBrk="1" latinLnBrk="0" hangingPunct="1">
+              <a:lnSpc>
+                <a:spcPct val="90000"/>
+              </a:lnSpc>
+              <a:spcBef>
+                <a:spcPts val="500"/>
+              </a:spcBef>
+              <a:buFont typeface="Arial" panose="020B0604020202020204" pitchFamily="34" charset="0"/>
+              <a:buChar char="•"/>
+              <a:defRPr sz="1800" kern="1200">
+                <a:solidFill>
+                  <a:schemeClr val="tx1"/>
+                </a:solidFill>
+                <a:latin typeface="+mn-lt"/>
+                <a:ea typeface="+mn-ea"/>
+                <a:cs typeface="+mn-cs"/>
+              </a:defRPr>
+            </a:lvl8pPr>
+            <a:lvl9pPr marL="3886200" indent="-228600" algn="l" defTabSz="914400" rtl="0" eaLnBrk="1" latinLnBrk="0" hangingPunct="1">
+              <a:lnSpc>
+                <a:spcPct val="90000"/>
+              </a:lnSpc>
+              <a:spcBef>
+                <a:spcPts val="500"/>
+              </a:spcBef>
+              <a:buFont typeface="Arial" panose="020B0604020202020204" pitchFamily="34" charset="0"/>
+              <a:buChar char="•"/>
+              <a:defRPr sz="1800" kern="1200">
+                <a:solidFill>
+                  <a:schemeClr val="tx1"/>
+                </a:solidFill>
+                <a:latin typeface="+mn-lt"/>
+                <a:ea typeface="+mn-ea"/>
+                <a:cs typeface="+mn-cs"/>
+              </a:defRPr>
+            </a:lvl9pPr>
+          </a:lstStyle>
+          <a:p>
+            <a:pPr algn="just" eaLnBrk="1" hangingPunct="1">
+              <a:defRPr/>
+            </a:pPr>
+            <a:r>
+              <a:rPr lang="vi-VN" sz="2800" b="0" smtClean="0"/>
               <a:t>Thống kê các đại lượng sau đối với một lớp:</a:t>
             </a:r>
-            <a:endParaRPr lang="vi-VN" sz="2800" b="0" dirty="0" smtClean="0"/>
           </a:p>
         </p:txBody>
       </p:sp>
@@ -14260,7 +15484,7 @@
                         <a:buNone/>
                         <a:tabLst/>
                       </a:pPr>
-                      <a:endParaRPr kumimoji="0" lang="ru-RU" sz="2400" b="0" i="0" u="none" strike="noStrike" cap="none" normalizeH="0" baseline="0" dirty="0" smtClean="0">
+                      <a:endParaRPr kumimoji="0" lang="ru-RU" sz="2400" b="0" i="0" u="none" strike="noStrike" cap="none" normalizeH="0" baseline="0" smtClean="0">
                         <a:ln>
                           <a:noFill/>
                         </a:ln>
@@ -14509,7 +15733,7 @@
                         <a:tabLst/>
                       </a:pPr>
                       <a:r>
-                        <a:rPr kumimoji="0" lang="vi-VN" sz="2400" b="0" i="0" u="none" strike="noStrike" cap="none" normalizeH="0" baseline="0" noProof="0" dirty="0" smtClean="0">
+                        <a:rPr kumimoji="0" lang="vi-VN" sz="2400" b="0" i="0" u="none" strike="noStrike" cap="none" normalizeH="0" baseline="0" noProof="0" smtClean="0">
                           <a:ln>
                             <a:noFill/>
                           </a:ln>
@@ -14522,17 +15746,6 @@
                         </a:rPr>
                         <a:t>Thuộc lớp</a:t>
                       </a:r>
-                      <a:endParaRPr kumimoji="0" lang="vi-VN" sz="2400" b="0" i="0" u="none" strike="noStrike" cap="none" normalizeH="0" baseline="0" noProof="0" dirty="0" smtClean="0">
-                        <a:ln>
-                          <a:noFill/>
-                        </a:ln>
-                        <a:solidFill>
-                          <a:schemeClr val="tx1"/>
-                        </a:solidFill>
-                        <a:effectLst/>
-                        <a:latin typeface="Tahoma" panose="020B0604030504040204" pitchFamily="34" charset="0"/>
-                        <a:cs typeface="Tahoma" panose="020B0604030504040204" pitchFamily="34" charset="0"/>
-                      </a:endParaRPr>
                     </a:p>
                   </a:txBody>
                   <a:tcPr horzOverflow="overflow">
@@ -14771,7 +15984,7 @@
                         <a:tabLst/>
                       </a:pPr>
                       <a:r>
-                        <a:rPr kumimoji="0" lang="vi-VN" sz="2400" b="0" i="0" u="none" strike="noStrike" cap="none" normalizeH="0" baseline="0" noProof="0" dirty="0" smtClean="0">
+                        <a:rPr kumimoji="0" lang="vi-VN" sz="2400" b="0" i="0" u="none" strike="noStrike" cap="none" normalizeH="0" baseline="0" noProof="0" smtClean="0">
                           <a:ln>
                             <a:noFill/>
                           </a:ln>
@@ -14784,17 +15997,6 @@
                         </a:rPr>
                         <a:t>Không thuộc lớp</a:t>
                       </a:r>
-                      <a:endParaRPr kumimoji="0" lang="vi-VN" sz="2400" b="0" i="0" u="none" strike="noStrike" cap="none" normalizeH="0" baseline="0" noProof="0" dirty="0" smtClean="0">
-                        <a:ln>
-                          <a:noFill/>
-                        </a:ln>
-                        <a:solidFill>
-                          <a:schemeClr val="tx1"/>
-                        </a:solidFill>
-                        <a:effectLst/>
-                        <a:latin typeface="Tahoma" panose="020B0604030504040204" pitchFamily="34" charset="0"/>
-                        <a:cs typeface="Tahoma" panose="020B0604030504040204" pitchFamily="34" charset="0"/>
-                      </a:endParaRPr>
                     </a:p>
                   </a:txBody>
                   <a:tcPr horzOverflow="overflow">
@@ -15035,7 +16237,7 @@
                         <a:tabLst/>
                       </a:pPr>
                       <a:r>
-                        <a:rPr kumimoji="0" lang="vi-VN" sz="2400" b="0" i="0" u="none" strike="noStrike" cap="none" normalizeH="0" baseline="0" noProof="0" dirty="0" smtClean="0">
+                        <a:rPr kumimoji="0" lang="vi-VN" sz="2400" b="0" i="0" u="none" strike="noStrike" cap="none" normalizeH="0" baseline="0" noProof="0" smtClean="0">
                           <a:ln>
                             <a:noFill/>
                           </a:ln>
@@ -15048,17 +16250,6 @@
                         </a:rPr>
                         <a:t>Dự đoán thuộc lớp</a:t>
                       </a:r>
-                      <a:endParaRPr kumimoji="0" lang="vi-VN" sz="2400" b="0" i="0" u="none" strike="noStrike" cap="none" normalizeH="0" baseline="0" noProof="0" dirty="0" smtClean="0">
-                        <a:ln>
-                          <a:noFill/>
-                        </a:ln>
-                        <a:solidFill>
-                          <a:schemeClr val="tx1"/>
-                        </a:solidFill>
-                        <a:effectLst/>
-                        <a:latin typeface="Tahoma" panose="020B0604030504040204" pitchFamily="34" charset="0"/>
-                        <a:cs typeface="Tahoma" panose="020B0604030504040204" pitchFamily="34" charset="0"/>
-                      </a:endParaRPr>
                     </a:p>
                   </a:txBody>
                   <a:tcPr horzOverflow="overflow">
@@ -15823,7 +17014,7 @@
                         <a:tabLst/>
                       </a:pPr>
                       <a:r>
-                        <a:rPr kumimoji="0" lang="vi-VN" sz="2400" b="0" i="0" u="none" strike="noStrike" cap="none" normalizeH="0" baseline="0" noProof="0" dirty="0" smtClean="0">
+                        <a:rPr kumimoji="0" lang="vi-VN" sz="2400" b="0" i="0" u="none" strike="noStrike" cap="none" normalizeH="0" baseline="0" noProof="0" smtClean="0">
                           <a:ln>
                             <a:noFill/>
                           </a:ln>
@@ -15836,17 +17027,6 @@
                         </a:rPr>
                         <a:t>Dự đoán không thuộc lớp</a:t>
                       </a:r>
-                      <a:endParaRPr kumimoji="0" lang="vi-VN" sz="2400" b="0" i="0" u="none" strike="noStrike" cap="none" normalizeH="0" baseline="0" noProof="0" dirty="0" smtClean="0">
-                        <a:ln>
-                          <a:noFill/>
-                        </a:ln>
-                        <a:solidFill>
-                          <a:schemeClr val="tx1"/>
-                        </a:solidFill>
-                        <a:effectLst/>
-                        <a:latin typeface="Tahoma" panose="020B0604030504040204" pitchFamily="34" charset="0"/>
-                        <a:cs typeface="Tahoma" panose="020B0604030504040204" pitchFamily="34" charset="0"/>
-                      </a:endParaRPr>
                     </a:p>
                   </a:txBody>
                   <a:tcPr horzOverflow="overflow">
@@ -16085,7 +17265,7 @@
                         <a:tabLst/>
                       </a:pPr>
                       <a:r>
-                        <a:rPr kumimoji="0" lang="en-US" sz="2400" b="0" i="0" u="none" strike="noStrike" cap="none" normalizeH="0" baseline="0" dirty="0" smtClean="0">
+                        <a:rPr kumimoji="0" lang="en-US" sz="2400" b="0" i="0" u="none" strike="noStrike" cap="none" normalizeH="0" baseline="0" smtClean="0">
                           <a:ln>
                             <a:noFill/>
                           </a:ln>
@@ -16098,7 +17278,7 @@
                         </a:rPr>
                         <a:t>C (FN)</a:t>
                       </a:r>
-                      <a:endParaRPr kumimoji="0" lang="vi-VN" sz="2400" b="0" i="0" u="none" strike="noStrike" cap="none" normalizeH="0" baseline="0" dirty="0" smtClean="0">
+                      <a:endParaRPr kumimoji="0" lang="vi-VN" sz="2400" b="0" i="0" u="none" strike="noStrike" cap="none" normalizeH="0" baseline="0" smtClean="0">
                         <a:ln>
                           <a:noFill/>
                         </a:ln>
@@ -16347,7 +17527,7 @@
                         <a:tabLst/>
                       </a:pPr>
                       <a:r>
-                        <a:rPr kumimoji="0" lang="en-US" sz="2400" b="0" i="0" u="none" strike="noStrike" cap="none" normalizeH="0" baseline="0" dirty="0" smtClean="0">
+                        <a:rPr kumimoji="0" lang="en-US" sz="2400" b="0" i="0" u="none" strike="noStrike" cap="none" normalizeH="0" baseline="0" smtClean="0">
                           <a:ln>
                             <a:noFill/>
                           </a:ln>
@@ -16360,7 +17540,7 @@
                         </a:rPr>
                         <a:t>D (TN)</a:t>
                       </a:r>
-                      <a:endParaRPr kumimoji="0" lang="vi-VN" sz="2400" b="0" i="0" u="none" strike="noStrike" cap="none" normalizeH="0" baseline="0" dirty="0" smtClean="0">
+                      <a:endParaRPr kumimoji="0" lang="vi-VN" sz="2400" b="0" i="0" u="none" strike="noStrike" cap="none" normalizeH="0" baseline="0" smtClean="0">
                         <a:ln>
                           <a:noFill/>
                         </a:ln>
@@ -16446,7 +17626,7 @@
           <a:graphicData uri="http://schemas.openxmlformats.org/presentationml/2006/ole">
             <mc:AlternateContent xmlns:mc="http://schemas.openxmlformats.org/markup-compatibility/2006">
               <mc:Choice xmlns:v="urn:schemas-microsoft-com:vml" Requires="v">
-                <p:oleObj spid="_x0000_s1434" name="Формула" r:id="rId3" imgW="1473200" imgH="419100" progId="Equation.3">
+                <p:oleObj spid="_x0000_s1467" name="Формула" r:id="rId3" imgW="1473200" imgH="419100" progId="Equation.3">
                   <p:embed/>
                 </p:oleObj>
               </mc:Choice>
@@ -16535,7 +17715,7 @@
           <a:graphicData uri="http://schemas.openxmlformats.org/presentationml/2006/ole">
             <mc:AlternateContent xmlns:mc="http://schemas.openxmlformats.org/markup-compatibility/2006">
               <mc:Choice xmlns:v="urn:schemas-microsoft-com:vml" Requires="v">
-                <p:oleObj spid="_x0000_s1435" name="Формула" r:id="rId5" imgW="1511300" imgH="419100" progId="Equation.3">
+                <p:oleObj spid="_x0000_s1468" name="Формула" r:id="rId5" imgW="1511300" imgH="419100" progId="Equation.3">
                   <p:embed/>
                 </p:oleObj>
               </mc:Choice>
@@ -16624,7 +17804,7 @@
           <a:graphicData uri="http://schemas.openxmlformats.org/presentationml/2006/ole">
             <mc:AlternateContent xmlns:mc="http://schemas.openxmlformats.org/markup-compatibility/2006">
               <mc:Choice xmlns:v="urn:schemas-microsoft-com:vml" Requires="v">
-                <p:oleObj spid="_x0000_s1436" name="Equation" r:id="rId7" imgW="698400" imgH="393480" progId="Equation.3">
+                <p:oleObj spid="_x0000_s1469" name="Equation" r:id="rId7" imgW="698400" imgH="393480" progId="Equation.3">
                   <p:embed/>
                 </p:oleObj>
               </mc:Choice>
@@ -16705,7 +17885,7 @@
 </p:sld>
 </file>
 
-<file path=ppt/slides/slide25.xml><?xml version="1.0" encoding="utf-8"?>
+<file path=ppt/slides/slide26.xml><?xml version="1.0" encoding="utf-8"?>
 <p:sld xmlns:a="http://schemas.openxmlformats.org/drawingml/2006/main" xmlns:r="http://schemas.openxmlformats.org/officeDocument/2006/relationships" xmlns:p="http://schemas.openxmlformats.org/presentationml/2006/main">
   <p:cSld>
     <p:spTree>
@@ -16739,10 +17919,9 @@
           <a:p>
             <a:pPr eaLnBrk="1" hangingPunct="1"/>
             <a:r>
-              <a:rPr lang="vi-VN" sz="3600" dirty="0" smtClean="0"/>
+              <a:rPr lang="vi-VN" sz="3600" smtClean="0"/>
               <a:t>Lấy trung bình</a:t>
             </a:r>
-            <a:endParaRPr lang="vi-VN" sz="3600" dirty="0" smtClean="0"/>
           </a:p>
         </p:txBody>
       </p:sp>
@@ -16769,7 +17948,7 @@
               <a:pPr>
                 <a:defRPr/>
               </a:pPr>
-              <a:t>25</a:t>
+              <a:t>26</a:t>
             </a:fld>
             <a:endParaRPr lang="vi-VN"/>
           </a:p>
@@ -17020,7 +18199,7 @@
               <a:defRPr/>
             </a:pPr>
             <a:r>
-              <a:rPr lang="vi-VN" sz="2800" b="0" dirty="0" smtClean="0"/>
+              <a:rPr lang="vi-VN" sz="2800" b="0" smtClean="0"/>
               <a:t>Macro</a:t>
             </a:r>
           </a:p>
@@ -17029,15 +18208,15 @@
               <a:defRPr/>
             </a:pPr>
             <a:r>
-              <a:rPr lang="vi-VN" sz="2400" b="0" dirty="0" smtClean="0"/>
+              <a:rPr lang="vi-VN" sz="2400" b="0" smtClean="0"/>
               <a:t>Tính F</a:t>
             </a:r>
             <a:r>
-              <a:rPr lang="vi-VN" sz="2400" b="0" baseline="-25000" dirty="0" smtClean="0"/>
+              <a:rPr lang="vi-VN" sz="2400" b="0" baseline="-25000" smtClean="0"/>
               <a:t>1</a:t>
             </a:r>
             <a:r>
-              <a:rPr lang="vi-VN" sz="2400" b="0" dirty="0" smtClean="0"/>
+              <a:rPr lang="vi-VN" sz="2400" b="0" smtClean="0"/>
               <a:t> cho từng lớp;</a:t>
             </a:r>
           </a:p>
@@ -17046,21 +18225,21 @@
               <a:defRPr/>
             </a:pPr>
             <a:r>
-              <a:rPr lang="vi-VN" sz="2400" b="0" dirty="0" smtClean="0"/>
+              <a:rPr lang="vi-VN" sz="2400" b="0" smtClean="0"/>
               <a:t>Lấy trung bình các giá trị F</a:t>
             </a:r>
             <a:r>
-              <a:rPr lang="vi-VN" sz="2400" b="0" baseline="-25000" dirty="0" smtClean="0"/>
+              <a:rPr lang="vi-VN" sz="2400" b="0" baseline="-25000" smtClean="0"/>
               <a:t>1</a:t>
             </a:r>
-            <a:endParaRPr lang="vi-VN" sz="2400" b="0" dirty="0" smtClean="0"/>
+            <a:endParaRPr lang="vi-VN" sz="2400" b="0" smtClean="0"/>
           </a:p>
           <a:p>
             <a:pPr algn="just" eaLnBrk="1" hangingPunct="1">
               <a:defRPr/>
             </a:pPr>
             <a:r>
-              <a:rPr lang="vi-VN" sz="2800" b="0" dirty="0" smtClean="0"/>
+              <a:rPr lang="vi-VN" sz="2800" b="0" smtClean="0"/>
               <a:t>Micro:</a:t>
             </a:r>
           </a:p>
@@ -17069,7 +18248,7 @@
               <a:defRPr/>
             </a:pPr>
             <a:r>
-              <a:rPr lang="vi-VN" b="0" dirty="0" smtClean="0">
+              <a:rPr lang="vi-VN" b="0" smtClean="0">
                 <a:latin typeface="Calibri"/>
               </a:rPr>
               <a:t>Thống kê TP, TN, FP, FN cho từng lớp;</a:t>
@@ -17080,7 +18259,7 @@
               <a:defRPr/>
             </a:pPr>
             <a:r>
-              <a:rPr lang="vi-VN" b="0" dirty="0" smtClean="0">
+              <a:rPr lang="vi-VN" b="0" smtClean="0">
                 <a:latin typeface="Calibri"/>
               </a:rPr>
               <a:t>Lấy tổng các đại lượng thống kê này trên tất cả các lớp;</a:t>
@@ -17091,26 +18270,23 @@
               <a:defRPr/>
             </a:pPr>
             <a:r>
-              <a:rPr lang="vi-VN" b="0" dirty="0" smtClean="0">
+              <a:rPr lang="vi-VN" b="0" smtClean="0">
                 <a:latin typeface="Calibri"/>
               </a:rPr>
               <a:t>Tính F</a:t>
             </a:r>
             <a:r>
-              <a:rPr lang="vi-VN" b="0" baseline="-25000" dirty="0" smtClean="0">
+              <a:rPr lang="vi-VN" b="0" baseline="-25000" smtClean="0">
                 <a:latin typeface="Calibri"/>
               </a:rPr>
               <a:t>1</a:t>
             </a:r>
             <a:r>
-              <a:rPr lang="vi-VN" b="0" dirty="0" smtClean="0">
+              <a:rPr lang="vi-VN" b="0" smtClean="0">
                 <a:latin typeface="Calibri"/>
               </a:rPr>
               <a:t> trên các giá trị tổng hợp này.</a:t>
             </a:r>
-            <a:endParaRPr lang="vi-VN" b="0" dirty="0" smtClean="0">
-              <a:latin typeface="Calibri"/>
-            </a:endParaRPr>
           </a:p>
         </p:txBody>
       </p:sp>
@@ -17134,7 +18310,7 @@
 </p:sld>
 </file>
 
-<file path=ppt/slides/slide26.xml><?xml version="1.0" encoding="utf-8"?>
+<file path=ppt/slides/slide27.xml><?xml version="1.0" encoding="utf-8"?>
 <p:sld xmlns:a="http://schemas.openxmlformats.org/drawingml/2006/main" xmlns:r="http://schemas.openxmlformats.org/officeDocument/2006/relationships" xmlns:p="http://schemas.openxmlformats.org/presentationml/2006/main">
   <p:cSld>
     <p:spTree>
@@ -17168,14 +18344,14 @@
           <a:p>
             <a:pPr eaLnBrk="1" hangingPunct="1"/>
             <a:r>
-              <a:rPr lang="vi-VN" sz="3600" dirty="0" smtClean="0"/>
+              <a:rPr lang="vi-VN" sz="3600" smtClean="0"/>
               <a:t>Kết quả thực nghiệm: F1 trên </a:t>
             </a:r>
             <a:r>
-              <a:rPr lang="en-US" sz="3600" dirty="0" smtClean="0"/>
+              <a:rPr lang="en-US" sz="3600" smtClean="0"/>
               <a:t>Reuters-21578</a:t>
             </a:r>
-            <a:endParaRPr lang="vi-VN" sz="3600" dirty="0" smtClean="0"/>
+            <a:endParaRPr lang="vi-VN" sz="3600" smtClean="0"/>
           </a:p>
         </p:txBody>
       </p:sp>
@@ -17202,7 +18378,7 @@
               <a:pPr>
                 <a:defRPr/>
               </a:pPr>
-              <a:t>26</a:t>
+              <a:t>27</a:t>
             </a:fld>
             <a:endParaRPr lang="vi-VN"/>
           </a:p>
@@ -17255,10 +18431,10 @@
           <a:p>
             <a:pPr algn="just"/>
             <a:r>
-              <a:rPr lang="vi-VN" b="0" dirty="0" smtClean="0"/>
+              <a:rPr lang="vi-VN" b="0" smtClean="0"/>
               <a:t>Bộ phân loại Naïve Bayes tuy đơn giản nhưng hoạt động tương đối tốt so với các bộ phân loại khác.</a:t>
             </a:r>
-            <a:endParaRPr lang="vi-VN" b="0" dirty="0"/>
+            <a:endParaRPr lang="vi-VN" b="0"/>
           </a:p>
         </p:txBody>
       </p:sp>
@@ -17282,7 +18458,7 @@
 </p:sld>
 </file>
 
-<file path=ppt/slides/slide27.xml><?xml version="1.0" encoding="utf-8"?>
+<file path=ppt/slides/slide28.xml><?xml version="1.0" encoding="utf-8"?>
 <p:sld xmlns:a="http://schemas.openxmlformats.org/drawingml/2006/main" xmlns:r="http://schemas.openxmlformats.org/officeDocument/2006/relationships" xmlns:p="http://schemas.openxmlformats.org/presentationml/2006/main">
   <p:cSld>
     <p:spTree>
@@ -17315,22 +18491,22 @@
           <a:lstStyle/>
           <a:p>
             <a:r>
-              <a:rPr lang="en-US" sz="4000" dirty="0" err="1" smtClean="0"/>
+              <a:rPr lang="en-US" sz="4000" err="1" smtClean="0"/>
               <a:t>Bài</a:t>
             </a:r>
             <a:r>
-              <a:rPr lang="en-US" sz="4000" dirty="0" smtClean="0"/>
+              <a:rPr lang="en-US" sz="4000" smtClean="0"/>
               <a:t> </a:t>
             </a:r>
             <a:r>
-              <a:rPr lang="en-US" sz="4000" dirty="0" err="1" smtClean="0"/>
+              <a:rPr lang="en-US" sz="4000" err="1" smtClean="0"/>
               <a:t>tập</a:t>
             </a:r>
             <a:r>
-              <a:rPr lang="en-US" sz="4000" dirty="0" smtClean="0"/>
+              <a:rPr lang="en-US" sz="4000" smtClean="0"/>
               <a:t> (2)</a:t>
             </a:r>
-            <a:endParaRPr lang="vi-VN" sz="4000" dirty="0"/>
+            <a:endParaRPr lang="vi-VN" sz="4000"/>
           </a:p>
         </p:txBody>
       </p:sp>
@@ -17353,26 +18529,10 @@
               <a:buNone/>
             </a:pPr>
             <a:r>
-              <a:rPr lang="vi-VN" sz="2800" dirty="0" smtClean="0"/>
-              <a:t>Trường hợp khi mỗi văn bản trong bộ dữ liệu kiểm thử được gán đúng 1 nhãn lớp, đồng thời bộ phân lớp cũng gán đúng mỗi văn bản vào một lớp, gọi là phân lớp 1 lớp. Hãy chứng mình rằng, với phân lớp 1 lớp, tổng FP trên tất cả các lớp bằng tổng FN. </a:t>
-            </a:r>
-            <a:r>
               <a:rPr lang="vi-VN" sz="2800" smtClean="0"/>
-              <a:t>Nếu lấy </a:t>
-            </a:r>
-            <a:r>
-              <a:rPr lang="vi-VN" sz="2800" dirty="0" smtClean="0"/>
-              <a:t>trung </a:t>
-            </a:r>
-            <a:r>
-              <a:rPr lang="vi-VN" sz="2800" smtClean="0"/>
-              <a:t>bình theo micro, thì F1 </a:t>
-            </a:r>
-            <a:r>
-              <a:rPr lang="vi-VN" sz="2800" dirty="0" smtClean="0"/>
-              <a:t>= accuracy.</a:t>
-            </a:r>
-            <a:endParaRPr lang="vi-VN" sz="2800" dirty="0"/>
+              <a:t>Trường hợp khi mỗi văn bản trong bộ dữ liệu kiểm thử được gán đúng 1 nhãn lớp, đồng thời bộ phân lớp cũng gán đúng mỗi văn bản vào một lớp, gọi là phân lớp 1 lớp. Hãy chứng mình rằng, với phân lớp 1 lớp, tổng FP trên tất cả các lớp bằng tổng FN. Nếu lấy trung bình theo micro, thì F1 = accuracy.</a:t>
+            </a:r>
+            <a:endParaRPr lang="vi-VN" sz="2800"/>
           </a:p>
         </p:txBody>
       </p:sp>
@@ -17399,7 +18559,7 @@
               <a:pPr>
                 <a:defRPr/>
               </a:pPr>
-              <a:t>27</a:t>
+              <a:t>28</a:t>
             </a:fld>
             <a:endParaRPr lang="vi-VN"/>
           </a:p>
@@ -17418,7 +18578,7 @@
 </p:sld>
 </file>
 
-<file path=ppt/slides/slide28.xml><?xml version="1.0" encoding="utf-8"?>
+<file path=ppt/slides/slide29.xml><?xml version="1.0" encoding="utf-8"?>
 <p:sld xmlns:a="http://schemas.openxmlformats.org/drawingml/2006/main" xmlns:r="http://schemas.openxmlformats.org/officeDocument/2006/relationships" xmlns:p="http://schemas.openxmlformats.org/presentationml/2006/main">
   <p:cSld>
     <p:spTree>
@@ -17532,7 +18692,7 @@
               <a:pPr>
                 <a:defRPr/>
               </a:pPr>
-              <a:t>28</a:t>
+              <a:t>29</a:t>
             </a:fld>
             <a:endParaRPr lang="vi-VN"/>
           </a:p>
@@ -17712,19 +18872,14 @@
           <a:p>
             <a:pPr eaLnBrk="1" hangingPunct="1"/>
             <a:r>
-              <a:rPr lang="vi-VN" sz="3600" dirty="0" smtClean="0"/>
-              <a:t>Bài toán phân </a:t>
-            </a:r>
-            <a:r>
-              <a:rPr lang="vi-VN" sz="3600" dirty="0" smtClean="0"/>
-              <a:t>lớp văn bản</a:t>
-            </a:r>
-            <a:endParaRPr lang="vi-VN" sz="3600" dirty="0" smtClean="0"/>
+              <a:rPr lang="vi-VN" sz="3600" smtClean="0"/>
+              <a:t>Bài toán phân lớp văn bản</a:t>
+            </a:r>
           </a:p>
         </p:txBody>
       </p:sp>
-      <mc:AlternateContent xmlns:mc="http://schemas.openxmlformats.org/markup-compatibility/2006">
-        <mc:Choice xmlns:a14="http://schemas.microsoft.com/office/drawing/2010/main" Requires="a14">
+      <mc:AlternateContent xmlns:mc="http://schemas.openxmlformats.org/markup-compatibility/2006" xmlns:a14="http://schemas.microsoft.com/office/drawing/2010/main">
+        <mc:Choice Requires="a14">
           <p:sp>
             <p:nvSpPr>
               <p:cNvPr id="6147" name="Rectangle 3"/>
@@ -17784,40 +18939,40 @@
               <a:p>
                 <a:pPr algn="just" eaLnBrk="1" hangingPunct="1"/>
                 <a:r>
-                  <a:rPr lang="vi-VN" sz="2800" dirty="0" smtClean="0"/>
+                  <a:rPr lang="vi-VN" sz="2800" smtClean="0"/>
                   <a:t>Ký hiệu:</a:t>
                 </a:r>
               </a:p>
               <a:p>
                 <a:pPr lvl="1"/>
                 <a:r>
-                  <a:rPr lang="vi-VN" sz="2400" dirty="0"/>
+                  <a:rPr lang="vi-VN" sz="2400"/>
                   <a:t>X là tập văn bản;</a:t>
                 </a:r>
               </a:p>
               <a:p>
                 <a:pPr lvl="1"/>
                 <a:r>
-                  <a:rPr lang="vi-VN" sz="2400" dirty="0"/>
+                  <a:rPr lang="vi-VN" sz="2400"/>
                   <a:t>C là tập lớp (còn được gọi là tập nhãn</a:t>
                 </a:r>
                 <a:r>
-                  <a:rPr lang="vi-VN" sz="2400" dirty="0" smtClean="0"/>
+                  <a:rPr lang="vi-VN" sz="2400" smtClean="0"/>
                   <a:t>).</a:t>
                 </a:r>
-                <a:endParaRPr lang="vi-VN" sz="2400" dirty="0"/>
+                <a:endParaRPr lang="vi-VN" sz="2400"/>
               </a:p>
               <a:p>
                 <a:pPr algn="just" eaLnBrk="1" hangingPunct="1"/>
                 <a:r>
-                  <a:rPr lang="vi-VN" sz="2800" dirty="0"/>
+                  <a:rPr lang="vi-VN" sz="2800"/>
                   <a:t>Dữ liệu huấn luyện là một phân lớp mẫu </a:t>
                 </a:r>
               </a:p>
               <a:p>
                 <a:pPr lvl="1" algn="just" eaLnBrk="1" hangingPunct="1"/>
                 <a:r>
-                  <a:rPr lang="vi-VN" sz="2400" dirty="0" smtClean="0"/>
+                  <a:rPr lang="vi-VN" sz="2400" smtClean="0"/>
                   <a:t>TrainingSet</a:t>
                 </a:r>
                 <a14:m>
@@ -17923,20 +19078,20 @@
                     </m:r>
                   </m:oMath>
                 </a14:m>
-                <a:endParaRPr lang="vi-VN" sz="2400" dirty="0"/>
+                <a:endParaRPr lang="vi-VN" sz="2400"/>
               </a:p>
               <a:p>
                 <a:pPr algn="just" eaLnBrk="1" hangingPunct="1"/>
                 <a:r>
-                  <a:rPr lang="vi-VN" sz="2800" b="1" dirty="0" smtClean="0"/>
+                  <a:rPr lang="vi-VN" sz="2800" b="1" smtClean="0"/>
                   <a:t>Học:</a:t>
                 </a:r>
                 <a:r>
-                  <a:rPr lang="vi-VN" sz="2800" dirty="0" smtClean="0"/>
+                  <a:rPr lang="vi-VN" sz="2800" smtClean="0"/>
                   <a:t> sử dụng giải thuật huấn luyện để xác định ánh </a:t>
                 </a:r>
                 <a:r>
-                  <a:rPr lang="vi-VN" sz="2800" dirty="0"/>
+                  <a:rPr lang="vi-VN" sz="2800"/>
                   <a:t>xạ </a:t>
                 </a:r>
                 <a14:m>
@@ -17950,14 +19105,14 @@
                   </m:oMath>
                 </a14:m>
                 <a:r>
-                  <a:rPr lang="vi-VN" sz="2800" dirty="0"/>
+                  <a:rPr lang="vi-VN" sz="2800"/>
                   <a:t> </a:t>
                 </a:r>
                 <a:r>
-                  <a:rPr lang="vi-VN" sz="2800" dirty="0" smtClean="0"/>
+                  <a:rPr lang="vi-VN" sz="2800" smtClean="0"/>
                   <a:t>gán văn bản với lớp:</a:t>
                 </a:r>
-                <a:endParaRPr lang="vi-VN" sz="2800" dirty="0"/>
+                <a:endParaRPr lang="vi-VN" sz="2800"/>
               </a:p>
               <a:p>
                 <a:pPr lvl="1" algn="just" eaLnBrk="1" hangingPunct="1"/>
@@ -17996,98 +19151,81 @@
                   </m:oMath>
                 </a14:m>
                 <a:r>
-                  <a:rPr lang="vi-VN" sz="2400" dirty="0"/>
+                  <a:rPr lang="vi-VN" sz="2400"/>
                   <a:t> </a:t>
                 </a:r>
               </a:p>
               <a:p>
                 <a:pPr algn="just" eaLnBrk="1" hangingPunct="1"/>
                 <a:r>
-                  <a:rPr lang="vi-VN" sz="2800" b="1" dirty="0" smtClean="0"/>
+                  <a:rPr lang="vi-VN" sz="2800" b="1" smtClean="0"/>
                   <a:t>Phân lớp:</a:t>
                 </a:r>
                 <a:r>
-                  <a:rPr lang="vi-VN" sz="2800" dirty="0" smtClean="0"/>
+                  <a:rPr lang="vi-VN" sz="2800" smtClean="0"/>
                   <a:t> </a:t>
                 </a:r>
                 <a:r>
-                  <a:rPr lang="vi-VN" sz="2800" dirty="0"/>
+                  <a:rPr lang="vi-VN" sz="2800"/>
                   <a:t>là xác định định lớp phù hợp nhất với </a:t>
                 </a:r>
                 <a:r>
-                  <a:rPr lang="vi-VN" sz="2800" dirty="0" smtClean="0"/>
-                  <a:t>văn </a:t>
+                  <a:rPr lang="vi-VN" sz="2800" smtClean="0"/>
+                  <a:t>văn bản</a:t>
                 </a:r>
                 <a:r>
-                  <a:rPr lang="vi-VN" sz="2800" dirty="0" smtClean="0"/>
-                  <a:t>bản</a:t>
-                </a:r>
-                <a:r>
-                  <a:rPr lang="en-US" sz="2800" dirty="0" smtClean="0"/>
+                  <a:rPr lang="en-US" sz="2800" smtClean="0"/>
                   <a:t>, </a:t>
                 </a:r>
                 <a:r>
-                  <a:rPr lang="en-US" sz="2800" dirty="0" err="1"/>
+                  <a:rPr lang="en-US" sz="2800" err="1"/>
                   <a:t>cho</a:t>
                 </a:r>
                 <a:r>
-                  <a:rPr lang="en-US" sz="2800" dirty="0"/>
-                  <a:t> d </a:t>
+                  <a:rPr lang="en-US" sz="2800"/>
+                  <a:t> d ∈ X </a:t>
                 </a:r>
                 <a:r>
-                  <a:rPr lang="en-US" sz="2800" dirty="0"/>
-                  <a:t>∈ X </a:t>
-                </a:r>
-                <a:r>
-                  <a:rPr lang="en-US" sz="2800" dirty="0" err="1"/>
+                  <a:rPr lang="en-US" sz="2800" err="1"/>
                   <a:t>cần</a:t>
                 </a:r>
                 <a:r>
-                  <a:rPr lang="en-US" sz="2800" dirty="0"/>
+                  <a:rPr lang="en-US" sz="2800"/>
                   <a:t> </a:t>
                 </a:r>
                 <a:r>
-                  <a:rPr lang="en-US" sz="2800" dirty="0" err="1"/>
+                  <a:rPr lang="en-US" sz="2800" err="1"/>
                   <a:t>xác</a:t>
                 </a:r>
                 <a:r>
-                  <a:rPr lang="en-US" sz="2800" dirty="0"/>
+                  <a:rPr lang="en-US" sz="2800"/>
                   <a:t> </a:t>
                 </a:r>
                 <a:r>
-                  <a:rPr lang="en-US" sz="2800" dirty="0" err="1"/>
+                  <a:rPr lang="en-US" sz="2800" err="1"/>
                   <a:t>định</a:t>
                 </a:r>
                 <a:r>
-                  <a:rPr lang="en-US" sz="2800" dirty="0"/>
+                  <a:rPr lang="en-US" sz="2800"/>
                   <a:t> </a:t>
                 </a:r>
                 <a:r>
-                  <a:rPr lang="el-GR" sz="2800" dirty="0"/>
+                  <a:rPr lang="el-GR" sz="2800"/>
                   <a:t>ϒ</a:t>
                 </a:r>
                 <a:r>
-                  <a:rPr lang="en-US" sz="2800" dirty="0"/>
-                  <a:t> </a:t>
+                  <a:rPr lang="en-US" sz="2800"/>
+                  <a:t> (d) ∈ C.</a:t>
                 </a:r>
-                <a:r>
-                  <a:rPr lang="en-US" sz="2800" dirty="0"/>
-                  <a:t>(d) ∈ C</a:t>
-                </a:r>
-                <a:r>
-                  <a:rPr lang="en-US" sz="2800" dirty="0"/>
-                  <a:t>.</a:t>
-                </a:r>
-                <a:endParaRPr lang="en-US" sz="2800" dirty="0"/>
               </a:p>
               <a:p>
                 <a:pPr algn="just" eaLnBrk="1" hangingPunct="1"/>
-                <a:endParaRPr lang="en-US" sz="2800" dirty="0"/>
+                <a:endParaRPr lang="en-US" sz="2800"/>
               </a:p>
             </p:txBody>
           </p:sp>
         </mc:Choice>
-        <mc:Fallback>
+        <mc:Fallback xmlns="">
           <p:sp>
             <p:nvSpPr>
               <p:cNvPr id="6147" name="Rectangle 3"/>
@@ -18240,38 +19378,30 @@
           <a:p>
             <a:pPr eaLnBrk="1" hangingPunct="1"/>
             <a:r>
-              <a:rPr lang="vi-VN" sz="3600" dirty="0" smtClean="0"/>
-              <a:t>Bài toán phân </a:t>
-            </a:r>
-            <a:r>
-              <a:rPr lang="vi-VN" sz="3600" dirty="0" smtClean="0"/>
-              <a:t>lớp</a:t>
-            </a:r>
-            <a:r>
-              <a:rPr lang="en-US" sz="3600" dirty="0" smtClean="0"/>
+              <a:rPr lang="vi-VN" sz="3600" smtClean="0"/>
+              <a:t>Bài toán phân lớp</a:t>
+            </a:r>
+            <a:r>
+              <a:rPr lang="en-US" sz="3600" smtClean="0"/>
               <a:t> </a:t>
             </a:r>
             <a:r>
-              <a:rPr lang="en-US" sz="3600" dirty="0" err="1" smtClean="0"/>
+              <a:rPr lang="en-US" sz="3600" err="1" smtClean="0"/>
               <a:t>văn</a:t>
             </a:r>
             <a:r>
-              <a:rPr lang="en-US" sz="3600" dirty="0" smtClean="0"/>
+              <a:rPr lang="en-US" sz="3600" smtClean="0"/>
               <a:t> </a:t>
             </a:r>
             <a:r>
-              <a:rPr lang="en-US" sz="3600" dirty="0" err="1" smtClean="0"/>
+              <a:rPr lang="en-US" sz="3600" err="1" smtClean="0"/>
               <a:t>bản</a:t>
             </a:r>
             <a:r>
-              <a:rPr lang="en-US" sz="3600" dirty="0" smtClean="0"/>
-              <a:t> </a:t>
-            </a:r>
-            <a:r>
-              <a:rPr lang="en-US" sz="3600" dirty="0" smtClean="0"/>
-              <a:t>(2)</a:t>
-            </a:r>
-            <a:endParaRPr lang="vi-VN" sz="3600" dirty="0" smtClean="0"/>
+              <a:rPr lang="en-US" sz="3600" smtClean="0"/>
+              <a:t> (2)</a:t>
+            </a:r>
+            <a:endParaRPr lang="vi-VN" sz="3600" smtClean="0"/>
           </a:p>
         </p:txBody>
       </p:sp>
@@ -18382,7 +19512,7 @@
           <a:p>
             <a:pPr eaLnBrk="1" hangingPunct="1"/>
             <a:r>
-              <a:rPr lang="vi-VN" sz="3600" dirty="0" smtClean="0"/>
+              <a:rPr lang="vi-VN" sz="3600" smtClean="0"/>
               <a:t>Ứng dụng trong công cụ tìm kiếm</a:t>
             </a:r>
           </a:p>
@@ -18412,7 +19542,7 @@
               <a:defRPr/>
             </a:pPr>
             <a:r>
-              <a:rPr lang="vi-VN" sz="2800" dirty="0" smtClean="0"/>
+              <a:rPr lang="vi-VN" sz="2800" smtClean="0"/>
               <a:t>Xác định ngôn ngữ</a:t>
             </a:r>
           </a:p>
@@ -18421,7 +19551,7 @@
               <a:defRPr/>
             </a:pPr>
             <a:r>
-              <a:rPr lang="vi-VN" sz="2400" dirty="0" smtClean="0"/>
+              <a:rPr lang="vi-VN" sz="2400" smtClean="0"/>
               <a:t>Các lớp: Tiếng Anh, tiếng Việt, v.v.</a:t>
             </a:r>
           </a:p>
@@ -18430,7 +19560,7 @@
               <a:defRPr/>
             </a:pPr>
             <a:r>
-              <a:rPr lang="vi-VN" sz="2800" dirty="0" smtClean="0"/>
+              <a:rPr lang="vi-VN" sz="2800" smtClean="0"/>
               <a:t>Xác định spam</a:t>
             </a:r>
           </a:p>
@@ -18439,7 +19569,7 @@
               <a:defRPr/>
             </a:pPr>
             <a:r>
-              <a:rPr lang="vi-VN" sz="2800" dirty="0" smtClean="0"/>
+              <a:rPr lang="vi-VN" sz="2800" smtClean="0"/>
               <a:t>Tìm kiếm theo chủ đề</a:t>
             </a:r>
           </a:p>
@@ -18448,7 +19578,7 @@
               <a:defRPr/>
             </a:pPr>
             <a:r>
-              <a:rPr lang="vi-VN" sz="2800" dirty="0" smtClean="0"/>
+              <a:rPr lang="vi-VN" sz="2800" smtClean="0"/>
               <a:t>Truy vấn cố định (standing queries), v.d., Google Alerts</a:t>
             </a:r>
           </a:p>
@@ -18457,94 +19587,89 @@
               <a:defRPr/>
             </a:pPr>
             <a:r>
-              <a:rPr lang="vi-VN" sz="2800" dirty="0" smtClean="0"/>
-              <a:t>Phân lớp bình luận: </a:t>
-            </a:r>
-            <a:r>
-              <a:rPr lang="vi-VN" sz="2800" dirty="0" smtClean="0"/>
-              <a:t>vd., b</a:t>
-            </a:r>
-            <a:r>
-              <a:rPr lang="en-US" sz="2800" dirty="0" err="1" smtClean="0"/>
+              <a:rPr lang="vi-VN" sz="2800" smtClean="0"/>
+              <a:t>Phân lớp bình luận: vd., b</a:t>
+            </a:r>
+            <a:r>
+              <a:rPr lang="en-US" sz="2800" err="1" smtClean="0"/>
               <a:t>ình</a:t>
             </a:r>
             <a:r>
-              <a:rPr lang="en-US" sz="2800" dirty="0" smtClean="0"/>
+              <a:rPr lang="en-US" sz="2800" smtClean="0"/>
               <a:t> </a:t>
             </a:r>
             <a:r>
-              <a:rPr lang="en-US" sz="2800" dirty="0" err="1" smtClean="0"/>
+              <a:rPr lang="en-US" sz="2800" err="1" smtClean="0"/>
               <a:t>luận</a:t>
             </a:r>
             <a:r>
-              <a:rPr lang="en-US" sz="2800" dirty="0" smtClean="0"/>
+              <a:rPr lang="en-US" sz="2800" smtClean="0"/>
               <a:t> </a:t>
             </a:r>
             <a:r>
-              <a:rPr lang="en-US" sz="2800" dirty="0" err="1" smtClean="0"/>
+              <a:rPr lang="en-US" sz="2800" err="1" smtClean="0"/>
               <a:t>về</a:t>
             </a:r>
             <a:r>
-              <a:rPr lang="en-US" sz="2800" dirty="0" smtClean="0"/>
+              <a:rPr lang="en-US" sz="2800" smtClean="0"/>
               <a:t> </a:t>
             </a:r>
             <a:r>
-              <a:rPr lang="en-US" sz="2800" dirty="0" err="1" smtClean="0"/>
+              <a:rPr lang="en-US" sz="2800" err="1" smtClean="0"/>
               <a:t>phim</a:t>
             </a:r>
             <a:r>
-              <a:rPr lang="en-US" sz="2800" dirty="0" smtClean="0"/>
+              <a:rPr lang="en-US" sz="2800" smtClean="0"/>
               <a:t> </a:t>
             </a:r>
             <a:r>
-              <a:rPr lang="en-US" sz="2800" dirty="0" err="1" smtClean="0"/>
+              <a:rPr lang="en-US" sz="2800" err="1" smtClean="0"/>
               <a:t>mang</a:t>
             </a:r>
             <a:r>
-              <a:rPr lang="en-US" sz="2800" dirty="0" smtClean="0"/>
+              <a:rPr lang="en-US" sz="2800" smtClean="0"/>
               <a:t> </a:t>
             </a:r>
             <a:r>
-              <a:rPr lang="en-US" sz="2800" dirty="0" err="1" smtClean="0"/>
+              <a:rPr lang="en-US" sz="2800" err="1" smtClean="0"/>
               <a:t>tính</a:t>
             </a:r>
             <a:r>
-              <a:rPr lang="en-US" sz="2800" dirty="0" smtClean="0"/>
+              <a:rPr lang="en-US" sz="2800" smtClean="0"/>
               <a:t> </a:t>
             </a:r>
             <a:r>
-              <a:rPr lang="en-US" sz="2800" dirty="0" err="1" smtClean="0"/>
+              <a:rPr lang="en-US" sz="2800" err="1" smtClean="0"/>
               <a:t>khen</a:t>
             </a:r>
             <a:r>
-              <a:rPr lang="en-US" sz="2800" dirty="0" smtClean="0"/>
+              <a:rPr lang="en-US" sz="2800" smtClean="0"/>
               <a:t> </a:t>
             </a:r>
             <a:r>
-              <a:rPr lang="en-US" sz="2800" dirty="0" err="1" smtClean="0"/>
+              <a:rPr lang="en-US" sz="2800" err="1" smtClean="0"/>
               <a:t>ngợi</a:t>
             </a:r>
             <a:r>
-              <a:rPr lang="en-US" sz="2800" dirty="0" smtClean="0"/>
+              <a:rPr lang="en-US" sz="2800" smtClean="0"/>
               <a:t> hay </a:t>
             </a:r>
             <a:r>
-              <a:rPr lang="en-US" sz="2800" dirty="0" err="1" smtClean="0"/>
+              <a:rPr lang="en-US" sz="2800" err="1" smtClean="0"/>
               <a:t>phê</a:t>
             </a:r>
             <a:r>
-              <a:rPr lang="en-US" sz="2800" dirty="0" smtClean="0"/>
+              <a:rPr lang="en-US" sz="2800" smtClean="0"/>
               <a:t> </a:t>
             </a:r>
             <a:r>
-              <a:rPr lang="en-US" sz="2800" dirty="0" err="1" smtClean="0"/>
+              <a:rPr lang="en-US" sz="2800" err="1" smtClean="0"/>
               <a:t>bình</a:t>
             </a:r>
             <a:r>
-              <a:rPr lang="en-US" sz="2800" dirty="0" smtClean="0"/>
+              <a:rPr lang="en-US" sz="2800" smtClean="0"/>
               <a:t>, v.v.</a:t>
             </a:r>
-            <a:endParaRPr lang="en-US" sz="2800" dirty="0" smtClean="0"/>
           </a:p>
         </p:txBody>
       </p:sp>
@@ -18631,10 +19756,9 @@
           <a:p>
             <a:pPr eaLnBrk="1" hangingPunct="1"/>
             <a:r>
-              <a:rPr lang="vi-VN" sz="3600" dirty="0" smtClean="0"/>
+              <a:rPr lang="vi-VN" sz="3600" smtClean="0"/>
               <a:t>Các phương pháp phân lớp</a:t>
             </a:r>
-            <a:endParaRPr lang="vi-VN" sz="3600" dirty="0" smtClean="0"/>
           </a:p>
         </p:txBody>
       </p:sp>
@@ -18662,7 +19786,7 @@
               <a:defRPr/>
             </a:pPr>
             <a:r>
-              <a:rPr lang="vi-VN" sz="2800" dirty="0" smtClean="0"/>
+              <a:rPr lang="vi-VN" sz="2800" smtClean="0"/>
               <a:t>Theo mức độ tham gia của con người</a:t>
             </a:r>
           </a:p>
@@ -18671,7 +19795,7 @@
               <a:defRPr/>
             </a:pPr>
             <a:r>
-              <a:rPr lang="vi-VN" sz="2400" dirty="0" smtClean="0"/>
+              <a:rPr lang="vi-VN" sz="2400" smtClean="0"/>
               <a:t>Phân lớp thủ công</a:t>
             </a:r>
           </a:p>
@@ -18680,7 +19804,7 @@
               <a:defRPr/>
             </a:pPr>
             <a:r>
-              <a:rPr lang="vi-VN" sz="2400" dirty="0" smtClean="0"/>
+              <a:rPr lang="vi-VN" sz="2400" smtClean="0"/>
               <a:t>Phân lớp dựa trên luật: Bán tự động</a:t>
             </a:r>
           </a:p>
@@ -18689,10 +19813,10 @@
               <a:defRPr/>
             </a:pPr>
             <a:r>
-              <a:rPr lang="vi-VN" sz="2400" dirty="0" smtClean="0"/>
+              <a:rPr lang="vi-VN" sz="2400" smtClean="0"/>
               <a:t>Xác suất/thống kê: Tự động</a:t>
             </a:r>
-            <a:endParaRPr lang="en-US" sz="2400" dirty="0" smtClean="0"/>
+            <a:endParaRPr lang="en-US" sz="2400" smtClean="0"/>
           </a:p>
         </p:txBody>
       </p:sp>
@@ -18779,7 +19903,7 @@
           <a:p>
             <a:pPr eaLnBrk="1" hangingPunct="1"/>
             <a:r>
-              <a:rPr lang="vi-VN" sz="3600" dirty="0" smtClean="0"/>
+              <a:rPr lang="vi-VN" sz="3600" smtClean="0"/>
               <a:t>Phương pháp phân lớp thủ công</a:t>
             </a:r>
           </a:p>
@@ -18809,12 +19933,8 @@
               <a:defRPr/>
             </a:pPr>
             <a:r>
-              <a:rPr lang="vi-VN" sz="2800" dirty="0" smtClean="0"/>
-              <a:t>Xử dụng ở: Yahoo</a:t>
-            </a:r>
-            <a:r>
-              <a:rPr lang="vi-VN" sz="2800" dirty="0" smtClean="0"/>
-              <a:t>, ODP, Pubmed;</a:t>
+              <a:rPr lang="vi-VN" sz="2800" smtClean="0"/>
+              <a:t>Xử dụng ở: Yahoo, ODP, Pubmed;</a:t>
             </a:r>
           </a:p>
           <a:p>
@@ -18822,7 +19942,7 @@
               <a:defRPr/>
             </a:pPr>
             <a:r>
-              <a:rPr lang="vi-VN" sz="2800" dirty="0" smtClean="0"/>
+              <a:rPr lang="vi-VN" sz="2800" smtClean="0"/>
               <a:t>Rất chính xác!</a:t>
             </a:r>
           </a:p>
@@ -18831,7 +19951,7 @@
               <a:defRPr/>
             </a:pPr>
             <a:r>
-              <a:rPr lang="vi-VN" sz="2800" dirty="0" smtClean="0"/>
+              <a:rPr lang="vi-VN" sz="2800" smtClean="0"/>
               <a:t>Đơn giản với dữ liệu nhỏ;</a:t>
             </a:r>
           </a:p>
@@ -18840,14 +19960,14 @@
               <a:defRPr/>
             </a:pPr>
             <a:r>
-              <a:rPr lang="vi-VN" sz="2800" dirty="0" smtClean="0"/>
+              <a:rPr lang="vi-VN" sz="2800" smtClean="0"/>
               <a:t>Phức tạp &amp; chi phí cao trên quy mô lớn</a:t>
             </a:r>
             <a:r>
-              <a:rPr lang="en-US" sz="2800" dirty="0" smtClean="0"/>
+              <a:rPr lang="en-US" sz="2800" smtClean="0"/>
               <a:t>.</a:t>
             </a:r>
-            <a:endParaRPr lang="en-US" sz="2000" dirty="0" smtClean="0"/>
+            <a:endParaRPr lang="en-US" sz="2000" smtClean="0"/>
           </a:p>
         </p:txBody>
       </p:sp>
@@ -18903,7 +20023,7 @@
           <a:lstStyle/>
           <a:p>
             <a:r>
-              <a:rPr lang="en-US" sz="2800" b="0" dirty="0" err="1" smtClean="0">
+              <a:rPr lang="en-US" sz="2800" b="0" err="1" smtClean="0">
                 <a:solidFill>
                   <a:schemeClr val="tx2"/>
                 </a:solidFill>
@@ -18911,7 +20031,7 @@
               <a:t>Phân</a:t>
             </a:r>
             <a:r>
-              <a:rPr lang="en-US" sz="2800" b="0" dirty="0" smtClean="0">
+              <a:rPr lang="en-US" sz="2800" b="0" smtClean="0">
                 <a:solidFill>
                   <a:schemeClr val="tx2"/>
                 </a:solidFill>
@@ -18919,7 +20039,7 @@
               <a:t> </a:t>
             </a:r>
             <a:r>
-              <a:rPr lang="en-US" sz="2800" b="0" dirty="0" err="1" smtClean="0">
+              <a:rPr lang="en-US" sz="2800" b="0" err="1" smtClean="0">
                 <a:solidFill>
                   <a:schemeClr val="tx2"/>
                 </a:solidFill>
@@ -18927,7 +20047,7 @@
               <a:t>lớp</a:t>
             </a:r>
             <a:r>
-              <a:rPr lang="en-US" sz="2800" b="0" dirty="0" smtClean="0">
+              <a:rPr lang="en-US" sz="2800" b="0" smtClean="0">
                 <a:solidFill>
                   <a:schemeClr val="tx2"/>
                 </a:solidFill>
@@ -18935,7 +20055,7 @@
               <a:t> </a:t>
             </a:r>
             <a:r>
-              <a:rPr lang="en-US" sz="2800" b="0" dirty="0" err="1" smtClean="0">
+              <a:rPr lang="en-US" sz="2800" b="0" err="1" smtClean="0">
                 <a:solidFill>
                   <a:schemeClr val="tx2"/>
                 </a:solidFill>
@@ -18943,7 +20063,7 @@
               <a:t>tự</a:t>
             </a:r>
             <a:r>
-              <a:rPr lang="en-US" sz="2800" b="0" dirty="0" smtClean="0">
+              <a:rPr lang="en-US" sz="2800" b="0" smtClean="0">
                 <a:solidFill>
                   <a:schemeClr val="tx2"/>
                 </a:solidFill>
@@ -18951,7 +20071,7 @@
               <a:t> </a:t>
             </a:r>
             <a:r>
-              <a:rPr lang="en-US" sz="2800" b="0" dirty="0" err="1" smtClean="0">
+              <a:rPr lang="en-US" sz="2800" b="0" err="1" smtClean="0">
                 <a:solidFill>
                   <a:schemeClr val="tx2"/>
                 </a:solidFill>
@@ -18959,14 +20079,14 @@
               <a:t>động</a:t>
             </a:r>
             <a:r>
-              <a:rPr lang="en-US" sz="2800" b="0" dirty="0">
+              <a:rPr lang="en-US" sz="2800" b="0">
                 <a:solidFill>
                   <a:schemeClr val="tx2"/>
                 </a:solidFill>
               </a:rPr>
               <a:t>?</a:t>
             </a:r>
-            <a:endParaRPr lang="vi-VN" sz="2800" b="0" dirty="0">
+            <a:endParaRPr lang="vi-VN" sz="2800" b="0">
               <a:solidFill>
                 <a:schemeClr val="tx2"/>
               </a:solidFill>
@@ -19028,7 +20148,7 @@
           <a:p>
             <a:pPr eaLnBrk="1" hangingPunct="1"/>
             <a:r>
-              <a:rPr lang="vi-VN" sz="3600" dirty="0" smtClean="0"/>
+              <a:rPr lang="vi-VN" sz="3600" smtClean="0"/>
               <a:t>Phương pháp phân lớp dựa trên luật</a:t>
             </a:r>
           </a:p>
@@ -19058,7 +20178,7 @@
               <a:defRPr/>
             </a:pPr>
             <a:r>
-              <a:rPr lang="vi-VN" sz="2800" dirty="0" smtClean="0"/>
+              <a:rPr lang="vi-VN" sz="2800" smtClean="0"/>
               <a:t>Ví dụ, Google Alerts;</a:t>
             </a:r>
           </a:p>
@@ -19067,12 +20187,8 @@
               <a:defRPr/>
             </a:pPr>
             <a:r>
-              <a:rPr lang="vi-VN" sz="2800" dirty="0" smtClean="0"/>
-              <a:t>Sử dụng môi </a:t>
-            </a:r>
-            <a:r>
-              <a:rPr lang="vi-VN" sz="2800" dirty="0" smtClean="0"/>
-              <a:t>trường tích hợp hỗ trợ viết luật phân lớp;</a:t>
+              <a:rPr lang="vi-VN" sz="2800" smtClean="0"/>
+              <a:t>Sử dụng môi trường tích hợp hỗ trợ viết luật phân lớp;</a:t>
             </a:r>
           </a:p>
           <a:p>
@@ -19080,42 +20196,28 @@
               <a:defRPr/>
             </a:pPr>
             <a:r>
-              <a:rPr lang="vi-VN" sz="2400" dirty="0" smtClean="0"/>
-              <a:t>Thường sử dụng </a:t>
-            </a:r>
-            <a:r>
-              <a:rPr lang="vi-VN" sz="2400" dirty="0" smtClean="0"/>
-              <a:t>Logic Boolean.</a:t>
-            </a:r>
-            <a:endParaRPr lang="vi-VN" sz="2400" dirty="0" smtClean="0"/>
+              <a:rPr lang="vi-VN" sz="2400" smtClean="0"/>
+              <a:t>Thường sử dụng Logic Boolean.</a:t>
+            </a:r>
           </a:p>
           <a:p>
             <a:pPr algn="just" eaLnBrk="1" hangingPunct="1">
               <a:defRPr/>
             </a:pPr>
             <a:r>
-              <a:rPr lang="vi-VN" sz="2800" dirty="0" smtClean="0"/>
-              <a:t>Có thể đạt độ chính xác rất </a:t>
-            </a:r>
-            <a:r>
-              <a:rPr lang="vi-VN" sz="2800" dirty="0" smtClean="0"/>
-              <a:t>cao;</a:t>
-            </a:r>
-            <a:endParaRPr lang="vi-VN" sz="2800" dirty="0" smtClean="0"/>
+              <a:rPr lang="vi-VN" sz="2800" smtClean="0"/>
+              <a:t>Có thể đạt độ chính xác rất cao;</a:t>
+            </a:r>
           </a:p>
           <a:p>
             <a:pPr algn="just" eaLnBrk="1" hangingPunct="1">
               <a:defRPr/>
             </a:pPr>
             <a:r>
-              <a:rPr lang="vi-VN" sz="2800" dirty="0" smtClean="0"/>
-              <a:t>Cần chi phí </a:t>
-            </a:r>
-            <a:r>
-              <a:rPr lang="vi-VN" sz="2800" dirty="0" smtClean="0"/>
-              <a:t>lớn và khó quản lý.</a:t>
-            </a:r>
-            <a:endParaRPr lang="vi-VN" sz="2000" dirty="0" smtClean="0"/>
+              <a:rPr lang="vi-VN" sz="2800" smtClean="0"/>
+              <a:t>Cần chi phí lớn và khó quản lý.</a:t>
+            </a:r>
+            <a:endParaRPr lang="vi-VN" sz="2000" smtClean="0"/>
           </a:p>
         </p:txBody>
       </p:sp>
@@ -19144,7 +20246,7 @@
               </a:pPr>
               <a:t>8</a:t>
             </a:fld>
-            <a:endParaRPr lang="vi-VN" dirty="0"/>
+            <a:endParaRPr lang="vi-VN"/>
           </a:p>
         </p:txBody>
       </p:sp>
@@ -19335,42 +20437,42 @@
           </a:lstStyle>
           <a:p>
             <a:r>
-              <a:rPr lang="en-US" b="0" dirty="0" err="1" smtClean="0"/>
+              <a:rPr lang="en-US" b="0" err="1" smtClean="0"/>
               <a:t>Ví</a:t>
             </a:r>
             <a:r>
-              <a:rPr lang="en-US" b="0" dirty="0" smtClean="0"/>
+              <a:rPr lang="en-US" b="0" smtClean="0"/>
               <a:t> </a:t>
             </a:r>
             <a:r>
-              <a:rPr lang="en-US" b="0" dirty="0" err="1" smtClean="0"/>
+              <a:rPr lang="en-US" b="0" err="1" smtClean="0"/>
               <a:t>dụ</a:t>
             </a:r>
             <a:r>
-              <a:rPr lang="en-US" b="0" dirty="0" smtClean="0"/>
+              <a:rPr lang="en-US" b="0" smtClean="0"/>
               <a:t> </a:t>
             </a:r>
             <a:r>
-              <a:rPr lang="en-US" b="0" dirty="0" err="1" smtClean="0"/>
+              <a:rPr lang="en-US" b="0" err="1" smtClean="0"/>
               <a:t>luật</a:t>
             </a:r>
             <a:r>
-              <a:rPr lang="en-US" b="0" dirty="0" smtClean="0"/>
+              <a:rPr lang="en-US" b="0" smtClean="0"/>
               <a:t> </a:t>
             </a:r>
             <a:r>
-              <a:rPr lang="en-US" b="0" dirty="0" err="1" smtClean="0"/>
+              <a:rPr lang="en-US" b="0" err="1" smtClean="0"/>
               <a:t>phân</a:t>
             </a:r>
             <a:r>
-              <a:rPr lang="en-US" b="0" dirty="0" smtClean="0"/>
+              <a:rPr lang="en-US" b="0" smtClean="0"/>
               <a:t> </a:t>
             </a:r>
             <a:r>
-              <a:rPr lang="en-US" b="0" dirty="0" err="1" smtClean="0"/>
+              <a:rPr lang="en-US" b="0" err="1" smtClean="0"/>
               <a:t>lớp</a:t>
             </a:r>
-            <a:endParaRPr lang="en-US" b="0" dirty="0"/>
+            <a:endParaRPr lang="en-US" b="0"/>
           </a:p>
         </p:txBody>
       </p:sp>
@@ -19510,7 +20612,7 @@
               </a:pPr>
               <a:t>9</a:t>
             </a:fld>
-            <a:endParaRPr lang="vi-VN" dirty="0"/>
+            <a:endParaRPr lang="vi-VN"/>
           </a:p>
         </p:txBody>
       </p:sp>
@@ -20146,7 +21248,7 @@
   </a:extraClrSchemeLst>
   <a:extLst>
     <a:ext uri="{05A4C25C-085E-4340-85A3-A5531E510DB2}">
-      <thm15:themeFamily xmlns="" xmlns:thm15="http://schemas.microsoft.com/office/thememl/2012/main" name="Office Theme" id="{62F939B6-93AF-4DB8-9C6B-D6C7DFDC589F}" vid="{4A3C46E8-61CC-4603-A589-7422A47A8E4A}"/>
+      <thm15:themeFamily xmlns:thm15="http://schemas.microsoft.com/office/thememl/2012/main" xmlns="" name="Office Theme" id="{62F939B6-93AF-4DB8-9C6B-D6C7DFDC589F}" vid="{4A3C46E8-61CC-4603-A589-7422A47A8E4A}"/>
     </a:ext>
   </a:extLst>
 </a:theme>
@@ -20407,7 +21509,7 @@
   <a:extraClrSchemeLst/>
   <a:extLst>
     <a:ext uri="{05A4C25C-085E-4340-85A3-A5531E510DB2}">
-      <thm15:themeFamily xmlns="" xmlns:thm15="http://schemas.microsoft.com/office/thememl/2012/main" name="Office Theme" id="{62F939B6-93AF-4DB8-9C6B-D6C7DFDC589F}" vid="{4A3C46E8-61CC-4603-A589-7422A47A8E4A}"/>
+      <thm15:themeFamily xmlns:thm15="http://schemas.microsoft.com/office/thememl/2012/main" xmlns="" name="Office Theme" id="{62F939B6-93AF-4DB8-9C6B-D6C7DFDC589F}" vid="{4A3C46E8-61CC-4603-A589-7422A47A8E4A}"/>
     </a:ext>
   </a:extLst>
 </a:theme>

--- a/Bai 14 Phan lop va ung dung trong tim kiem.pptx
+++ b/Bai 14 Phan lop va ung dung trong tim kiem.pptx
@@ -167,7 +167,7 @@
   </p:defaultTextStyle>
   <p:extLst>
     <p:ext uri="{EFAFB233-063F-42B5-8137-9DF3F51BA10A}">
-      <p15:sldGuideLst xmlns:p15="http://schemas.microsoft.com/office/powerpoint/2012/main" xmlns="">
+      <p15:sldGuideLst xmlns="" xmlns:p15="http://schemas.microsoft.com/office/powerpoint/2012/main">
         <p15:guide id="1" orient="horz" pos="2160">
           <p15:clr>
             <a:srgbClr val="A4A3A4"/>
@@ -17626,7 +17626,7 @@
           <a:graphicData uri="http://schemas.openxmlformats.org/presentationml/2006/ole">
             <mc:AlternateContent xmlns:mc="http://schemas.openxmlformats.org/markup-compatibility/2006">
               <mc:Choice xmlns:v="urn:schemas-microsoft-com:vml" Requires="v">
-                <p:oleObj spid="_x0000_s1467" name="Формула" r:id="rId3" imgW="1473200" imgH="419100" progId="Equation.3">
+                <p:oleObj spid="_x0000_s1494" name="Формула" r:id="rId3" imgW="1473200" imgH="419100" progId="Equation.3">
                   <p:embed/>
                 </p:oleObj>
               </mc:Choice>
@@ -17715,7 +17715,7 @@
           <a:graphicData uri="http://schemas.openxmlformats.org/presentationml/2006/ole">
             <mc:AlternateContent xmlns:mc="http://schemas.openxmlformats.org/markup-compatibility/2006">
               <mc:Choice xmlns:v="urn:schemas-microsoft-com:vml" Requires="v">
-                <p:oleObj spid="_x0000_s1468" name="Формула" r:id="rId5" imgW="1511300" imgH="419100" progId="Equation.3">
+                <p:oleObj spid="_x0000_s1495" name="Формула" r:id="rId5" imgW="1511300" imgH="419100" progId="Equation.3">
                   <p:embed/>
                 </p:oleObj>
               </mc:Choice>
@@ -17804,7 +17804,7 @@
           <a:graphicData uri="http://schemas.openxmlformats.org/presentationml/2006/ole">
             <mc:AlternateContent xmlns:mc="http://schemas.openxmlformats.org/markup-compatibility/2006">
               <mc:Choice xmlns:v="urn:schemas-microsoft-com:vml" Requires="v">
-                <p:oleObj spid="_x0000_s1469" name="Equation" r:id="rId7" imgW="698400" imgH="393480" progId="Equation.3">
+                <p:oleObj spid="_x0000_s1496" name="Equation" r:id="rId7" imgW="698400" imgH="393480" progId="Equation.3">
                   <p:embed/>
                 </p:oleObj>
               </mc:Choice>
@@ -18878,8 +18878,8 @@
           </a:p>
         </p:txBody>
       </p:sp>
-      <mc:AlternateContent xmlns:mc="http://schemas.openxmlformats.org/markup-compatibility/2006" xmlns:a14="http://schemas.microsoft.com/office/drawing/2010/main">
-        <mc:Choice Requires="a14">
+      <mc:AlternateContent xmlns:mc="http://schemas.openxmlformats.org/markup-compatibility/2006">
+        <mc:Choice xmlns:a14="http://schemas.microsoft.com/office/drawing/2010/main" Requires="a14">
           <p:sp>
             <p:nvSpPr>
               <p:cNvPr id="6147" name="Rectangle 3"/>
@@ -18947,7 +18947,15 @@
                 <a:pPr lvl="1"/>
                 <a:r>
                   <a:rPr lang="vi-VN" sz="2400"/>
-                  <a:t>X là tập văn bản;</a:t>
+                  <a:t>D</a:t>
+                </a:r>
+                <a:r>
+                  <a:rPr lang="vi-VN" sz="2400" smtClean="0"/>
+                  <a:t> </a:t>
+                </a:r>
+                <a:r>
+                  <a:rPr lang="vi-VN" sz="2400"/>
+                  <a:t>là tập văn bản;</a:t>
                 </a:r>
               </a:p>
               <a:p>
@@ -19036,14 +19044,33 @@
                           <a:rPr lang="vi-VN" sz="2400">
                             <a:latin typeface="Cambria Math"/>
                           </a:rPr>
-                          <m:t> ∈ </m:t>
+                          <m:t> ∈</m:t>
                         </m:r>
-                        <m:r>
-                          <a:rPr lang="vi-VN" sz="2400">
-                            <a:latin typeface="Cambria Math"/>
-                          </a:rPr>
-                          <m:t>𝑋</m:t>
-                        </m:r>
+                        <m:sSub>
+                          <m:sSubPr>
+                            <m:ctrlPr>
+                              <a:rPr lang="vi-VN" sz="2400" b="0" i="1" smtClean="0">
+                                <a:latin typeface="Cambria Math"/>
+                              </a:rPr>
+                            </m:ctrlPr>
+                          </m:sSubPr>
+                          <m:e>
+                            <m:r>
+                              <a:rPr lang="vi-VN" sz="2400" b="0" i="1" smtClean="0">
+                                <a:latin typeface="Cambria Math"/>
+                              </a:rPr>
+                              <m:t>𝐷</m:t>
+                            </m:r>
+                          </m:e>
+                          <m:sub>
+                            <m:r>
+                              <a:rPr lang="vi-VN" sz="2400" b="0" i="1" smtClean="0">
+                                <a:latin typeface="Cambria Math"/>
+                              </a:rPr>
+                              <m:t>𝑡𝑟𝑎𝑖𝑛𝑖𝑛𝑔</m:t>
+                            </m:r>
+                          </m:sub>
+                        </m:sSub>
                         <m:r>
                           <a:rPr lang="vi-VN" sz="2400">
                             <a:latin typeface="Cambria Math"/>
@@ -19071,13 +19098,17 @@
                       </m:e>
                     </m:d>
                     <m:r>
-                      <a:rPr lang="vi-VN" sz="2400">
+                      <a:rPr lang="vi-VN" sz="2400" b="0" i="0" smtClean="0">
                         <a:latin typeface="Cambria Math"/>
                       </a:rPr>
-                      <m:t>,</m:t>
+                      <m:t> </m:t>
                     </m:r>
                   </m:oMath>
                 </a14:m>
+                <a:r>
+                  <a:rPr lang="vi-VN" sz="2400" smtClean="0"/>
+                  <a:t>, cho biết một số văn bản tiêu biểu thuộc các lớp đã cho.</a:t>
+                </a:r>
                 <a:endParaRPr lang="vi-VN" sz="2400"/>
               </a:p>
               <a:p>
@@ -19130,12 +19161,31 @@
                       </a:rPr>
                       <m:t>:</m:t>
                     </m:r>
-                    <m:r>
-                      <a:rPr lang="vi-VN" sz="2400">
-                        <a:latin typeface="Cambria Math"/>
-                      </a:rPr>
-                      <m:t>𝑋</m:t>
-                    </m:r>
+                    <m:sSub>
+                      <m:sSubPr>
+                        <m:ctrlPr>
+                          <a:rPr lang="vi-VN" sz="2400" b="0" i="1" smtClean="0">
+                            <a:latin typeface="Cambria Math"/>
+                          </a:rPr>
+                        </m:ctrlPr>
+                      </m:sSubPr>
+                      <m:e>
+                        <m:r>
+                          <a:rPr lang="vi-VN" sz="2400" b="0" i="1" smtClean="0">
+                            <a:latin typeface="Cambria Math"/>
+                          </a:rPr>
+                          <m:t>𝐷</m:t>
+                        </m:r>
+                      </m:e>
+                      <m:sub>
+                        <m:r>
+                          <a:rPr lang="vi-VN" sz="2400" b="0" i="1" smtClean="0">
+                            <a:latin typeface="Cambria Math"/>
+                          </a:rPr>
+                          <m:t>𝑡𝑟𝑎𝑖𝑛𝑖𝑛𝑔</m:t>
+                        </m:r>
+                      </m:sub>
+                    </m:sSub>
                     <m:r>
                       <a:rPr lang="vi-VN" sz="2400">
                         <a:latin typeface="Cambria Math"/>
@@ -19166,24 +19216,12 @@
                   <a:t> </a:t>
                 </a:r>
                 <a:r>
-                  <a:rPr lang="vi-VN" sz="2800"/>
-                  <a:t>là xác định định lớp phù hợp nhất với </a:t>
-                </a:r>
-                <a:r>
-                  <a:rPr lang="vi-VN" sz="2800" smtClean="0"/>
-                  <a:t>văn bản</a:t>
-                </a:r>
-                <a:r>
                   <a:rPr lang="en-US" sz="2800" smtClean="0"/>
-                  <a:t>, </a:t>
-                </a:r>
-                <a:r>
-                  <a:rPr lang="en-US" sz="2800" err="1"/>
-                  <a:t>cho</a:t>
+                  <a:t>cho </a:t>
                 </a:r>
                 <a:r>
                   <a:rPr lang="en-US" sz="2800"/>
-                  <a:t> d ∈ X </a:t>
+                  <a:t>d ∈ X </a:t>
                 </a:r>
                 <a:r>
                   <a:rPr lang="en-US" sz="2800" err="1"/>
@@ -19209,13 +19247,19 @@
                   <a:rPr lang="en-US" sz="2800"/>
                   <a:t> </a:t>
                 </a:r>
-                <a:r>
-                  <a:rPr lang="el-GR" sz="2800"/>
-                  <a:t>ϒ</a:t>
-                </a:r>
+                <a14:m>
+                  <m:oMath xmlns:m="http://schemas.openxmlformats.org/officeDocument/2006/math">
+                    <m:r>
+                      <a:rPr lang="vi-VN" sz="2800">
+                        <a:latin typeface="Cambria Math"/>
+                      </a:rPr>
+                      <m:t>𝛾</m:t>
+                    </m:r>
+                  </m:oMath>
+                </a14:m>
                 <a:r>
                   <a:rPr lang="en-US" sz="2800"/>
-                  <a:t> (d) ∈ C.</a:t>
+                  <a:t>(d) ∈ C.</a:t>
                 </a:r>
               </a:p>
               <a:p>
@@ -19225,7 +19269,7 @@
             </p:txBody>
           </p:sp>
         </mc:Choice>
-        <mc:Fallback xmlns="">
+        <mc:Fallback>
           <p:sp>
             <p:nvSpPr>
               <p:cNvPr id="6147" name="Rectangle 3"/>
@@ -19244,7 +19288,7 @@
               <a:blipFill rotWithShape="1">
                 <a:blip r:embed="rId3"/>
                 <a:stretch>
-                  <a:fillRect l="-292" t="-1259" r="-1534"/>
+                  <a:fillRect l="-292" t="-1259" r="-1534" b="-756"/>
                 </a:stretch>
               </a:blipFill>
               <a:ln>
@@ -21248,7 +21292,7 @@
   </a:extraClrSchemeLst>
   <a:extLst>
     <a:ext uri="{05A4C25C-085E-4340-85A3-A5531E510DB2}">
-      <thm15:themeFamily xmlns:thm15="http://schemas.microsoft.com/office/thememl/2012/main" xmlns="" name="Office Theme" id="{62F939B6-93AF-4DB8-9C6B-D6C7DFDC589F}" vid="{4A3C46E8-61CC-4603-A589-7422A47A8E4A}"/>
+      <thm15:themeFamily xmlns="" xmlns:thm15="http://schemas.microsoft.com/office/thememl/2012/main" name="Office Theme" id="{62F939B6-93AF-4DB8-9C6B-D6C7DFDC589F}" vid="{4A3C46E8-61CC-4603-A589-7422A47A8E4A}"/>
     </a:ext>
   </a:extLst>
 </a:theme>
@@ -21509,7 +21553,7 @@
   <a:extraClrSchemeLst/>
   <a:extLst>
     <a:ext uri="{05A4C25C-085E-4340-85A3-A5531E510DB2}">
-      <thm15:themeFamily xmlns:thm15="http://schemas.microsoft.com/office/thememl/2012/main" xmlns="" name="Office Theme" id="{62F939B6-93AF-4DB8-9C6B-D6C7DFDC589F}" vid="{4A3C46E8-61CC-4603-A589-7422A47A8E4A}"/>
+      <thm15:themeFamily xmlns="" xmlns:thm15="http://schemas.microsoft.com/office/thememl/2012/main" name="Office Theme" id="{62F939B6-93AF-4DB8-9C6B-D6C7DFDC589F}" vid="{4A3C46E8-61CC-4603-A589-7422A47A8E4A}"/>
     </a:ext>
   </a:extLst>
 </a:theme>

--- a/Bai 14 Phan lop va ung dung trong tim kiem.pptx
+++ b/Bai 14 Phan lop va ung dung trong tim kiem.pptx
@@ -167,7 +167,7 @@
   </p:defaultTextStyle>
   <p:extLst>
     <p:ext uri="{EFAFB233-063F-42B5-8137-9DF3F51BA10A}">
-      <p15:sldGuideLst xmlns="" xmlns:p15="http://schemas.microsoft.com/office/powerpoint/2012/main">
+      <p15:sldGuideLst xmlns:p15="http://schemas.microsoft.com/office/powerpoint/2012/main" xmlns="">
         <p15:guide id="1" orient="horz" pos="2160">
           <p15:clr>
             <a:srgbClr val="A4A3A4"/>
@@ -7553,18 +7553,29 @@
         </p:nvSpPr>
         <p:spPr>
           <a:xfrm>
-            <a:off x="1259632" y="3645024"/>
-            <a:ext cx="6768752" cy="1993776"/>
+            <a:off x="611560" y="3645024"/>
+            <a:ext cx="8352928" cy="1993776"/>
           </a:xfrm>
         </p:spPr>
         <p:txBody>
           <a:bodyPr/>
           <a:lstStyle/>
           <a:p>
-            <a:pPr algn="r" eaLnBrk="1" hangingPunct="1"/>
+            <a:pPr algn="just" eaLnBrk="1" hangingPunct="1"/>
             <a:r>
               <a:rPr lang="vi-VN" sz="2800" smtClean="0"/>
-              <a:t>Chương 14. Phân lớp và ứng dụng trong tìm kiếm</a:t>
+              <a:t>Chương 14. Phân lớp và ứng dụng trong tìm </a:t>
+            </a:r>
+            <a:r>
+              <a:rPr lang="vi-VN" sz="2800" smtClean="0"/>
+              <a:t>kiếm</a:t>
+            </a:r>
+          </a:p>
+          <a:p>
+            <a:pPr algn="just" eaLnBrk="1" hangingPunct="1"/>
+            <a:r>
+              <a:rPr lang="vi-VN" sz="2800" smtClean="0"/>
+              <a:t>IIR.C13. Text classification and Naive Bayes</a:t>
             </a:r>
             <a:endParaRPr lang="vi-VN" sz="2000" smtClean="0"/>
           </a:p>
@@ -17626,7 +17637,7 @@
           <a:graphicData uri="http://schemas.openxmlformats.org/presentationml/2006/ole">
             <mc:AlternateContent xmlns:mc="http://schemas.openxmlformats.org/markup-compatibility/2006">
               <mc:Choice xmlns:v="urn:schemas-microsoft-com:vml" Requires="v">
-                <p:oleObj spid="_x0000_s1494" name="Формула" r:id="rId3" imgW="1473200" imgH="419100" progId="Equation.3">
+                <p:oleObj spid="_x0000_s1497" name="Формула" r:id="rId3" imgW="1473200" imgH="419100" progId="Equation.3">
                   <p:embed/>
                 </p:oleObj>
               </mc:Choice>
@@ -17715,7 +17726,7 @@
           <a:graphicData uri="http://schemas.openxmlformats.org/presentationml/2006/ole">
             <mc:AlternateContent xmlns:mc="http://schemas.openxmlformats.org/markup-compatibility/2006">
               <mc:Choice xmlns:v="urn:schemas-microsoft-com:vml" Requires="v">
-                <p:oleObj spid="_x0000_s1495" name="Формула" r:id="rId5" imgW="1511300" imgH="419100" progId="Equation.3">
+                <p:oleObj spid="_x0000_s1498" name="Формула" r:id="rId5" imgW="1511300" imgH="419100" progId="Equation.3">
                   <p:embed/>
                 </p:oleObj>
               </mc:Choice>
@@ -17804,7 +17815,7 @@
           <a:graphicData uri="http://schemas.openxmlformats.org/presentationml/2006/ole">
             <mc:AlternateContent xmlns:mc="http://schemas.openxmlformats.org/markup-compatibility/2006">
               <mc:Choice xmlns:v="urn:schemas-microsoft-com:vml" Requires="v">
-                <p:oleObj spid="_x0000_s1496" name="Equation" r:id="rId7" imgW="698400" imgH="393480" progId="Equation.3">
+                <p:oleObj spid="_x0000_s1499" name="Equation" r:id="rId7" imgW="698400" imgH="393480" progId="Equation.3">
                   <p:embed/>
                 </p:oleObj>
               </mc:Choice>
@@ -18878,8 +18889,8 @@
           </a:p>
         </p:txBody>
       </p:sp>
-      <mc:AlternateContent xmlns:mc="http://schemas.openxmlformats.org/markup-compatibility/2006">
-        <mc:Choice xmlns:a14="http://schemas.microsoft.com/office/drawing/2010/main" Requires="a14">
+      <mc:AlternateContent xmlns:mc="http://schemas.openxmlformats.org/markup-compatibility/2006" xmlns:a14="http://schemas.microsoft.com/office/drawing/2010/main">
+        <mc:Choice Requires="a14">
           <p:sp>
             <p:nvSpPr>
               <p:cNvPr id="6147" name="Rectangle 3"/>
@@ -19269,7 +19280,7 @@
             </p:txBody>
           </p:sp>
         </mc:Choice>
-        <mc:Fallback>
+        <mc:Fallback xmlns="">
           <p:sp>
             <p:nvSpPr>
               <p:cNvPr id="6147" name="Rectangle 3"/>
@@ -21292,7 +21303,7 @@
   </a:extraClrSchemeLst>
   <a:extLst>
     <a:ext uri="{05A4C25C-085E-4340-85A3-A5531E510DB2}">
-      <thm15:themeFamily xmlns="" xmlns:thm15="http://schemas.microsoft.com/office/thememl/2012/main" name="Office Theme" id="{62F939B6-93AF-4DB8-9C6B-D6C7DFDC589F}" vid="{4A3C46E8-61CC-4603-A589-7422A47A8E4A}"/>
+      <thm15:themeFamily xmlns:thm15="http://schemas.microsoft.com/office/thememl/2012/main" xmlns="" name="Office Theme" id="{62F939B6-93AF-4DB8-9C6B-D6C7DFDC589F}" vid="{4A3C46E8-61CC-4603-A589-7422A47A8E4A}"/>
     </a:ext>
   </a:extLst>
 </a:theme>
@@ -21553,7 +21564,7 @@
   <a:extraClrSchemeLst/>
   <a:extLst>
     <a:ext uri="{05A4C25C-085E-4340-85A3-A5531E510DB2}">
-      <thm15:themeFamily xmlns="" xmlns:thm15="http://schemas.microsoft.com/office/thememl/2012/main" name="Office Theme" id="{62F939B6-93AF-4DB8-9C6B-D6C7DFDC589F}" vid="{4A3C46E8-61CC-4603-A589-7422A47A8E4A}"/>
+      <thm15:themeFamily xmlns:thm15="http://schemas.microsoft.com/office/thememl/2012/main" xmlns="" name="Office Theme" id="{62F939B6-93AF-4DB8-9C6B-D6C7DFDC589F}" vid="{4A3C46E8-61CC-4603-A589-7422A47A8E4A}"/>
     </a:ext>
   </a:extLst>
 </a:theme>
